--- a/02.Setting up the Environments/02.Setting up the Environments.pptx
+++ b/02.Setting up the Environments/02.Setting up the Environments.pptx
@@ -347,7 +347,7 @@
           <a:p>
             <a:fld id="{DE219B1A-AE41-483B-A766-69B9363DDA6A}" type="datetimeFigureOut">
               <a:rPr lang="en-US" smtClean="0"/>
-              <a:t>8/21/2014</a:t>
+              <a:t>8/27/2014</a:t>
             </a:fld>
             <a:endParaRPr lang="en-US"/>
           </a:p>
@@ -629,7 +629,7 @@
           <a:p>
             <a:fld id="{D51B1278-D92B-4AF3-A9C1-71DD298190CE}" type="datetimeFigureOut">
               <a:rPr lang="en-US" smtClean="0"/>
-              <a:t>8/21/2014</a:t>
+              <a:t>8/27/2014</a:t>
             </a:fld>
             <a:endParaRPr lang="en-US"/>
           </a:p>
@@ -1224,7 +1224,7 @@
           <a:p>
             <a:fld id="{4F0210BE-2A39-4D0E-9359-F64D4B884D4E}" type="datetime1">
               <a:rPr lang="en-US" smtClean="0"/>
-              <a:t>8/21/2014</a:t>
+              <a:t>8/27/2014</a:t>
             </a:fld>
             <a:endParaRPr lang="en-US"/>
           </a:p>
@@ -1434,7 +1434,7 @@
           <a:p>
             <a:fld id="{CA454356-7988-4E39-B534-EC35F7CCC11C}" type="datetime1">
               <a:rPr lang="en-US" smtClean="0"/>
-              <a:t>8/21/2014</a:t>
+              <a:t>8/27/2014</a:t>
             </a:fld>
             <a:endParaRPr lang="en-US"/>
           </a:p>
@@ -1640,7 +1640,7 @@
           <a:p>
             <a:fld id="{1B816852-F550-4F1E-AE22-5580BB5390CD}" type="datetime1">
               <a:rPr lang="en-US" smtClean="0"/>
-              <a:t>8/21/2014</a:t>
+              <a:t>8/27/2014</a:t>
             </a:fld>
             <a:endParaRPr lang="en-US"/>
           </a:p>
@@ -1850,7 +1850,7 @@
           <a:p>
             <a:fld id="{8C3D3F17-9065-4B2A-80EA-09A3A0159250}" type="datetime1">
               <a:rPr lang="en-US" smtClean="0"/>
-              <a:t>8/21/2014</a:t>
+              <a:t>8/27/2014</a:t>
             </a:fld>
             <a:endParaRPr lang="en-US"/>
           </a:p>
@@ -2167,7 +2167,7 @@
           <a:p>
             <a:fld id="{E94FB22D-AF06-49F0-ABFB-4A3B32E04FBE}" type="datetime1">
               <a:rPr lang="en-US" smtClean="0"/>
-              <a:t>8/21/2014</a:t>
+              <a:t>8/27/2014</a:t>
             </a:fld>
             <a:endParaRPr lang="en-US"/>
           </a:p>
@@ -2274,7 +2274,7 @@
           <a:p>
             <a:fld id="{35A2105E-80AA-4B38-BA9C-D7E35197D8BA}" type="datetime1">
               <a:rPr lang="en-US" smtClean="0"/>
-              <a:t>8/21/2014</a:t>
+              <a:t>8/27/2014</a:t>
             </a:fld>
             <a:endParaRPr lang="en-US"/>
           </a:p>
@@ -2480,7 +2480,7 @@
           <a:p>
             <a:fld id="{C5A2A3EB-BE87-4080-97A4-5341D2051EE4}" type="datetime1">
               <a:rPr lang="en-US" smtClean="0"/>
-              <a:t>8/21/2014</a:t>
+              <a:t>8/27/2014</a:t>
             </a:fld>
             <a:endParaRPr lang="en-US"/>
           </a:p>
@@ -2837,7 +2837,7 @@
           <a:p>
             <a:fld id="{B079C3B8-7366-4A44-A34B-3977080C19E7}" type="datetime1">
               <a:rPr lang="en-US" smtClean="0"/>
-              <a:t>8/21/2014</a:t>
+              <a:t>8/27/2014</a:t>
             </a:fld>
             <a:endParaRPr lang="en-US" dirty="0"/>
           </a:p>
@@ -3079,7 +3079,7 @@
           <a:p>
             <a:fld id="{0BB6559B-C68D-49B4-97AE-9BB74C417927}" type="datetime1">
               <a:rPr lang="en-US" smtClean="0"/>
-              <a:t>8/21/2014</a:t>
+              <a:t>8/27/2014</a:t>
             </a:fld>
             <a:endParaRPr lang="en-US"/>
           </a:p>
@@ -3337,7 +3337,7 @@
           <a:p>
             <a:fld id="{B079C3B8-7366-4A44-A34B-3977080C19E7}" type="datetime1">
               <a:rPr lang="en-US" smtClean="0"/>
-              <a:t>8/21/2014</a:t>
+              <a:t>8/27/2014</a:t>
             </a:fld>
             <a:endParaRPr lang="en-US" dirty="0"/>
           </a:p>
@@ -3468,7 +3468,7 @@
           <a:p>
             <a:fld id="{9A443B04-064F-4871-9D9F-BDCA414B0371}" type="datetime1">
               <a:rPr lang="en-US" smtClean="0"/>
-              <a:t>8/21/2014</a:t>
+              <a:t>8/27/2014</a:t>
             </a:fld>
             <a:endParaRPr lang="en-US"/>
           </a:p>
@@ -3705,7 +3705,7 @@
           <a:p>
             <a:fld id="{7017412A-FAE9-499A-B3C7-924D02AB998D}" type="datetime1">
               <a:rPr lang="en-US" smtClean="0"/>
-              <a:t>8/21/2014</a:t>
+              <a:t>8/27/2014</a:t>
             </a:fld>
             <a:endParaRPr lang="en-US"/>
           </a:p>
@@ -3917,7 +3917,7 @@
           <a:p>
             <a:fld id="{4692986F-2699-409F-8A21-4F1A3E24BE62}" type="datetime1">
               <a:rPr lang="en-US" smtClean="0"/>
-              <a:t>8/21/2014</a:t>
+              <a:t>8/27/2014</a:t>
             </a:fld>
             <a:endParaRPr lang="en-US"/>
           </a:p>
@@ -4149,7 +4149,7 @@
           <a:p>
             <a:fld id="{EC07A5DE-1429-409E-95F7-F13CDA16C6E2}" type="datetime1">
               <a:rPr lang="en-US" smtClean="0"/>
-              <a:t>8/21/2014</a:t>
+              <a:t>8/27/2014</a:t>
             </a:fld>
             <a:endParaRPr lang="en-US"/>
           </a:p>
@@ -4373,7 +4373,7 @@
           <a:p>
             <a:fld id="{BBA7F52A-B8F7-43B0-8B42-741D53CB577A}" type="datetime1">
               <a:rPr lang="en-US" smtClean="0"/>
-              <a:t>8/21/2014</a:t>
+              <a:t>8/27/2014</a:t>
             </a:fld>
             <a:endParaRPr lang="en-US"/>
           </a:p>
@@ -4589,7 +4589,7 @@
           <a:p>
             <a:fld id="{4B1490A0-601F-404D-B7DA-4F4F3A8C8BB1}" type="datetime1">
               <a:rPr lang="en-US" smtClean="0"/>
-              <a:t>8/21/2014</a:t>
+              <a:t>8/27/2014</a:t>
             </a:fld>
             <a:endParaRPr lang="en-US"/>
           </a:p>
@@ -19434,7 +19434,7 @@
               </a:ln>
               <a:extLst>
                 <a:ext uri="{91240B29-F687-4f45-9708-019B960494DF}">
-                  <a14:hiddenLine xmlns:a14="http://schemas.microsoft.com/office/drawing/2010/main" xmlns="" w="9525">
+                  <a14:hiddenLine xmlns="" xmlns:a14="http://schemas.microsoft.com/office/drawing/2010/main" w="9525">
                     <a:solidFill>
                       <a:srgbClr val="000000"/>
                     </a:solidFill>
@@ -22239,7 +22239,7 @@
                 </a:ln>
                 <a:extLst>
                   <a:ext uri="{91240B29-F687-4f45-9708-019B960494DF}">
-                    <a14:hiddenLine xmlns="" xmlns:a14="http://schemas.microsoft.com/office/drawing/2010/main" w="9525">
+                    <a14:hiddenLine xmlns:a14="http://schemas.microsoft.com/office/drawing/2010/main" xmlns="" w="9525">
                       <a:solidFill>
                         <a:srgbClr val="000000"/>
                       </a:solidFill>
@@ -27277,7 +27277,7 @@
                 </a:ln>
                 <a:extLst>
                   <a:ext uri="{91240B29-F687-4f45-9708-019B960494DF}">
-                    <a14:hiddenLine xmlns="" xmlns:a14="http://schemas.microsoft.com/office/drawing/2010/main" w="9525">
+                    <a14:hiddenLine xmlns:a14="http://schemas.microsoft.com/office/drawing/2010/main" xmlns="" w="9525">
                       <a:solidFill>
                         <a:srgbClr val="000000"/>
                       </a:solidFill>
@@ -27868,7 +27868,7 @@
                 </a:ln>
                 <a:extLst>
                   <a:ext uri="{91240B29-F687-4f45-9708-019B960494DF}">
-                    <a14:hiddenLine xmlns="" xmlns:a14="http://schemas.microsoft.com/office/drawing/2010/main" w="9525">
+                    <a14:hiddenLine xmlns:a14="http://schemas.microsoft.com/office/drawing/2010/main" xmlns="" w="9525">
                       <a:solidFill>
                         <a:srgbClr val="000000"/>
                       </a:solidFill>
@@ -30210,20 +30210,29 @@
           <a:p>
             <a:r>
               <a:rPr lang="en-US" dirty="0" smtClean="0"/>
-              <a:t>Exchange</a:t>
+              <a:t>Exchange Online</a:t>
             </a:r>
+            <a:endParaRPr lang="en-US" dirty="0" smtClean="0"/>
           </a:p>
           <a:p>
             <a:r>
               <a:rPr lang="en-US" dirty="0" smtClean="0"/>
-              <a:t>SharePoint</a:t>
+              <a:t>SharePoint Online</a:t>
             </a:r>
+            <a:endParaRPr lang="en-US" dirty="0" smtClean="0"/>
           </a:p>
           <a:p>
             <a:r>
               <a:rPr lang="en-US" dirty="0" smtClean="0"/>
-              <a:t>OneDrive</a:t>
+              <a:t>OneDrive for Business</a:t>
             </a:r>
+          </a:p>
+          <a:p>
+            <a:r>
+              <a:rPr lang="en-US" dirty="0" smtClean="0"/>
+              <a:t>Yammer</a:t>
+            </a:r>
+            <a:endParaRPr lang="en-US" dirty="0" smtClean="0"/>
           </a:p>
           <a:p>
             <a:r>
@@ -30494,7 +30503,7 @@
                 <a:gridCol w="11225057">
                   <a:extLst>
                     <a:ext uri="{9D8B030D-6E8A-4147-A177-3AD203B41FA5}">
-                      <a16:colId xmlns="" xmlns:a16="http://schemas.microsoft.com/office/drawing/2014/main" val="1253488153"/>
+                      <a16:colId xmlns:a16="http://schemas.microsoft.com/office/drawing/2014/main" xmlns="" val="1253488153"/>
                     </a:ext>
                   </a:extLst>
                 </a:gridCol>
@@ -30516,7 +30525,7 @@
                 </a:tc>
                 <a:extLst>
                   <a:ext uri="{0D108BD9-81ED-4DB2-BD59-A6C34878D82A}">
-                    <a16:rowId xmlns="" xmlns:a16="http://schemas.microsoft.com/office/drawing/2014/main" val="829859176"/>
+                    <a16:rowId xmlns:a16="http://schemas.microsoft.com/office/drawing/2014/main" xmlns="" val="829859176"/>
                   </a:ext>
                 </a:extLst>
               </a:tr>
@@ -30536,7 +30545,7 @@
                 </a:tc>
                 <a:extLst>
                   <a:ext uri="{0D108BD9-81ED-4DB2-BD59-A6C34878D82A}">
-                    <a16:rowId xmlns="" xmlns:a16="http://schemas.microsoft.com/office/drawing/2014/main" val="1946132611"/>
+                    <a16:rowId xmlns:a16="http://schemas.microsoft.com/office/drawing/2014/main" xmlns="" val="1946132611"/>
                   </a:ext>
                 </a:extLst>
               </a:tr>
@@ -30573,7 +30582,7 @@
                 </a:tc>
                 <a:extLst>
                   <a:ext uri="{0D108BD9-81ED-4DB2-BD59-A6C34878D82A}">
-                    <a16:rowId xmlns="" xmlns:a16="http://schemas.microsoft.com/office/drawing/2014/main" val="3204002662"/>
+                    <a16:rowId xmlns:a16="http://schemas.microsoft.com/office/drawing/2014/main" xmlns="" val="3204002662"/>
                   </a:ext>
                 </a:extLst>
               </a:tr>
@@ -30610,7 +30619,7 @@
                 </a:tc>
                 <a:extLst>
                   <a:ext uri="{0D108BD9-81ED-4DB2-BD59-A6C34878D82A}">
-                    <a16:rowId xmlns="" xmlns:a16="http://schemas.microsoft.com/office/drawing/2014/main" val="4266278162"/>
+                    <a16:rowId xmlns:a16="http://schemas.microsoft.com/office/drawing/2014/main" xmlns="" val="4266278162"/>
                   </a:ext>
                 </a:extLst>
               </a:tr>
@@ -30755,12 +30764,16 @@
             <a:graphicFrameLocks noGrp="1"/>
           </p:cNvGraphicFramePr>
           <p:nvPr>
-            <p:extLst/>
+            <p:extLst>
+              <p:ext uri="{D42A27DB-BD31-4B8C-83A1-F6EECF244321}">
+                <p14:modId xmlns:p14="http://schemas.microsoft.com/office/powerpoint/2010/main" val="3549469914"/>
+              </p:ext>
+            </p:extLst>
           </p:nvPr>
         </p:nvGraphicFramePr>
         <p:xfrm>
-          <a:off x="519112" y="1298944"/>
-          <a:ext cx="10368628" cy="4911508"/>
+          <a:off x="395822" y="966675"/>
+          <a:ext cx="9847513" cy="5553702"/>
         </p:xfrm>
         <a:graphic>
           <a:graphicData uri="http://schemas.openxmlformats.org/drawingml/2006/table">
@@ -30772,7 +30785,7 @@
                 <a:gridCol w="1996768"/>
                 <a:gridCol w="3076846"/>
                 <a:gridCol w="2504394"/>
-                <a:gridCol w="2790620"/>
+                <a:gridCol w="2269505"/>
               </a:tblGrid>
               <a:tr h="547609">
                 <a:tc>
@@ -31174,7 +31187,7 @@
                     <a:p>
                       <a:pPr marL="0" algn="l" defTabSz="914363" rtl="0" eaLnBrk="1" fontAlgn="b" latinLnBrk="0" hangingPunct="1"/>
                       <a:r>
-                        <a:rPr lang="en-US" sz="3200" b="0" u="none" strike="noStrike" kern="1200" dirty="0" smtClean="0">
+                        <a:rPr lang="en-US" sz="1800" b="0" u="none" strike="noStrike" kern="1200" dirty="0" smtClean="0">
                           <a:gradFill>
                             <a:gsLst>
                               <a:gs pos="1250">
@@ -31190,31 +31203,9 @@
                           <a:ea typeface="Segoe UI" pitchFamily="34" charset="0"/>
                           <a:cs typeface="Segoe UI" pitchFamily="34" charset="0"/>
                         </a:rPr>
-                        <a:t>Word</a:t>
+                        <a:t>Word, Excel, PowerPoint</a:t>
                       </a:r>
-                    </a:p>
-                    <a:p>
-                      <a:pPr marL="0" algn="l" defTabSz="914363" rtl="0" eaLnBrk="1" fontAlgn="b" latinLnBrk="0" hangingPunct="1"/>
-                      <a:r>
-                        <a:rPr lang="en-US" sz="3200" b="0" u="none" strike="noStrike" kern="1200" dirty="0" smtClean="0">
-                          <a:gradFill>
-                            <a:gsLst>
-                              <a:gs pos="1250">
-                                <a:schemeClr val="bg2"/>
-                              </a:gs>
-                              <a:gs pos="100000">
-                                <a:schemeClr val="bg2"/>
-                              </a:gs>
-                            </a:gsLst>
-                            <a:lin ang="5400000" scaled="0"/>
-                          </a:gradFill>
-                          <a:latin typeface="+mj-lt"/>
-                          <a:ea typeface="Segoe UI" pitchFamily="34" charset="0"/>
-                          <a:cs typeface="Segoe UI" pitchFamily="34" charset="0"/>
-                        </a:rPr>
-                        <a:t>Excel</a:t>
-                      </a:r>
-                      <a:endParaRPr lang="en-US" sz="3200" b="0" u="none" strike="noStrike" kern="1200" dirty="0">
+                      <a:endParaRPr lang="en-US" sz="1800" b="0" u="none" strike="noStrike" kern="1200" dirty="0">
                         <a:gradFill>
                           <a:gsLst>
                             <a:gs pos="1250">
@@ -31562,7 +31553,7 @@
                     <a:p>
                       <a:pPr marL="0" algn="l" defTabSz="914363" rtl="0" eaLnBrk="1" fontAlgn="b" latinLnBrk="0" hangingPunct="1"/>
                       <a:r>
-                        <a:rPr lang="en-US" sz="3200" b="0" u="none" strike="noStrike" kern="1200" dirty="0" smtClean="0">
+                        <a:rPr lang="en-US" sz="1800" b="0" u="none" strike="noStrike" kern="1200" dirty="0" smtClean="0">
                           <a:gradFill>
                             <a:gsLst>
                               <a:gs pos="1250">
@@ -31580,7 +31571,7 @@
                         </a:rPr>
                         <a:t>Outlook</a:t>
                       </a:r>
-                      <a:endParaRPr lang="en-US" sz="3200" b="0" u="none" strike="noStrike" kern="1200" dirty="0">
+                      <a:endParaRPr lang="en-US" sz="1800" b="0" u="none" strike="noStrike" kern="1200" dirty="0">
                         <a:gradFill>
                           <a:gsLst>
                             <a:gs pos="1250">
@@ -31944,7 +31935,7 @@
                     <a:p>
                       <a:pPr marL="0" algn="l" defTabSz="914363" rtl="0" eaLnBrk="1" fontAlgn="b" latinLnBrk="0" hangingPunct="1"/>
                       <a:r>
-                        <a:rPr lang="en-US" sz="3200" b="0" u="none" strike="noStrike" kern="1200" dirty="0" smtClean="0">
+                        <a:rPr lang="en-US" sz="1800" b="0" u="none" strike="noStrike" kern="1200" dirty="0" smtClean="0">
                           <a:gradFill>
                             <a:gsLst>
                               <a:gs pos="1250">
@@ -31960,9 +31951,9 @@
                           <a:ea typeface="Segoe UI" pitchFamily="34" charset="0"/>
                           <a:cs typeface="Segoe UI" pitchFamily="34" charset="0"/>
                         </a:rPr>
-                        <a:t>SharePoint</a:t>
+                        <a:t>SharePoint Online</a:t>
                       </a:r>
-                      <a:endParaRPr lang="en-US" sz="3200" b="0" u="none" strike="noStrike" kern="1200" dirty="0">
+                      <a:endParaRPr lang="en-US" sz="1800" b="0" u="none" strike="noStrike" kern="1200" dirty="0">
                         <a:gradFill>
                           <a:gsLst>
                             <a:gs pos="1250">
@@ -32332,7 +32323,7 @@
                     <a:p>
                       <a:pPr marL="0" algn="l" defTabSz="914363" rtl="0" eaLnBrk="1" fontAlgn="b" latinLnBrk="0" hangingPunct="1"/>
                       <a:r>
-                        <a:rPr lang="en-US" sz="3200" b="0" u="none" strike="noStrike" kern="1200" dirty="0" smtClean="0">
+                        <a:rPr lang="en-US" sz="1800" b="0" u="none" strike="noStrike" kern="1200" dirty="0" smtClean="0">
                           <a:gradFill>
                             <a:gsLst>
                               <a:gs pos="1250">
@@ -32348,9 +32339,9 @@
                           <a:ea typeface="Segoe UI" pitchFamily="34" charset="0"/>
                           <a:cs typeface="Segoe UI" pitchFamily="34" charset="0"/>
                         </a:rPr>
-                        <a:t>OneDrive</a:t>
+                        <a:t>OneDrive for Business</a:t>
                       </a:r>
-                      <a:endParaRPr lang="en-US" sz="3200" b="0" u="none" strike="noStrike" kern="1200" dirty="0">
+                      <a:endParaRPr lang="en-US" sz="1800" b="0" u="none" strike="noStrike" kern="1200" dirty="0">
                         <a:gradFill>
                           <a:gsLst>
                             <a:gs pos="1250">
@@ -32673,7 +32664,7 @@
                     <a:p>
                       <a:pPr marL="0" algn="l" defTabSz="914363" rtl="0" eaLnBrk="1" fontAlgn="b" latinLnBrk="0" hangingPunct="1"/>
                       <a:r>
-                        <a:rPr lang="en-US" sz="3200" b="0" u="none" strike="noStrike" kern="1200" dirty="0" smtClean="0">
+                        <a:rPr lang="en-US" sz="1800" b="0" u="none" strike="noStrike" kern="1200" dirty="0" smtClean="0">
                           <a:gradFill>
                             <a:gsLst>
                               <a:gs pos="1250">
@@ -32691,7 +32682,348 @@
                         </a:rPr>
                         <a:t>AAD</a:t>
                       </a:r>
-                      <a:endParaRPr lang="en-US" sz="3200" b="0" u="none" strike="noStrike" kern="1200" dirty="0">
+                      <a:endParaRPr lang="en-US" sz="1800" b="0" u="none" strike="noStrike" kern="1200" dirty="0">
+                        <a:gradFill>
+                          <a:gsLst>
+                            <a:gs pos="1250">
+                              <a:schemeClr val="bg2"/>
+                            </a:gs>
+                            <a:gs pos="100000">
+                              <a:schemeClr val="bg2"/>
+                            </a:gs>
+                          </a:gsLst>
+                          <a:lin ang="5400000" scaled="0"/>
+                        </a:gradFill>
+                        <a:latin typeface="+mj-lt"/>
+                        <a:ea typeface="Segoe UI" pitchFamily="34" charset="0"/>
+                        <a:cs typeface="Segoe UI" pitchFamily="34" charset="0"/>
+                      </a:endParaRPr>
+                    </a:p>
+                  </a:txBody>
+                  <a:tcPr marT="0" marB="0" anchor="ctr">
+                    <a:lnL w="3175" cap="flat" cmpd="sng" algn="ctr">
+                      <a:noFill/>
+                      <a:prstDash val="solid"/>
+                      <a:round/>
+                      <a:headEnd type="none" w="med" len="med"/>
+                      <a:tailEnd type="none" w="med" len="med"/>
+                    </a:lnL>
+                    <a:lnR w="38100" cap="flat" cmpd="sng" algn="ctr">
+                      <a:solidFill>
+                        <a:schemeClr val="bg1"/>
+                      </a:solidFill>
+                      <a:prstDash val="solid"/>
+                      <a:round/>
+                      <a:headEnd type="none" w="med" len="med"/>
+                      <a:tailEnd type="none" w="med" len="med"/>
+                    </a:lnR>
+                    <a:lnT w="38100" cap="flat" cmpd="sng" algn="ctr">
+                      <a:solidFill>
+                        <a:schemeClr val="bg1"/>
+                      </a:solidFill>
+                      <a:prstDash val="solid"/>
+                      <a:round/>
+                      <a:headEnd type="none" w="med" len="med"/>
+                      <a:tailEnd type="none" w="med" len="med"/>
+                    </a:lnT>
+                    <a:lnB w="38100" cap="flat" cmpd="sng" algn="ctr">
+                      <a:solidFill>
+                        <a:schemeClr val="bg1"/>
+                      </a:solidFill>
+                      <a:prstDash val="solid"/>
+                      <a:round/>
+                      <a:headEnd type="none" w="med" len="med"/>
+                      <a:tailEnd type="none" w="med" len="med"/>
+                    </a:lnB>
+                    <a:lnTlToBr w="12700" cmpd="sng">
+                      <a:noFill/>
+                      <a:prstDash val="solid"/>
+                    </a:lnTlToBr>
+                    <a:lnBlToTr w="12700" cmpd="sng">
+                      <a:noFill/>
+                      <a:prstDash val="solid"/>
+                    </a:lnBlToTr>
+                    <a:noFill/>
+                  </a:tcPr>
+                </a:tc>
+                <a:tc>
+                  <a:txBody>
+                    <a:bodyPr/>
+                    <a:lstStyle/>
+                    <a:p>
+                      <a:pPr marL="0" algn="l" defTabSz="914363" rtl="0" eaLnBrk="1" latinLnBrk="0" hangingPunct="1"/>
+                      <a:endParaRPr lang="en-US" sz="1800" b="0" u="none" strike="noStrike" kern="1200" dirty="0">
+                        <a:gradFill>
+                          <a:gsLst>
+                            <a:gs pos="0">
+                              <a:schemeClr val="tx1"/>
+                            </a:gs>
+                            <a:gs pos="100000">
+                              <a:schemeClr val="tx1"/>
+                            </a:gs>
+                          </a:gsLst>
+                          <a:lin ang="5400000" scaled="0"/>
+                        </a:gradFill>
+                        <a:latin typeface="+mn-lt"/>
+                        <a:ea typeface="Segoe UI" pitchFamily="34" charset="0"/>
+                        <a:cs typeface="Segoe UI" pitchFamily="34" charset="0"/>
+                      </a:endParaRPr>
+                    </a:p>
+                  </a:txBody>
+                  <a:tcPr anchor="ctr" anchorCtr="1">
+                    <a:lnL w="38100" cap="flat" cmpd="sng" algn="ctr">
+                      <a:solidFill>
+                        <a:schemeClr val="bg1"/>
+                      </a:solidFill>
+                      <a:prstDash val="solid"/>
+                      <a:round/>
+                      <a:headEnd type="none" w="med" len="med"/>
+                      <a:tailEnd type="none" w="med" len="med"/>
+                    </a:lnL>
+                    <a:lnR w="38100" cap="flat" cmpd="sng" algn="ctr">
+                      <a:solidFill>
+                        <a:schemeClr val="bg1"/>
+                      </a:solidFill>
+                      <a:prstDash val="solid"/>
+                      <a:round/>
+                      <a:headEnd type="none" w="med" len="med"/>
+                      <a:tailEnd type="none" w="med" len="med"/>
+                    </a:lnR>
+                    <a:lnT w="38100" cap="flat" cmpd="sng" algn="ctr">
+                      <a:solidFill>
+                        <a:schemeClr val="bg1"/>
+                      </a:solidFill>
+                      <a:prstDash val="solid"/>
+                      <a:round/>
+                      <a:headEnd type="none" w="med" len="med"/>
+                      <a:tailEnd type="none" w="med" len="med"/>
+                    </a:lnT>
+                    <a:lnB w="38100" cap="flat" cmpd="sng" algn="ctr">
+                      <a:solidFill>
+                        <a:schemeClr val="bg1"/>
+                      </a:solidFill>
+                      <a:prstDash val="solid"/>
+                      <a:round/>
+                      <a:headEnd type="none" w="med" len="med"/>
+                      <a:tailEnd type="none" w="med" len="med"/>
+                    </a:lnB>
+                    <a:lnTlToBr w="12700" cmpd="sng">
+                      <a:noFill/>
+                      <a:prstDash val="solid"/>
+                    </a:lnTlToBr>
+                    <a:lnBlToTr w="12700" cmpd="sng">
+                      <a:noFill/>
+                      <a:prstDash val="solid"/>
+                    </a:lnBlToTr>
+                    <a:solidFill>
+                      <a:schemeClr val="bg1">
+                        <a:lumMod val="95000"/>
+                      </a:schemeClr>
+                    </a:solidFill>
+                  </a:tcPr>
+                </a:tc>
+                <a:tc>
+                  <a:txBody>
+                    <a:bodyPr/>
+                    <a:lstStyle/>
+                    <a:p>
+                      <a:pPr marL="0" algn="l" defTabSz="914363" rtl="0" eaLnBrk="1" latinLnBrk="0" hangingPunct="1"/>
+                      <a:endParaRPr lang="en-US" sz="1800" b="0" u="none" strike="noStrike" kern="1200" dirty="0">
+                        <a:gradFill>
+                          <a:gsLst>
+                            <a:gs pos="0">
+                              <a:schemeClr val="tx1"/>
+                            </a:gs>
+                            <a:gs pos="100000">
+                              <a:schemeClr val="tx1"/>
+                            </a:gs>
+                          </a:gsLst>
+                          <a:lin ang="5400000" scaled="0"/>
+                        </a:gradFill>
+                        <a:latin typeface="+mn-lt"/>
+                        <a:ea typeface="Segoe UI" pitchFamily="34" charset="0"/>
+                        <a:cs typeface="Segoe UI" pitchFamily="34" charset="0"/>
+                      </a:endParaRPr>
+                    </a:p>
+                  </a:txBody>
+                  <a:tcPr anchor="ctr" anchorCtr="1">
+                    <a:lnL w="38100" cap="flat" cmpd="sng" algn="ctr">
+                      <a:solidFill>
+                        <a:schemeClr val="bg1"/>
+                      </a:solidFill>
+                      <a:prstDash val="solid"/>
+                      <a:round/>
+                      <a:headEnd type="none" w="med" len="med"/>
+                      <a:tailEnd type="none" w="med" len="med"/>
+                    </a:lnL>
+                    <a:lnR w="38100" cap="flat" cmpd="sng" algn="ctr">
+                      <a:solidFill>
+                        <a:schemeClr val="bg1"/>
+                      </a:solidFill>
+                      <a:prstDash val="solid"/>
+                      <a:round/>
+                      <a:headEnd type="none" w="med" len="med"/>
+                      <a:tailEnd type="none" w="med" len="med"/>
+                    </a:lnR>
+                    <a:lnT w="38100" cap="flat" cmpd="sng" algn="ctr">
+                      <a:solidFill>
+                        <a:schemeClr val="bg1"/>
+                      </a:solidFill>
+                      <a:prstDash val="solid"/>
+                      <a:round/>
+                      <a:headEnd type="none" w="med" len="med"/>
+                      <a:tailEnd type="none" w="med" len="med"/>
+                    </a:lnT>
+                    <a:lnB w="38100" cap="flat" cmpd="sng" algn="ctr">
+                      <a:solidFill>
+                        <a:schemeClr val="bg1"/>
+                      </a:solidFill>
+                      <a:prstDash val="solid"/>
+                      <a:round/>
+                      <a:headEnd type="none" w="med" len="med"/>
+                      <a:tailEnd type="none" w="med" len="med"/>
+                    </a:lnB>
+                    <a:lnTlToBr w="12700" cmpd="sng">
+                      <a:noFill/>
+                      <a:prstDash val="solid"/>
+                    </a:lnTlToBr>
+                    <a:lnBlToTr w="12700" cmpd="sng">
+                      <a:noFill/>
+                      <a:prstDash val="solid"/>
+                    </a:lnBlToTr>
+                    <a:solidFill>
+                      <a:schemeClr val="bg1">
+                        <a:lumMod val="95000"/>
+                      </a:schemeClr>
+                    </a:solidFill>
+                  </a:tcPr>
+                </a:tc>
+                <a:tc>
+                  <a:txBody>
+                    <a:bodyPr/>
+                    <a:lstStyle/>
+                    <a:p>
+                      <a:pPr marL="285750" indent="-285750" algn="l" defTabSz="914363" rtl="0" eaLnBrk="1" latinLnBrk="0" hangingPunct="1">
+                        <a:buFont typeface="Arial" panose="020B0604020202020204" pitchFamily="34" charset="0"/>
+                        <a:buChar char="•"/>
+                      </a:pPr>
+                      <a:r>
+                        <a:rPr lang="en-US" sz="1800" b="0" u="none" strike="noStrike" kern="1200" dirty="0" smtClean="0">
+                          <a:gradFill>
+                            <a:gsLst>
+                              <a:gs pos="0">
+                                <a:schemeClr val="tx1"/>
+                              </a:gs>
+                              <a:gs pos="100000">
+                                <a:schemeClr val="tx1"/>
+                              </a:gs>
+                            </a:gsLst>
+                            <a:lin ang="5400000" scaled="0"/>
+                          </a:gradFill>
+                          <a:latin typeface="+mn-lt"/>
+                          <a:ea typeface="Segoe UI" pitchFamily="34" charset="0"/>
+                          <a:cs typeface="Segoe UI" pitchFamily="34" charset="0"/>
+                        </a:rPr>
+                        <a:t>Graph Client</a:t>
+                      </a:r>
+                      <a:endParaRPr lang="en-US" sz="1800" b="0" u="none" strike="noStrike" kern="1200" dirty="0">
+                        <a:gradFill>
+                          <a:gsLst>
+                            <a:gs pos="0">
+                              <a:schemeClr val="tx1"/>
+                            </a:gs>
+                            <a:gs pos="100000">
+                              <a:schemeClr val="tx1"/>
+                            </a:gs>
+                          </a:gsLst>
+                          <a:lin ang="5400000" scaled="0"/>
+                        </a:gradFill>
+                        <a:latin typeface="+mn-lt"/>
+                        <a:ea typeface="Segoe UI" pitchFamily="34" charset="0"/>
+                        <a:cs typeface="Segoe UI" pitchFamily="34" charset="0"/>
+                      </a:endParaRPr>
+                    </a:p>
+                  </a:txBody>
+                  <a:tcPr anchor="ctr">
+                    <a:lnL w="38100" cap="flat" cmpd="sng" algn="ctr">
+                      <a:solidFill>
+                        <a:schemeClr val="bg1"/>
+                      </a:solidFill>
+                      <a:prstDash val="solid"/>
+                      <a:round/>
+                      <a:headEnd type="none" w="med" len="med"/>
+                      <a:tailEnd type="none" w="med" len="med"/>
+                    </a:lnL>
+                    <a:lnR w="38100" cap="flat" cmpd="sng" algn="ctr">
+                      <a:solidFill>
+                        <a:schemeClr val="bg1"/>
+                      </a:solidFill>
+                      <a:prstDash val="solid"/>
+                      <a:round/>
+                      <a:headEnd type="none" w="med" len="med"/>
+                      <a:tailEnd type="none" w="med" len="med"/>
+                    </a:lnR>
+                    <a:lnT w="38100" cap="flat" cmpd="sng" algn="ctr">
+                      <a:solidFill>
+                        <a:schemeClr val="bg1"/>
+                      </a:solidFill>
+                      <a:prstDash val="solid"/>
+                      <a:round/>
+                      <a:headEnd type="none" w="med" len="med"/>
+                      <a:tailEnd type="none" w="med" len="med"/>
+                    </a:lnT>
+                    <a:lnB w="38100" cap="flat" cmpd="sng" algn="ctr">
+                      <a:solidFill>
+                        <a:schemeClr val="bg1"/>
+                      </a:solidFill>
+                      <a:prstDash val="solid"/>
+                      <a:round/>
+                      <a:headEnd type="none" w="med" len="med"/>
+                      <a:tailEnd type="none" w="med" len="med"/>
+                    </a:lnB>
+                    <a:lnTlToBr w="12700" cmpd="sng">
+                      <a:noFill/>
+                      <a:prstDash val="solid"/>
+                    </a:lnTlToBr>
+                    <a:lnBlToTr w="12700" cmpd="sng">
+                      <a:noFill/>
+                      <a:prstDash val="solid"/>
+                    </a:lnBlToTr>
+                    <a:solidFill>
+                      <a:schemeClr val="bg1">
+                        <a:lumMod val="95000"/>
+                      </a:schemeClr>
+                    </a:solidFill>
+                  </a:tcPr>
+                </a:tc>
+              </a:tr>
+              <a:tr h="808777">
+                <a:tc>
+                  <a:txBody>
+                    <a:bodyPr/>
+                    <a:lstStyle/>
+                    <a:p>
+                      <a:pPr marL="0" algn="l" defTabSz="914363" rtl="0" eaLnBrk="1" fontAlgn="b" latinLnBrk="0" hangingPunct="1"/>
+                      <a:r>
+                        <a:rPr lang="en-US" sz="1800" b="0" u="none" strike="noStrike" kern="1200" dirty="0" smtClean="0">
+                          <a:gradFill>
+                            <a:gsLst>
+                              <a:gs pos="1250">
+                                <a:schemeClr val="bg2"/>
+                              </a:gs>
+                              <a:gs pos="100000">
+                                <a:schemeClr val="bg2"/>
+                              </a:gs>
+                            </a:gsLst>
+                            <a:lin ang="5400000" scaled="0"/>
+                          </a:gradFill>
+                          <a:latin typeface="+mj-lt"/>
+                          <a:ea typeface="Segoe UI" pitchFamily="34" charset="0"/>
+                          <a:cs typeface="Segoe UI" pitchFamily="34" charset="0"/>
+                        </a:rPr>
+                        <a:t>Yammer</a:t>
+                      </a:r>
+                      <a:endParaRPr lang="en-US" sz="1800" b="0" u="none" strike="noStrike" kern="1200" dirty="0">
                         <a:gradFill>
                           <a:gsLst>
                             <a:gs pos="1250">
@@ -32927,7 +33259,7 @@
                           <a:ea typeface="Segoe UI" pitchFamily="34" charset="0"/>
                           <a:cs typeface="Segoe UI" pitchFamily="34" charset="0"/>
                         </a:rPr>
-                        <a:t>Graph Client</a:t>
+                        <a:t>Yammer Client</a:t>
                       </a:r>
                       <a:endParaRPr lang="en-US" sz="1800" b="0" u="none" strike="noStrike" kern="1200" dirty="0">
                         <a:gradFill>
@@ -33339,11 +33671,7 @@
           <a:p>
             <a:r>
               <a:rPr lang="en-US" dirty="0" smtClean="0"/>
-              <a:t>Azure Web </a:t>
-            </a:r>
-            <a:r>
-              <a:rPr lang="en-US" dirty="0" smtClean="0"/>
-              <a:t>Sites from Portal Manager</a:t>
+              <a:t>Azure Web Sites from Portal Manager</a:t>
             </a:r>
             <a:endParaRPr lang="en-US" dirty="0"/>
           </a:p>
@@ -38379,18 +38707,18 @@
 </file>
 
 <file path=customXml/item1.xml><?xml version="1.0" encoding="utf-8"?>
+<p:properties xmlns:p="http://schemas.microsoft.com/office/2006/metadata/properties" xmlns:xsi="http://www.w3.org/2001/XMLSchema-instance" xmlns:pc="http://schemas.microsoft.com/office/infopath/2007/PartnerControls">
+  <documentManagement/>
+</p:properties>
+</file>
+
+<file path=customXml/item2.xml><?xml version="1.0" encoding="utf-8"?>
 <?mso-contentType ?>
 <FormTemplates xmlns="http://schemas.microsoft.com/sharepoint/v3/contenttype/forms">
   <Display>DocumentLibraryForm</Display>
   <Edit>DocumentLibraryForm</Edit>
   <New>DocumentLibraryForm</New>
 </FormTemplates>
-</file>
-
-<file path=customXml/item2.xml><?xml version="1.0" encoding="utf-8"?>
-<p:properties xmlns:p="http://schemas.microsoft.com/office/2006/metadata/properties" xmlns:xsi="http://www.w3.org/2001/XMLSchema-instance" xmlns:pc="http://schemas.microsoft.com/office/infopath/2007/PartnerControls">
-  <documentManagement/>
-</p:properties>
 </file>
 
 <file path=customXml/item3.xml><?xml version="1.0" encoding="utf-8"?>
@@ -38534,14 +38862,6 @@
 </file>
 
 <file path=customXml/itemProps1.xml><?xml version="1.0" encoding="utf-8"?>
-<ds:datastoreItem xmlns:ds="http://schemas.openxmlformats.org/officeDocument/2006/customXml" ds:itemID="{E1E0CE18-CA03-4891-9CD8-3448778E3D53}">
-  <ds:schemaRefs>
-    <ds:schemaRef ds:uri="http://schemas.microsoft.com/sharepoint/v3/contenttype/forms"/>
-  </ds:schemaRefs>
-</ds:datastoreItem>
-</file>
-
-<file path=customXml/itemProps2.xml><?xml version="1.0" encoding="utf-8"?>
 <ds:datastoreItem xmlns:ds="http://schemas.openxmlformats.org/officeDocument/2006/customXml" ds:itemID="{DA593625-DB14-4FB0-B5A9-3269FA9C120B}">
   <ds:schemaRefs>
     <ds:schemaRef ds:uri="http://schemas.microsoft.com/office/2006/metadata/properties"/>
@@ -38553,6 +38873,14 @@
     <ds:schemaRef ds:uri="http://schemas.microsoft.com/office/infopath/2007/PartnerControls"/>
     <ds:schemaRef ds:uri="5fad15d0-477e-40da-a20d-40d4ca777cbd"/>
     <ds:schemaRef ds:uri="http://www.w3.org/XML/1998/namespace"/>
+  </ds:schemaRefs>
+</ds:datastoreItem>
+</file>
+
+<file path=customXml/itemProps2.xml><?xml version="1.0" encoding="utf-8"?>
+<ds:datastoreItem xmlns:ds="http://schemas.openxmlformats.org/officeDocument/2006/customXml" ds:itemID="{E1E0CE18-CA03-4891-9CD8-3448778E3D53}">
+  <ds:schemaRefs>
+    <ds:schemaRef ds:uri="http://schemas.microsoft.com/sharepoint/v3/contenttype/forms"/>
   </ds:schemaRefs>
 </ds:datastoreItem>
 </file>

--- a/02.Setting up the Environments/02.Setting up the Environments.pptx
+++ b/02.Setting up the Environments/02.Setting up the Environments.pptx
@@ -145,7 +145,7 @@
   </p:defaultTextStyle>
   <p:extLst>
     <p:ext uri="{EFAFB233-063F-42B5-8137-9DF3F51BA10A}">
-      <p15:sldGuideLst xmlns:p15="http://schemas.microsoft.com/office/powerpoint/2012/main">
+      <p15:sldGuideLst xmlns:p15="http://schemas.microsoft.com/office/powerpoint/2012/main" xmlns="">
         <p15:guide id="1" orient="horz" pos="142">
           <p15:clr>
             <a:srgbClr val="A4A3A4"/>
@@ -244,7 +244,7 @@
       </p15:sldGuideLst>
     </p:ext>
     <p:ext uri="{2D200454-40CA-4A62-9FC3-DE9A4176ACB9}">
-      <p15:notesGuideLst xmlns:p15="http://schemas.microsoft.com/office/powerpoint/2012/main">
+      <p15:notesGuideLst xmlns:p15="http://schemas.microsoft.com/office/powerpoint/2012/main" xmlns="">
         <p15:guide id="1" orient="horz" pos="2880">
           <p15:clr>
             <a:srgbClr val="A4A3A4"/>
@@ -347,7 +347,7 @@
           <a:p>
             <a:fld id="{DE219B1A-AE41-483B-A766-69B9363DDA6A}" type="datetimeFigureOut">
               <a:rPr lang="en-US" smtClean="0"/>
-              <a:t>8/27/2014</a:t>
+              <a:t>9/9/14</a:t>
             </a:fld>
             <a:endParaRPr lang="en-US"/>
           </a:p>
@@ -629,7 +629,7 @@
           <a:p>
             <a:fld id="{D51B1278-D92B-4AF3-A9C1-71DD298190CE}" type="datetimeFigureOut">
               <a:rPr lang="en-US" smtClean="0"/>
-              <a:t>8/27/2014</a:t>
+              <a:t>9/9/14</a:t>
             </a:fld>
             <a:endParaRPr lang="en-US"/>
           </a:p>
@@ -1224,7 +1224,7 @@
           <a:p>
             <a:fld id="{4F0210BE-2A39-4D0E-9359-F64D4B884D4E}" type="datetime1">
               <a:rPr lang="en-US" smtClean="0"/>
-              <a:t>8/27/2014</a:t>
+              <a:t>9/9/14</a:t>
             </a:fld>
             <a:endParaRPr lang="en-US"/>
           </a:p>
@@ -1434,7 +1434,7 @@
           <a:p>
             <a:fld id="{CA454356-7988-4E39-B534-EC35F7CCC11C}" type="datetime1">
               <a:rPr lang="en-US" smtClean="0"/>
-              <a:t>8/27/2014</a:t>
+              <a:t>9/9/14</a:t>
             </a:fld>
             <a:endParaRPr lang="en-US"/>
           </a:p>
@@ -1640,7 +1640,7 @@
           <a:p>
             <a:fld id="{1B816852-F550-4F1E-AE22-5580BB5390CD}" type="datetime1">
               <a:rPr lang="en-US" smtClean="0"/>
-              <a:t>8/27/2014</a:t>
+              <a:t>9/9/14</a:t>
             </a:fld>
             <a:endParaRPr lang="en-US"/>
           </a:p>
@@ -1850,7 +1850,7 @@
           <a:p>
             <a:fld id="{8C3D3F17-9065-4B2A-80EA-09A3A0159250}" type="datetime1">
               <a:rPr lang="en-US" smtClean="0"/>
-              <a:t>8/27/2014</a:t>
+              <a:t>9/9/14</a:t>
             </a:fld>
             <a:endParaRPr lang="en-US"/>
           </a:p>
@@ -2167,7 +2167,7 @@
           <a:p>
             <a:fld id="{E94FB22D-AF06-49F0-ABFB-4A3B32E04FBE}" type="datetime1">
               <a:rPr lang="en-US" smtClean="0"/>
-              <a:t>8/27/2014</a:t>
+              <a:t>9/9/14</a:t>
             </a:fld>
             <a:endParaRPr lang="en-US"/>
           </a:p>
@@ -2274,7 +2274,7 @@
           <a:p>
             <a:fld id="{35A2105E-80AA-4B38-BA9C-D7E35197D8BA}" type="datetime1">
               <a:rPr lang="en-US" smtClean="0"/>
-              <a:t>8/27/2014</a:t>
+              <a:t>9/9/14</a:t>
             </a:fld>
             <a:endParaRPr lang="en-US"/>
           </a:p>
@@ -2480,7 +2480,7 @@
           <a:p>
             <a:fld id="{C5A2A3EB-BE87-4080-97A4-5341D2051EE4}" type="datetime1">
               <a:rPr lang="en-US" smtClean="0"/>
-              <a:t>8/27/2014</a:t>
+              <a:t>9/9/14</a:t>
             </a:fld>
             <a:endParaRPr lang="en-US"/>
           </a:p>
@@ -2837,7 +2837,7 @@
           <a:p>
             <a:fld id="{B079C3B8-7366-4A44-A34B-3977080C19E7}" type="datetime1">
               <a:rPr lang="en-US" smtClean="0"/>
-              <a:t>8/27/2014</a:t>
+              <a:t>9/9/14</a:t>
             </a:fld>
             <a:endParaRPr lang="en-US" dirty="0"/>
           </a:p>
@@ -3079,7 +3079,7 @@
           <a:p>
             <a:fld id="{0BB6559B-C68D-49B4-97AE-9BB74C417927}" type="datetime1">
               <a:rPr lang="en-US" smtClean="0"/>
-              <a:t>8/27/2014</a:t>
+              <a:t>9/9/14</a:t>
             </a:fld>
             <a:endParaRPr lang="en-US"/>
           </a:p>
@@ -3337,7 +3337,7 @@
           <a:p>
             <a:fld id="{B079C3B8-7366-4A44-A34B-3977080C19E7}" type="datetime1">
               <a:rPr lang="en-US" smtClean="0"/>
-              <a:t>8/27/2014</a:t>
+              <a:t>9/9/14</a:t>
             </a:fld>
             <a:endParaRPr lang="en-US" dirty="0"/>
           </a:p>
@@ -3468,7 +3468,7 @@
           <a:p>
             <a:fld id="{9A443B04-064F-4871-9D9F-BDCA414B0371}" type="datetime1">
               <a:rPr lang="en-US" smtClean="0"/>
-              <a:t>8/27/2014</a:t>
+              <a:t>9/9/14</a:t>
             </a:fld>
             <a:endParaRPr lang="en-US"/>
           </a:p>
@@ -3705,7 +3705,7 @@
           <a:p>
             <a:fld id="{7017412A-FAE9-499A-B3C7-924D02AB998D}" type="datetime1">
               <a:rPr lang="en-US" smtClean="0"/>
-              <a:t>8/27/2014</a:t>
+              <a:t>9/9/14</a:t>
             </a:fld>
             <a:endParaRPr lang="en-US"/>
           </a:p>
@@ -3917,7 +3917,7 @@
           <a:p>
             <a:fld id="{4692986F-2699-409F-8A21-4F1A3E24BE62}" type="datetime1">
               <a:rPr lang="en-US" smtClean="0"/>
-              <a:t>8/27/2014</a:t>
+              <a:t>9/9/14</a:t>
             </a:fld>
             <a:endParaRPr lang="en-US"/>
           </a:p>
@@ -4149,7 +4149,7 @@
           <a:p>
             <a:fld id="{EC07A5DE-1429-409E-95F7-F13CDA16C6E2}" type="datetime1">
               <a:rPr lang="en-US" smtClean="0"/>
-              <a:t>8/27/2014</a:t>
+              <a:t>9/9/14</a:t>
             </a:fld>
             <a:endParaRPr lang="en-US"/>
           </a:p>
@@ -4373,7 +4373,7 @@
           <a:p>
             <a:fld id="{BBA7F52A-B8F7-43B0-8B42-741D53CB577A}" type="datetime1">
               <a:rPr lang="en-US" smtClean="0"/>
-              <a:t>8/27/2014</a:t>
+              <a:t>9/9/14</a:t>
             </a:fld>
             <a:endParaRPr lang="en-US"/>
           </a:p>
@@ -4589,7 +4589,7 @@
           <a:p>
             <a:fld id="{4B1490A0-601F-404D-B7DA-4F4F3A8C8BB1}" type="datetime1">
               <a:rPr lang="en-US" smtClean="0"/>
-              <a:t>8/27/2014</a:t>
+              <a:t>9/9/14</a:t>
             </a:fld>
             <a:endParaRPr lang="en-US"/>
           </a:p>
@@ -5406,7 +5406,7 @@
   <p:timing>
     <p:tnLst>
       <p:par>
-        <p:cTn id="1" dur="indefinite" restart="never" nodeType="tmRoot"/>
+        <p:cTn xmlns:p14="http://schemas.microsoft.com/office/powerpoint/2010/main" id="1" dur="indefinite" restart="never" nodeType="tmRoot"/>
       </p:par>
     </p:tnLst>
   </p:timing>
@@ -5749,7 +5749,7 @@
   <p:timing>
     <p:tnLst>
       <p:par>
-        <p:cTn id="1" dur="indefinite" restart="never" nodeType="tmRoot"/>
+        <p:cTn xmlns:p14="http://schemas.microsoft.com/office/powerpoint/2010/main" id="1" dur="indefinite" restart="never" nodeType="tmRoot"/>
       </p:par>
     </p:tnLst>
   </p:timing>
@@ -6097,7 +6097,7 @@
   <p:timing>
     <p:tnLst>
       <p:par>
-        <p:cTn id="1" dur="indefinite" restart="never" nodeType="tmRoot"/>
+        <p:cTn xmlns:p14="http://schemas.microsoft.com/office/powerpoint/2010/main" id="1" dur="indefinite" restart="never" nodeType="tmRoot"/>
       </p:par>
     </p:tnLst>
   </p:timing>
@@ -6397,7 +6397,7 @@
   <p:timing>
     <p:tnLst>
       <p:par>
-        <p:cTn id="1" dur="indefinite" restart="never" nodeType="tmRoot"/>
+        <p:cTn xmlns:p14="http://schemas.microsoft.com/office/powerpoint/2010/main" id="1" dur="indefinite" restart="never" nodeType="tmRoot"/>
       </p:par>
     </p:tnLst>
   </p:timing>
@@ -6736,7 +6736,7 @@
   <p:timing>
     <p:tnLst>
       <p:par>
-        <p:cTn id="1" dur="indefinite" restart="never" nodeType="tmRoot"/>
+        <p:cTn xmlns:p14="http://schemas.microsoft.com/office/powerpoint/2010/main" id="1" dur="indefinite" restart="never" nodeType="tmRoot"/>
       </p:par>
     </p:tnLst>
   </p:timing>
@@ -7109,7 +7109,7 @@
   <p:timing>
     <p:tnLst>
       <p:par>
-        <p:cTn id="1" dur="indefinite" restart="never" nodeType="tmRoot"/>
+        <p:cTn xmlns:p14="http://schemas.microsoft.com/office/powerpoint/2010/main" id="1" dur="indefinite" restart="never" nodeType="tmRoot"/>
       </p:par>
     </p:tnLst>
   </p:timing>
@@ -7482,7 +7482,7 @@
   <p:timing>
     <p:tnLst>
       <p:par>
-        <p:cTn id="1" dur="indefinite" restart="never" nodeType="tmRoot"/>
+        <p:cTn xmlns:p14="http://schemas.microsoft.com/office/powerpoint/2010/main" id="1" dur="indefinite" restart="never" nodeType="tmRoot"/>
       </p:par>
     </p:tnLst>
   </p:timing>
@@ -7938,7 +7938,7 @@
   <p:clrMapOvr>
     <a:masterClrMapping/>
   </p:clrMapOvr>
-  <p:transition>
+  <p:transition xmlns:p14="http://schemas.microsoft.com/office/powerpoint/2010/main">
     <p:fade/>
   </p:transition>
 </p:sldLayout>
@@ -7971,7 +7971,7 @@
   <p:clrMapOvr>
     <a:masterClrMapping/>
   </p:clrMapOvr>
-  <p:transition>
+  <p:transition xmlns:p14="http://schemas.microsoft.com/office/powerpoint/2010/main">
     <p:fade/>
   </p:transition>
 </p:sldLayout>
@@ -8279,7 +8279,7 @@
   <p:clrMapOvr>
     <a:masterClrMapping/>
   </p:clrMapOvr>
-  <p:transition>
+  <p:transition xmlns:p14="http://schemas.microsoft.com/office/powerpoint/2010/main">
     <p:fade/>
   </p:transition>
 </p:sldLayout>
@@ -8394,13 +8394,13 @@
   <p:clrMapOvr>
     <a:masterClrMapping/>
   </p:clrMapOvr>
-  <p:transition>
+  <p:transition xmlns:p14="http://schemas.microsoft.com/office/powerpoint/2010/main">
     <p:fade/>
   </p:transition>
   <p:timing>
     <p:tnLst>
       <p:par>
-        <p:cTn id="1" dur="indefinite" restart="never" nodeType="tmRoot"/>
+        <p:cTn xmlns:p14="http://schemas.microsoft.com/office/powerpoint/2010/main" id="1" dur="indefinite" restart="never" nodeType="tmRoot"/>
       </p:par>
     </p:tnLst>
   </p:timing>
@@ -8728,13 +8728,13 @@
   <p:clrMapOvr>
     <a:masterClrMapping/>
   </p:clrMapOvr>
-  <p:transition>
+  <p:transition xmlns:p14="http://schemas.microsoft.com/office/powerpoint/2010/main">
     <p:fade/>
   </p:transition>
   <p:timing>
     <p:tnLst>
       <p:par>
-        <p:cTn id="1" dur="indefinite" restart="never" nodeType="tmRoot"/>
+        <p:cTn xmlns:p14="http://schemas.microsoft.com/office/powerpoint/2010/main" id="1" dur="indefinite" restart="never" nodeType="tmRoot"/>
       </p:par>
     </p:tnLst>
   </p:timing>
@@ -9149,19 +9149,19 @@
   <p:clrMapOvr>
     <a:masterClrMapping/>
   </p:clrMapOvr>
-  <p:transition>
+  <p:transition xmlns:p14="http://schemas.microsoft.com/office/powerpoint/2010/main">
     <p:fade/>
   </p:transition>
   <p:timing>
     <p:tnLst>
       <p:par>
-        <p:cTn id="1" dur="indefinite" restart="never" nodeType="tmRoot"/>
+        <p:cTn xmlns:p14="http://schemas.microsoft.com/office/powerpoint/2010/main" id="1" dur="indefinite" restart="never" nodeType="tmRoot"/>
       </p:par>
     </p:tnLst>
   </p:timing>
   <p:extLst mod="1">
     <p:ext uri="{DCECCB84-F9BA-43D5-87BE-67443E8EF086}">
-      <p15:sldGuideLst xmlns:p15="http://schemas.microsoft.com/office/powerpoint/2012/main">
+      <p15:sldGuideLst xmlns:p15="http://schemas.microsoft.com/office/powerpoint/2012/main" xmlns="">
         <p15:guide id="1" orient="horz" pos="2203">
           <p15:clr>
             <a:srgbClr val="FBAE40"/>
@@ -9378,13 +9378,13 @@
   <p:clrMapOvr>
     <a:masterClrMapping/>
   </p:clrMapOvr>
-  <p:transition>
+  <p:transition xmlns:p14="http://schemas.microsoft.com/office/powerpoint/2010/main">
     <p:fade/>
   </p:transition>
   <p:timing>
     <p:tnLst>
       <p:par>
-        <p:cTn id="1" dur="indefinite" restart="never" nodeType="tmRoot"/>
+        <p:cTn xmlns:p14="http://schemas.microsoft.com/office/powerpoint/2010/main" id="1" dur="indefinite" restart="never" nodeType="tmRoot"/>
       </p:par>
     </p:tnLst>
   </p:timing>
@@ -9606,13 +9606,13 @@
   <p:clrMapOvr>
     <a:masterClrMapping/>
   </p:clrMapOvr>
-  <p:transition>
+  <p:transition xmlns:p14="http://schemas.microsoft.com/office/powerpoint/2010/main">
     <p:fade/>
   </p:transition>
   <p:timing>
     <p:tnLst>
       <p:par>
-        <p:cTn id="1" dur="indefinite" restart="never" nodeType="tmRoot"/>
+        <p:cTn xmlns:p14="http://schemas.microsoft.com/office/powerpoint/2010/main" id="1" dur="indefinite" restart="never" nodeType="tmRoot"/>
       </p:par>
     </p:tnLst>
   </p:timing>
@@ -9833,13 +9833,13 @@
   <p:clrMapOvr>
     <a:masterClrMapping/>
   </p:clrMapOvr>
-  <p:transition>
+  <p:transition xmlns:p14="http://schemas.microsoft.com/office/powerpoint/2010/main">
     <p:fade/>
   </p:transition>
   <p:timing>
     <p:tnLst>
       <p:par>
-        <p:cTn id="1" dur="indefinite" restart="never" nodeType="tmRoot"/>
+        <p:cTn xmlns:p14="http://schemas.microsoft.com/office/powerpoint/2010/main" id="1" dur="indefinite" restart="never" nodeType="tmRoot"/>
       </p:par>
     </p:tnLst>
   </p:timing>
@@ -10119,13 +10119,13 @@
   <p:clrMapOvr>
     <a:masterClrMapping/>
   </p:clrMapOvr>
-  <p:transition>
+  <p:transition xmlns:p14="http://schemas.microsoft.com/office/powerpoint/2010/main">
     <p:fade/>
   </p:transition>
   <p:timing>
     <p:tnLst>
       <p:par>
-        <p:cTn id="1" dur="indefinite" restart="never" nodeType="tmRoot"/>
+        <p:cTn xmlns:p14="http://schemas.microsoft.com/office/powerpoint/2010/main" id="1" dur="indefinite" restart="never" nodeType="tmRoot"/>
       </p:par>
     </p:tnLst>
   </p:timing>
@@ -10268,7 +10268,7 @@
   <p:timing>
     <p:tnLst>
       <p:par>
-        <p:cTn id="1" dur="indefinite" restart="never" nodeType="tmRoot"/>
+        <p:cTn xmlns:p14="http://schemas.microsoft.com/office/powerpoint/2010/main" id="1" dur="indefinite" restart="never" nodeType="tmRoot"/>
       </p:par>
     </p:tnLst>
   </p:timing>
@@ -10445,7 +10445,7 @@
   <p:timing>
     <p:tnLst>
       <p:par>
-        <p:cTn id="1" dur="indefinite" restart="never" nodeType="tmRoot"/>
+        <p:cTn xmlns:p14="http://schemas.microsoft.com/office/powerpoint/2010/main" id="1" dur="indefinite" restart="never" nodeType="tmRoot"/>
       </p:par>
     </p:tnLst>
   </p:timing>
@@ -10622,7 +10622,7 @@
   <p:timing>
     <p:tnLst>
       <p:par>
-        <p:cTn id="1" dur="indefinite" restart="never" nodeType="tmRoot"/>
+        <p:cTn xmlns:p14="http://schemas.microsoft.com/office/powerpoint/2010/main" id="1" dur="indefinite" restart="never" nodeType="tmRoot"/>
       </p:par>
     </p:tnLst>
   </p:timing>
@@ -10799,7 +10799,7 @@
   <p:timing>
     <p:tnLst>
       <p:par>
-        <p:cTn id="1" dur="indefinite" restart="never" nodeType="tmRoot"/>
+        <p:cTn xmlns:p14="http://schemas.microsoft.com/office/powerpoint/2010/main" id="1" dur="indefinite" restart="never" nodeType="tmRoot"/>
       </p:par>
     </p:tnLst>
   </p:timing>
@@ -11102,7 +11102,7 @@
   <p:timing>
     <p:tnLst>
       <p:par>
-        <p:cTn id="1" dur="indefinite" restart="never" nodeType="tmRoot"/>
+        <p:cTn xmlns:p14="http://schemas.microsoft.com/office/powerpoint/2010/main" id="1" dur="indefinite" restart="never" nodeType="tmRoot"/>
       </p:par>
     </p:tnLst>
   </p:timing>
@@ -11279,7 +11279,7 @@
   <p:timing>
     <p:tnLst>
       <p:par>
-        <p:cTn id="1" dur="indefinite" restart="never" nodeType="tmRoot"/>
+        <p:cTn xmlns:p14="http://schemas.microsoft.com/office/powerpoint/2010/main" id="1" dur="indefinite" restart="never" nodeType="tmRoot"/>
       </p:par>
     </p:tnLst>
   </p:timing>
@@ -11398,13 +11398,13 @@
   <p:clrMapOvr>
     <a:masterClrMapping/>
   </p:clrMapOvr>
-  <p:transition>
+  <p:transition xmlns:p14="http://schemas.microsoft.com/office/powerpoint/2010/main">
     <p:fade/>
   </p:transition>
   <p:timing>
     <p:tnLst>
       <p:par>
-        <p:cTn id="1" dur="indefinite" restart="never" nodeType="tmRoot"/>
+        <p:cTn xmlns:p14="http://schemas.microsoft.com/office/powerpoint/2010/main" id="1" dur="indefinite" restart="never" nodeType="tmRoot"/>
       </p:par>
     </p:tnLst>
   </p:timing>
@@ -11523,13 +11523,13 @@
   <p:clrMapOvr>
     <a:masterClrMapping/>
   </p:clrMapOvr>
-  <p:transition>
+  <p:transition xmlns:p14="http://schemas.microsoft.com/office/powerpoint/2010/main">
     <p:fade/>
   </p:transition>
   <p:timing>
     <p:tnLst>
       <p:par>
-        <p:cTn id="1" dur="indefinite" restart="never" nodeType="tmRoot"/>
+        <p:cTn xmlns:p14="http://schemas.microsoft.com/office/powerpoint/2010/main" id="1" dur="indefinite" restart="never" nodeType="tmRoot"/>
       </p:par>
     </p:tnLst>
   </p:timing>
@@ -11648,13 +11648,13 @@
   <p:clrMapOvr>
     <a:masterClrMapping/>
   </p:clrMapOvr>
-  <p:transition>
+  <p:transition xmlns:p14="http://schemas.microsoft.com/office/powerpoint/2010/main">
     <p:fade/>
   </p:transition>
   <p:timing>
     <p:tnLst>
       <p:par>
-        <p:cTn id="1" dur="indefinite" restart="never" nodeType="tmRoot"/>
+        <p:cTn xmlns:p14="http://schemas.microsoft.com/office/powerpoint/2010/main" id="1" dur="indefinite" restart="never" nodeType="tmRoot"/>
       </p:par>
     </p:tnLst>
   </p:timing>
@@ -11773,13 +11773,13 @@
   <p:clrMapOvr>
     <a:masterClrMapping/>
   </p:clrMapOvr>
-  <p:transition>
+  <p:transition xmlns:p14="http://schemas.microsoft.com/office/powerpoint/2010/main">
     <p:fade/>
   </p:transition>
   <p:timing>
     <p:tnLst>
       <p:par>
-        <p:cTn id="1" dur="indefinite" restart="never" nodeType="tmRoot"/>
+        <p:cTn xmlns:p14="http://schemas.microsoft.com/office/powerpoint/2010/main" id="1" dur="indefinite" restart="never" nodeType="tmRoot"/>
       </p:par>
     </p:tnLst>
   </p:timing>
@@ -11821,7 +11821,7 @@
   <p:clrMapOvr>
     <a:masterClrMapping/>
   </p:clrMapOvr>
-  <p:transition>
+  <p:transition xmlns:p14="http://schemas.microsoft.com/office/powerpoint/2010/main">
     <p:fade/>
   </p:transition>
 </p:sldLayout>
@@ -11862,7 +11862,7 @@
   <p:clrMapOvr>
     <a:masterClrMapping/>
   </p:clrMapOvr>
-  <p:transition>
+  <p:transition xmlns:p14="http://schemas.microsoft.com/office/powerpoint/2010/main">
     <p:fade/>
   </p:transition>
 </p:sldLayout>
@@ -11903,7 +11903,7 @@
   <p:clrMapOvr>
     <a:masterClrMapping/>
   </p:clrMapOvr>
-  <p:transition>
+  <p:transition xmlns:p14="http://schemas.microsoft.com/office/powerpoint/2010/main">
     <p:fade/>
   </p:transition>
 </p:sldLayout>
@@ -11944,7 +11944,7 @@
   <p:clrMapOvr>
     <a:masterClrMapping/>
   </p:clrMapOvr>
-  <p:transition>
+  <p:transition xmlns:p14="http://schemas.microsoft.com/office/powerpoint/2010/main">
     <p:fade/>
   </p:transition>
 </p:sldLayout>
@@ -12239,13 +12239,13 @@
   <p:clrMapOvr>
     <a:masterClrMapping/>
   </p:clrMapOvr>
-  <p:transition>
+  <p:transition xmlns:p14="http://schemas.microsoft.com/office/powerpoint/2010/main">
     <p:fade/>
   </p:transition>
   <p:timing>
     <p:tnLst>
       <p:par>
-        <p:cTn id="1" dur="indefinite" restart="never" nodeType="tmRoot"/>
+        <p:cTn xmlns:p14="http://schemas.microsoft.com/office/powerpoint/2010/main" id="1" dur="indefinite" restart="never" nodeType="tmRoot"/>
       </p:par>
     </p:tnLst>
   </p:timing>
@@ -12541,13 +12541,13 @@
   <p:clrMapOvr>
     <a:masterClrMapping/>
   </p:clrMapOvr>
-  <p:transition>
+  <p:transition xmlns:p14="http://schemas.microsoft.com/office/powerpoint/2010/main">
     <p:fade/>
   </p:transition>
   <p:timing>
     <p:tnLst>
       <p:par>
-        <p:cTn id="1" dur="indefinite" restart="never" nodeType="tmRoot"/>
+        <p:cTn xmlns:p14="http://schemas.microsoft.com/office/powerpoint/2010/main" id="1" dur="indefinite" restart="never" nodeType="tmRoot"/>
       </p:par>
     </p:tnLst>
   </p:timing>
@@ -12799,13 +12799,13 @@
   <p:clrMapOvr>
     <a:masterClrMapping/>
   </p:clrMapOvr>
-  <p:transition>
+  <p:transition xmlns:p14="http://schemas.microsoft.com/office/powerpoint/2010/main">
     <p:fade/>
   </p:transition>
   <p:timing>
     <p:tnLst>
       <p:par>
-        <p:cTn id="1" dur="indefinite" restart="never" nodeType="tmRoot"/>
+        <p:cTn xmlns:p14="http://schemas.microsoft.com/office/powerpoint/2010/main" id="1" dur="indefinite" restart="never" nodeType="tmRoot"/>
       </p:par>
     </p:tnLst>
   </p:timing>
@@ -13333,13 +13333,13 @@
   <p:clrMapOvr>
     <a:masterClrMapping/>
   </p:clrMapOvr>
-  <p:transition>
+  <p:transition xmlns:p14="http://schemas.microsoft.com/office/powerpoint/2010/main">
     <p:fade/>
   </p:transition>
   <p:timing>
     <p:tnLst>
       <p:par>
-        <p:cTn id="1" dur="indefinite" restart="never" nodeType="tmRoot"/>
+        <p:cTn xmlns:p14="http://schemas.microsoft.com/office/powerpoint/2010/main" id="1" dur="indefinite" restart="never" nodeType="tmRoot"/>
       </p:par>
     </p:tnLst>
   </p:timing>
@@ -13915,7 +13915,7 @@
   <p:clrMapOvr>
     <a:masterClrMapping/>
   </p:clrMapOvr>
-  <p:transition>
+  <p:transition xmlns:p14="http://schemas.microsoft.com/office/powerpoint/2010/main">
     <p:fade/>
   </p:transition>
 </p:sldLayout>
@@ -14409,7 +14409,7 @@
   <p:clrMapOvr>
     <a:masterClrMapping/>
   </p:clrMapOvr>
-  <p:transition>
+  <p:transition xmlns:p14="http://schemas.microsoft.com/office/powerpoint/2010/main">
     <p:fade/>
   </p:transition>
 </p:sldLayout>
@@ -14568,13 +14568,13 @@
     <p:sldLayoutId id="2147484151" r:id="rId25"/>
     <p:sldLayoutId id="2147484152" r:id="rId26"/>
   </p:sldLayoutIdLst>
-  <p:transition>
+  <p:transition xmlns:p14="http://schemas.microsoft.com/office/powerpoint/2010/main">
     <p:fade/>
   </p:transition>
   <p:timing>
     <p:tnLst>
       <p:par>
-        <p:cTn id="1" dur="indefinite" restart="never" nodeType="tmRoot"/>
+        <p:cTn xmlns:p14="http://schemas.microsoft.com/office/powerpoint/2010/main" id="1" dur="indefinite" restart="never" nodeType="tmRoot"/>
       </p:par>
     </p:tnLst>
   </p:timing>
@@ -14980,13 +14980,13 @@
     <p:sldLayoutId id="2147484066" r:id="rId11"/>
     <p:sldLayoutId id="2147484098" r:id="rId12"/>
   </p:sldLayoutIdLst>
-  <p:transition>
+  <p:transition xmlns:p14="http://schemas.microsoft.com/office/powerpoint/2010/main">
     <p:fade/>
   </p:transition>
   <p:timing>
     <p:tnLst>
       <p:par>
-        <p:cTn id="1" dur="indefinite" restart="never" nodeType="tmRoot"/>
+        <p:cTn xmlns:p14="http://schemas.microsoft.com/office/powerpoint/2010/main" id="1" dur="indefinite" restart="never" nodeType="tmRoot"/>
       </p:par>
     </p:tnLst>
   </p:timing>
@@ -15440,7 +15440,7 @@
   <p:timing>
     <p:tnLst>
       <p:par>
-        <p:cTn id="1" dur="indefinite" restart="never" nodeType="tmRoot"/>
+        <p:cTn xmlns:p14="http://schemas.microsoft.com/office/powerpoint/2010/main" id="1" dur="indefinite" restart="never" nodeType="tmRoot"/>
       </p:par>
     </p:tnLst>
   </p:timing>
@@ -15448,7 +15448,7 @@
 </file>
 
 <file path=ppt/slides/slide10.xml><?xml version="1.0" encoding="utf-8"?>
-<p:sld xmlns:a="http://schemas.openxmlformats.org/drawingml/2006/main" xmlns:r="http://schemas.openxmlformats.org/officeDocument/2006/relationships" xmlns:p="http://schemas.openxmlformats.org/presentationml/2006/main">
+<p:sld xmlns:a="http://schemas.openxmlformats.org/drawingml/2006/main" xmlns:r="http://schemas.openxmlformats.org/officeDocument/2006/relationships" xmlns:p="http://schemas.openxmlformats.org/presentationml/2006/main" show="0">
   <p:cSld>
     <p:spTree>
       <p:nvGrpSpPr>
@@ -15523,13 +15523,13 @@
   <p:clrMapOvr>
     <a:masterClrMapping/>
   </p:clrMapOvr>
-  <p:transition>
+  <p:transition xmlns:p14="http://schemas.microsoft.com/office/powerpoint/2010/main">
     <p:fade/>
   </p:transition>
   <p:timing>
     <p:tnLst>
       <p:par>
-        <p:cTn id="1" dur="indefinite" restart="never" nodeType="tmRoot"/>
+        <p:cTn xmlns:p14="http://schemas.microsoft.com/office/powerpoint/2010/main" id="1" dur="indefinite" restart="never" nodeType="tmRoot"/>
       </p:par>
     </p:tnLst>
   </p:timing>
@@ -15606,13 +15606,13 @@
   <p:clrMapOvr>
     <a:masterClrMapping/>
   </p:clrMapOvr>
-  <p:transition>
+  <p:transition xmlns:p14="http://schemas.microsoft.com/office/powerpoint/2010/main">
     <p:fade/>
   </p:transition>
   <p:timing>
     <p:tnLst>
       <p:par>
-        <p:cTn id="1" dur="indefinite" restart="never" nodeType="tmRoot"/>
+        <p:cTn xmlns:p14="http://schemas.microsoft.com/office/powerpoint/2010/main" id="1" dur="indefinite" restart="never" nodeType="tmRoot"/>
       </p:par>
     </p:tnLst>
   </p:timing>
@@ -15752,7 +15752,7 @@
   <p:clrMapOvr>
     <a:masterClrMapping/>
   </p:clrMapOvr>
-  <p:transition>
+  <p:transition xmlns:p14="http://schemas.microsoft.com/office/powerpoint/2010/main">
     <p:fade/>
   </p:transition>
 </p:sld>
@@ -15907,7 +15907,7 @@
   <p:clrMapOvr>
     <a:masterClrMapping/>
   </p:clrMapOvr>
-  <p:transition>
+  <p:transition xmlns:p14="http://schemas.microsoft.com/office/powerpoint/2010/main">
     <p:fade/>
   </p:transition>
 </p:sld>
@@ -16045,14 +16045,14 @@
   <p:clrMapOvr>
     <a:masterClrMapping/>
   </p:clrMapOvr>
-  <p:transition>
+  <p:transition xmlns:p14="http://schemas.microsoft.com/office/powerpoint/2010/main">
     <p:fade/>
   </p:transition>
 </p:sld>
 </file>
 
 <file path=ppt/slides/slide15.xml><?xml version="1.0" encoding="utf-8"?>
-<p:sld xmlns:a="http://schemas.openxmlformats.org/drawingml/2006/main" xmlns:r="http://schemas.openxmlformats.org/officeDocument/2006/relationships" xmlns:p="http://schemas.openxmlformats.org/presentationml/2006/main">
+<p:sld xmlns:a="http://schemas.openxmlformats.org/drawingml/2006/main" xmlns:r="http://schemas.openxmlformats.org/officeDocument/2006/relationships" xmlns:p="http://schemas.openxmlformats.org/presentationml/2006/main" show="0">
   <p:cSld>
     <p:spTree>
       <p:nvGrpSpPr>
@@ -16127,13 +16127,13 @@
   <p:clrMapOvr>
     <a:masterClrMapping/>
   </p:clrMapOvr>
-  <p:transition>
+  <p:transition xmlns:p14="http://schemas.microsoft.com/office/powerpoint/2010/main">
     <p:fade/>
   </p:transition>
   <p:timing>
     <p:tnLst>
       <p:par>
-        <p:cTn id="1" dur="indefinite" restart="never" nodeType="tmRoot"/>
+        <p:cTn xmlns:p14="http://schemas.microsoft.com/office/powerpoint/2010/main" id="1" dur="indefinite" restart="never" nodeType="tmRoot"/>
       </p:par>
     </p:tnLst>
   </p:timing>
@@ -16210,13 +16210,13 @@
   <p:clrMapOvr>
     <a:masterClrMapping/>
   </p:clrMapOvr>
-  <p:transition>
+  <p:transition xmlns:p14="http://schemas.microsoft.com/office/powerpoint/2010/main">
     <p:fade/>
   </p:transition>
   <p:timing>
     <p:tnLst>
       <p:par>
-        <p:cTn id="1" dur="indefinite" restart="never" nodeType="tmRoot"/>
+        <p:cTn xmlns:p14="http://schemas.microsoft.com/office/powerpoint/2010/main" id="1" dur="indefinite" restart="never" nodeType="tmRoot"/>
       </p:par>
     </p:tnLst>
   </p:timing>
@@ -19434,7 +19434,7 @@
               </a:ln>
               <a:extLst>
                 <a:ext uri="{91240B29-F687-4f45-9708-019B960494DF}">
-                  <a14:hiddenLine xmlns="" xmlns:a14="http://schemas.microsoft.com/office/drawing/2010/main" w="9525">
+                  <a14:hiddenLine xmlns:a14="http://schemas.microsoft.com/office/drawing/2010/main" w="9525">
                     <a:solidFill>
                       <a:srgbClr val="000000"/>
                     </a:solidFill>
@@ -22239,7 +22239,7 @@
                 </a:ln>
                 <a:extLst>
                   <a:ext uri="{91240B29-F687-4f45-9708-019B960494DF}">
-                    <a14:hiddenLine xmlns:a14="http://schemas.microsoft.com/office/drawing/2010/main" xmlns="" w="9525">
+                    <a14:hiddenLine xmlns:a14="http://schemas.microsoft.com/office/drawing/2010/main" w="9525">
                       <a:solidFill>
                         <a:srgbClr val="000000"/>
                       </a:solidFill>
@@ -27277,7 +27277,7 @@
                 </a:ln>
                 <a:extLst>
                   <a:ext uri="{91240B29-F687-4f45-9708-019B960494DF}">
-                    <a14:hiddenLine xmlns:a14="http://schemas.microsoft.com/office/drawing/2010/main" xmlns="" w="9525">
+                    <a14:hiddenLine xmlns:a14="http://schemas.microsoft.com/office/drawing/2010/main" w="9525">
                       <a:solidFill>
                         <a:srgbClr val="000000"/>
                       </a:solidFill>
@@ -27868,7 +27868,7 @@
                 </a:ln>
                 <a:extLst>
                   <a:ext uri="{91240B29-F687-4f45-9708-019B960494DF}">
-                    <a14:hiddenLine xmlns:a14="http://schemas.microsoft.com/office/drawing/2010/main" xmlns="" w="9525">
+                    <a14:hiddenLine xmlns:a14="http://schemas.microsoft.com/office/drawing/2010/main" w="9525">
                       <a:solidFill>
                         <a:srgbClr val="000000"/>
                       </a:solidFill>
@@ -29853,13 +29853,13 @@
   <p:clrMapOvr>
     <a:masterClrMapping/>
   </p:clrMapOvr>
-  <p:transition>
+  <p:transition xmlns:p14="http://schemas.microsoft.com/office/powerpoint/2010/main">
     <p:fade/>
   </p:transition>
   <p:timing>
     <p:tnLst>
       <p:par>
-        <p:cTn id="1" dur="indefinite" restart="never" nodeType="tmRoot">
+        <p:cTn xmlns:p14="http://schemas.microsoft.com/office/powerpoint/2010/main" id="1" dur="indefinite" restart="never" nodeType="tmRoot">
           <p:childTnLst>
             <p:seq concurrent="1" nextAc="seek">
               <p:cTn id="2" dur="indefinite" nodeType="mainSeq">
@@ -30212,14 +30212,12 @@
               <a:rPr lang="en-US" dirty="0" smtClean="0"/>
               <a:t>Exchange Online</a:t>
             </a:r>
-            <a:endParaRPr lang="en-US" dirty="0" smtClean="0"/>
           </a:p>
           <a:p>
             <a:r>
               <a:rPr lang="en-US" dirty="0" smtClean="0"/>
               <a:t>SharePoint Online</a:t>
             </a:r>
-            <a:endParaRPr lang="en-US" dirty="0" smtClean="0"/>
           </a:p>
           <a:p>
             <a:r>
@@ -30232,7 +30230,6 @@
               <a:rPr lang="en-US" dirty="0" smtClean="0"/>
               <a:t>Yammer</a:t>
             </a:r>
-            <a:endParaRPr lang="en-US" dirty="0" smtClean="0"/>
           </a:p>
           <a:p>
             <a:r>
@@ -30300,7 +30297,7 @@
   <p:clrMapOvr>
     <a:masterClrMapping/>
   </p:clrMapOvr>
-  <p:transition>
+  <p:transition xmlns:p14="http://schemas.microsoft.com/office/powerpoint/2010/main">
     <p:fade/>
   </p:transition>
 </p:sld>
@@ -30428,7 +30425,7 @@
   <p:clrMapOvr>
     <a:masterClrMapping/>
   </p:clrMapOvr>
-  <p:transition>
+  <p:transition xmlns:p14="http://schemas.microsoft.com/office/powerpoint/2010/main">
     <p:fade/>
   </p:transition>
 </p:sld>
@@ -30491,7 +30488,7 @@
         </p:nvGraphicFramePr>
         <p:xfrm>
           <a:off x="351383" y="1063255"/>
-          <a:ext cx="11225057" cy="3301434"/>
+          <a:ext cx="11225057" cy="3301433"/>
         </p:xfrm>
         <a:graphic>
           <a:graphicData uri="http://schemas.openxmlformats.org/drawingml/2006/table">
@@ -30503,7 +30500,7 @@
                 <a:gridCol w="11225057">
                   <a:extLst>
                     <a:ext uri="{9D8B030D-6E8A-4147-A177-3AD203B41FA5}">
-                      <a16:colId xmlns:a16="http://schemas.microsoft.com/office/drawing/2014/main" xmlns="" val="1253488153"/>
+                      <a16:colId xmlns="" xmlns:a16="http://schemas.microsoft.com/office/drawing/2014/main" val="1253488153"/>
                     </a:ext>
                   </a:extLst>
                 </a:gridCol>
@@ -30525,7 +30522,7 @@
                 </a:tc>
                 <a:extLst>
                   <a:ext uri="{0D108BD9-81ED-4DB2-BD59-A6C34878D82A}">
-                    <a16:rowId xmlns:a16="http://schemas.microsoft.com/office/drawing/2014/main" xmlns="" val="829859176"/>
+                    <a16:rowId xmlns="" xmlns:a16="http://schemas.microsoft.com/office/drawing/2014/main" val="829859176"/>
                   </a:ext>
                 </a:extLst>
               </a:tr>
@@ -30545,7 +30542,7 @@
                 </a:tc>
                 <a:extLst>
                   <a:ext uri="{0D108BD9-81ED-4DB2-BD59-A6C34878D82A}">
-                    <a16:rowId xmlns:a16="http://schemas.microsoft.com/office/drawing/2014/main" xmlns="" val="1946132611"/>
+                    <a16:rowId xmlns="" xmlns:a16="http://schemas.microsoft.com/office/drawing/2014/main" val="1946132611"/>
                   </a:ext>
                 </a:extLst>
               </a:tr>
@@ -30582,7 +30579,7 @@
                 </a:tc>
                 <a:extLst>
                   <a:ext uri="{0D108BD9-81ED-4DB2-BD59-A6C34878D82A}">
-                    <a16:rowId xmlns:a16="http://schemas.microsoft.com/office/drawing/2014/main" xmlns="" val="3204002662"/>
+                    <a16:rowId xmlns="" xmlns:a16="http://schemas.microsoft.com/office/drawing/2014/main" val="3204002662"/>
                   </a:ext>
                 </a:extLst>
               </a:tr>
@@ -30619,7 +30616,7 @@
                 </a:tc>
                 <a:extLst>
                   <a:ext uri="{0D108BD9-81ED-4DB2-BD59-A6C34878D82A}">
-                    <a16:rowId xmlns:a16="http://schemas.microsoft.com/office/drawing/2014/main" xmlns="" val="4266278162"/>
+                    <a16:rowId xmlns="" xmlns:a16="http://schemas.microsoft.com/office/drawing/2014/main" val="4266278162"/>
                   </a:ext>
                 </a:extLst>
               </a:tr>
@@ -30705,13 +30702,13 @@
   <p:clrMapOvr>
     <a:masterClrMapping/>
   </p:clrMapOvr>
-  <p:transition>
+  <p:transition xmlns:p14="http://schemas.microsoft.com/office/powerpoint/2010/main">
     <p:fade/>
   </p:transition>
   <p:timing>
     <p:tnLst>
       <p:par>
-        <p:cTn id="1" dur="indefinite" restart="never" nodeType="tmRoot"/>
+        <p:cTn xmlns:p14="http://schemas.microsoft.com/office/powerpoint/2010/main" id="1" dur="indefinite" restart="never" nodeType="tmRoot"/>
       </p:par>
     </p:tnLst>
   </p:timing>
@@ -33368,13 +33365,13 @@
   <p:clrMapOvr>
     <a:masterClrMapping/>
   </p:clrMapOvr>
-  <p:transition>
+  <p:transition xmlns:p14="http://schemas.microsoft.com/office/powerpoint/2010/main">
     <p:fade/>
   </p:transition>
   <p:timing>
     <p:tnLst>
       <p:par>
-        <p:cTn id="1" dur="indefinite" restart="never" nodeType="tmRoot"/>
+        <p:cTn xmlns:p14="http://schemas.microsoft.com/office/powerpoint/2010/main" id="1" dur="indefinite" restart="never" nodeType="tmRoot"/>
       </p:par>
     </p:tnLst>
   </p:timing>
@@ -33497,7 +33494,7 @@
   <p:clrMapOvr>
     <a:masterClrMapping/>
   </p:clrMapOvr>
-  <p:transition>
+  <p:transition xmlns:p14="http://schemas.microsoft.com/office/powerpoint/2010/main">
     <p:fade/>
   </p:transition>
 </p:sld>
@@ -33631,7 +33628,7 @@
   <p:clrMapOvr>
     <a:masterClrMapping/>
   </p:clrMapOvr>
-  <p:transition>
+  <p:transition xmlns:p14="http://schemas.microsoft.com/office/powerpoint/2010/main">
     <p:fade/>
   </p:transition>
 </p:sld>
@@ -33735,7 +33732,7 @@
   <p:clrMapOvr>
     <a:masterClrMapping/>
   </p:clrMapOvr>
-  <p:transition>
+  <p:transition xmlns:p14="http://schemas.microsoft.com/office/powerpoint/2010/main">
     <p:fade/>
   </p:transition>
 </p:sld>
@@ -33845,7 +33842,7 @@
   <p:clrMapOvr>
     <a:masterClrMapping/>
   </p:clrMapOvr>
-  <p:transition>
+  <p:transition xmlns:p14="http://schemas.microsoft.com/office/powerpoint/2010/main">
     <p:fade/>
   </p:transition>
 </p:sld>
@@ -33956,7 +33953,7 @@
   <p:clrMapOvr>
     <a:masterClrMapping/>
   </p:clrMapOvr>
-  <p:transition>
+  <p:transition xmlns:p14="http://schemas.microsoft.com/office/powerpoint/2010/main">
     <p:fade/>
   </p:transition>
 </p:sld>
@@ -34014,7 +34011,7 @@
         </p:nvGraphicFramePr>
         <p:xfrm>
           <a:off x="519113" y="1388435"/>
-          <a:ext cx="11463780" cy="2834419"/>
+          <a:ext cx="11463780" cy="2834418"/>
         </p:xfrm>
         <a:graphic>
           <a:graphicData uri="http://schemas.openxmlformats.org/drawingml/2006/table">
@@ -35406,13 +35403,13 @@
   <p:clrMapOvr>
     <a:masterClrMapping/>
   </p:clrMapOvr>
-  <p:transition>
+  <p:transition xmlns:p14="http://schemas.microsoft.com/office/powerpoint/2010/main">
     <p:fade/>
   </p:transition>
   <p:timing>
     <p:tnLst>
       <p:par>
-        <p:cTn id="1" dur="indefinite" restart="never" nodeType="tmRoot"/>
+        <p:cTn xmlns:p14="http://schemas.microsoft.com/office/powerpoint/2010/main" id="1" dur="indefinite" restart="never" nodeType="tmRoot"/>
       </p:par>
     </p:tnLst>
   </p:timing>
@@ -35549,7 +35546,7 @@
   <p:clrMapOvr>
     <a:masterClrMapping/>
   </p:clrMapOvr>
-  <p:transition>
+  <p:transition xmlns:p14="http://schemas.microsoft.com/office/powerpoint/2010/main">
     <p:fade/>
   </p:transition>
 </p:sld>
@@ -35685,7 +35682,7 @@
   <p:clrMapOvr>
     <a:masterClrMapping/>
   </p:clrMapOvr>
-  <p:transition>
+  <p:transition xmlns:p14="http://schemas.microsoft.com/office/powerpoint/2010/main">
     <p:fade/>
   </p:transition>
 </p:sld>
@@ -35819,7 +35816,7 @@
   <p:clrMapOvr>
     <a:masterClrMapping/>
   </p:clrMapOvr>
-  <p:transition>
+  <p:transition xmlns:p14="http://schemas.microsoft.com/office/powerpoint/2010/main">
     <p:fade/>
   </p:transition>
 </p:sld>
@@ -35929,13 +35926,13 @@
   <p:clrMapOvr>
     <a:masterClrMapping/>
   </p:clrMapOvr>
-  <p:transition>
+  <p:transition xmlns:p14="http://schemas.microsoft.com/office/powerpoint/2010/main">
     <p:fade/>
   </p:transition>
   <p:timing>
     <p:tnLst>
       <p:par>
-        <p:cTn id="1" dur="indefinite" restart="never" nodeType="tmRoot"/>
+        <p:cTn xmlns:p14="http://schemas.microsoft.com/office/powerpoint/2010/main" id="1" dur="indefinite" restart="never" nodeType="tmRoot"/>
       </p:par>
     </p:tnLst>
   </p:timing>
@@ -36078,14 +36075,14 @@
   <p:clrMapOvr>
     <a:masterClrMapping/>
   </p:clrMapOvr>
-  <p:transition>
+  <p:transition xmlns:p14="http://schemas.microsoft.com/office/powerpoint/2010/main">
     <p:fade/>
   </p:transition>
 </p:sld>
 </file>
 
 <file path=ppt/slides/slide31.xml><?xml version="1.0" encoding="utf-8"?>
-<p:sld xmlns:a="http://schemas.openxmlformats.org/drawingml/2006/main" xmlns:r="http://schemas.openxmlformats.org/officeDocument/2006/relationships" xmlns:p="http://schemas.openxmlformats.org/presentationml/2006/main">
+<p:sld xmlns:a="http://schemas.openxmlformats.org/drawingml/2006/main" xmlns:r="http://schemas.openxmlformats.org/officeDocument/2006/relationships" xmlns:p="http://schemas.openxmlformats.org/presentationml/2006/main" show="0">
   <p:cSld>
     <p:spTree>
       <p:nvGrpSpPr>
@@ -36160,13 +36157,13 @@
   <p:clrMapOvr>
     <a:masterClrMapping/>
   </p:clrMapOvr>
-  <p:transition>
+  <p:transition xmlns:p14="http://schemas.microsoft.com/office/powerpoint/2010/main">
     <p:fade/>
   </p:transition>
   <p:timing>
     <p:tnLst>
       <p:par>
-        <p:cTn id="1" dur="indefinite" restart="never" nodeType="tmRoot"/>
+        <p:cTn xmlns:p14="http://schemas.microsoft.com/office/powerpoint/2010/main" id="1" dur="indefinite" restart="never" nodeType="tmRoot"/>
       </p:par>
     </p:tnLst>
   </p:timing>
@@ -36309,7 +36306,7 @@
   <p:timing>
     <p:tnLst>
       <p:par>
-        <p:cTn id="1" dur="indefinite" restart="never" nodeType="tmRoot"/>
+        <p:cTn xmlns:p14="http://schemas.microsoft.com/office/powerpoint/2010/main" id="1" dur="indefinite" restart="never" nodeType="tmRoot"/>
       </p:par>
     </p:tnLst>
   </p:timing>
@@ -36694,7 +36691,7 @@
   <p:timing>
     <p:tnLst>
       <p:par>
-        <p:cTn id="1" dur="indefinite" restart="never" nodeType="tmRoot"/>
+        <p:cTn xmlns:p14="http://schemas.microsoft.com/office/powerpoint/2010/main" id="1" dur="indefinite" restart="never" nodeType="tmRoot"/>
       </p:par>
     </p:tnLst>
   </p:timing>
@@ -36837,7 +36834,7 @@
   <p:timing>
     <p:tnLst>
       <p:par>
-        <p:cTn id="1" dur="indefinite" restart="never" nodeType="tmRoot"/>
+        <p:cTn xmlns:p14="http://schemas.microsoft.com/office/powerpoint/2010/main" id="1" dur="indefinite" restart="never" nodeType="tmRoot"/>
       </p:par>
     </p:tnLst>
   </p:timing>
@@ -36914,13 +36911,13 @@
   <p:clrMapOvr>
     <a:masterClrMapping/>
   </p:clrMapOvr>
-  <p:transition>
+  <p:transition xmlns:p14="http://schemas.microsoft.com/office/powerpoint/2010/main">
     <p:fade/>
   </p:transition>
   <p:timing>
     <p:tnLst>
       <p:par>
-        <p:cTn id="1" dur="indefinite" restart="never" nodeType="tmRoot"/>
+        <p:cTn xmlns:p14="http://schemas.microsoft.com/office/powerpoint/2010/main" id="1" dur="indefinite" restart="never" nodeType="tmRoot"/>
       </p:par>
     </p:tnLst>
   </p:timing>
@@ -37056,7 +37053,7 @@
   <p:clrMapOvr>
     <a:masterClrMapping/>
   </p:clrMapOvr>
-  <p:transition>
+  <p:transition xmlns:p14="http://schemas.microsoft.com/office/powerpoint/2010/main">
     <p:fade/>
   </p:transition>
 </p:sld>
@@ -37176,7 +37173,7 @@
   <p:clrMapOvr>
     <a:masterClrMapping/>
   </p:clrMapOvr>
-  <p:transition>
+  <p:transition xmlns:p14="http://schemas.microsoft.com/office/powerpoint/2010/main">
     <p:fade/>
   </p:transition>
 </p:sld>
@@ -37296,7 +37293,7 @@
   <p:clrMapOvr>
     <a:masterClrMapping/>
   </p:clrMapOvr>
-  <p:transition>
+  <p:transition xmlns:p14="http://schemas.microsoft.com/office/powerpoint/2010/main">
     <p:fade/>
   </p:transition>
 </p:sld>
@@ -37548,7 +37545,7 @@
   <p:clrMapOvr>
     <a:masterClrMapping/>
   </p:clrMapOvr>
-  <p:transition>
+  <p:transition xmlns:p14="http://schemas.microsoft.com/office/powerpoint/2010/main">
     <p:fade/>
   </p:transition>
 </p:sld>
@@ -37841,7 +37838,7 @@
   <a:extraClrSchemeLst/>
   <a:extLst>
     <a:ext uri="{05A4C25C-085E-4340-85A3-A5531E510DB2}">
-      <thm15:themeFamily xmlns:thm15="http://schemas.microsoft.com/office/thememl/2012/main" name="Office_Template_16x9_WHITE.potx" id="{BAC85760-2BE3-4369-8D6A-792FA239637A}" vid="{0B6ECECE-D832-4A6D-9382-4D4E764C03DC}"/>
+      <thm15:themeFamily xmlns:thm15="http://schemas.microsoft.com/office/thememl/2012/main" xmlns="" name="Office_Template_16x9_WHITE.potx" id="{BAC85760-2BE3-4369-8D6A-792FA239637A}" vid="{0B6ECECE-D832-4A6D-9382-4D4E764C03DC}"/>
     </a:ext>
   </a:extLst>
 </a:theme>
@@ -38134,7 +38131,7 @@
   <a:extraClrSchemeLst/>
   <a:extLst>
     <a:ext uri="{05A4C25C-085E-4340-85A3-A5531E510DB2}">
-      <thm15:themeFamily xmlns:thm15="http://schemas.microsoft.com/office/thememl/2012/main" name="Office_Template_16x9_WHITE.potx" id="{BAC85760-2BE3-4369-8D6A-792FA239637A}" vid="{A93E73D1-45C6-4FF9-A009-9C9E7F69F4DC}"/>
+      <thm15:themeFamily xmlns:thm15="http://schemas.microsoft.com/office/thememl/2012/main" xmlns="" name="Office_Template_16x9_WHITE.potx" id="{BAC85760-2BE3-4369-8D6A-792FA239637A}" vid="{A93E73D1-45C6-4FF9-A009-9C9E7F69F4DC}"/>
     </a:ext>
   </a:extLst>
 </a:theme>

--- a/02.Setting up the Environments/02.Setting up the Environments.pptx
+++ b/02.Setting up the Environments/02.Setting up the Environments.pptx
@@ -145,7 +145,7 @@
   </p:defaultTextStyle>
   <p:extLst>
     <p:ext uri="{EFAFB233-063F-42B5-8137-9DF3F51BA10A}">
-      <p15:sldGuideLst xmlns:p15="http://schemas.microsoft.com/office/powerpoint/2012/main" xmlns="">
+      <p15:sldGuideLst xmlns="" xmlns:p15="http://schemas.microsoft.com/office/powerpoint/2012/main">
         <p15:guide id="1" orient="horz" pos="142">
           <p15:clr>
             <a:srgbClr val="A4A3A4"/>
@@ -244,7 +244,7 @@
       </p15:sldGuideLst>
     </p:ext>
     <p:ext uri="{2D200454-40CA-4A62-9FC3-DE9A4176ACB9}">
-      <p15:notesGuideLst xmlns:p15="http://schemas.microsoft.com/office/powerpoint/2012/main" xmlns="">
+      <p15:notesGuideLst xmlns="" xmlns:p15="http://schemas.microsoft.com/office/powerpoint/2012/main">
         <p15:guide id="1" orient="horz" pos="2880">
           <p15:clr>
             <a:srgbClr val="A4A3A4"/>
@@ -347,7 +347,7 @@
           <a:p>
             <a:fld id="{DE219B1A-AE41-483B-A766-69B9363DDA6A}" type="datetimeFigureOut">
               <a:rPr lang="en-US" smtClean="0"/>
-              <a:t>9/9/14</a:t>
+              <a:t>9/10/14</a:t>
             </a:fld>
             <a:endParaRPr lang="en-US"/>
           </a:p>
@@ -629,7 +629,7 @@
           <a:p>
             <a:fld id="{D51B1278-D92B-4AF3-A9C1-71DD298190CE}" type="datetimeFigureOut">
               <a:rPr lang="en-US" smtClean="0"/>
-              <a:t>9/9/14</a:t>
+              <a:t>9/10/14</a:t>
             </a:fld>
             <a:endParaRPr lang="en-US"/>
           </a:p>
@@ -1224,7 +1224,7 @@
           <a:p>
             <a:fld id="{4F0210BE-2A39-4D0E-9359-F64D4B884D4E}" type="datetime1">
               <a:rPr lang="en-US" smtClean="0"/>
-              <a:t>9/9/14</a:t>
+              <a:t>9/10/14</a:t>
             </a:fld>
             <a:endParaRPr lang="en-US"/>
           </a:p>
@@ -1434,7 +1434,7 @@
           <a:p>
             <a:fld id="{CA454356-7988-4E39-B534-EC35F7CCC11C}" type="datetime1">
               <a:rPr lang="en-US" smtClean="0"/>
-              <a:t>9/9/14</a:t>
+              <a:t>9/10/14</a:t>
             </a:fld>
             <a:endParaRPr lang="en-US"/>
           </a:p>
@@ -1640,7 +1640,7 @@
           <a:p>
             <a:fld id="{1B816852-F550-4F1E-AE22-5580BB5390CD}" type="datetime1">
               <a:rPr lang="en-US" smtClean="0"/>
-              <a:t>9/9/14</a:t>
+              <a:t>9/10/14</a:t>
             </a:fld>
             <a:endParaRPr lang="en-US"/>
           </a:p>
@@ -1850,7 +1850,7 @@
           <a:p>
             <a:fld id="{8C3D3F17-9065-4B2A-80EA-09A3A0159250}" type="datetime1">
               <a:rPr lang="en-US" smtClean="0"/>
-              <a:t>9/9/14</a:t>
+              <a:t>9/10/14</a:t>
             </a:fld>
             <a:endParaRPr lang="en-US"/>
           </a:p>
@@ -2167,7 +2167,7 @@
           <a:p>
             <a:fld id="{E94FB22D-AF06-49F0-ABFB-4A3B32E04FBE}" type="datetime1">
               <a:rPr lang="en-US" smtClean="0"/>
-              <a:t>9/9/14</a:t>
+              <a:t>9/10/14</a:t>
             </a:fld>
             <a:endParaRPr lang="en-US"/>
           </a:p>
@@ -2274,7 +2274,7 @@
           <a:p>
             <a:fld id="{35A2105E-80AA-4B38-BA9C-D7E35197D8BA}" type="datetime1">
               <a:rPr lang="en-US" smtClean="0"/>
-              <a:t>9/9/14</a:t>
+              <a:t>9/10/14</a:t>
             </a:fld>
             <a:endParaRPr lang="en-US"/>
           </a:p>
@@ -2480,7 +2480,7 @@
           <a:p>
             <a:fld id="{C5A2A3EB-BE87-4080-97A4-5341D2051EE4}" type="datetime1">
               <a:rPr lang="en-US" smtClean="0"/>
-              <a:t>9/9/14</a:t>
+              <a:t>9/10/14</a:t>
             </a:fld>
             <a:endParaRPr lang="en-US"/>
           </a:p>
@@ -2837,7 +2837,7 @@
           <a:p>
             <a:fld id="{B079C3B8-7366-4A44-A34B-3977080C19E7}" type="datetime1">
               <a:rPr lang="en-US" smtClean="0"/>
-              <a:t>9/9/14</a:t>
+              <a:t>9/10/14</a:t>
             </a:fld>
             <a:endParaRPr lang="en-US" dirty="0"/>
           </a:p>
@@ -3079,7 +3079,7 @@
           <a:p>
             <a:fld id="{0BB6559B-C68D-49B4-97AE-9BB74C417927}" type="datetime1">
               <a:rPr lang="en-US" smtClean="0"/>
-              <a:t>9/9/14</a:t>
+              <a:t>9/10/14</a:t>
             </a:fld>
             <a:endParaRPr lang="en-US"/>
           </a:p>
@@ -3337,7 +3337,7 @@
           <a:p>
             <a:fld id="{B079C3B8-7366-4A44-A34B-3977080C19E7}" type="datetime1">
               <a:rPr lang="en-US" smtClean="0"/>
-              <a:t>9/9/14</a:t>
+              <a:t>9/10/14</a:t>
             </a:fld>
             <a:endParaRPr lang="en-US" dirty="0"/>
           </a:p>
@@ -3468,7 +3468,7 @@
           <a:p>
             <a:fld id="{9A443B04-064F-4871-9D9F-BDCA414B0371}" type="datetime1">
               <a:rPr lang="en-US" smtClean="0"/>
-              <a:t>9/9/14</a:t>
+              <a:t>9/10/14</a:t>
             </a:fld>
             <a:endParaRPr lang="en-US"/>
           </a:p>
@@ -3705,7 +3705,7 @@
           <a:p>
             <a:fld id="{7017412A-FAE9-499A-B3C7-924D02AB998D}" type="datetime1">
               <a:rPr lang="en-US" smtClean="0"/>
-              <a:t>9/9/14</a:t>
+              <a:t>9/10/14</a:t>
             </a:fld>
             <a:endParaRPr lang="en-US"/>
           </a:p>
@@ -3917,7 +3917,7 @@
           <a:p>
             <a:fld id="{4692986F-2699-409F-8A21-4F1A3E24BE62}" type="datetime1">
               <a:rPr lang="en-US" smtClean="0"/>
-              <a:t>9/9/14</a:t>
+              <a:t>9/10/14</a:t>
             </a:fld>
             <a:endParaRPr lang="en-US"/>
           </a:p>
@@ -4149,7 +4149,7 @@
           <a:p>
             <a:fld id="{EC07A5DE-1429-409E-95F7-F13CDA16C6E2}" type="datetime1">
               <a:rPr lang="en-US" smtClean="0"/>
-              <a:t>9/9/14</a:t>
+              <a:t>9/10/14</a:t>
             </a:fld>
             <a:endParaRPr lang="en-US"/>
           </a:p>
@@ -4373,7 +4373,7 @@
           <a:p>
             <a:fld id="{BBA7F52A-B8F7-43B0-8B42-741D53CB577A}" type="datetime1">
               <a:rPr lang="en-US" smtClean="0"/>
-              <a:t>9/9/14</a:t>
+              <a:t>9/10/14</a:t>
             </a:fld>
             <a:endParaRPr lang="en-US"/>
           </a:p>
@@ -4589,7 +4589,7 @@
           <a:p>
             <a:fld id="{4B1490A0-601F-404D-B7DA-4F4F3A8C8BB1}" type="datetime1">
               <a:rPr lang="en-US" smtClean="0"/>
-              <a:t>9/9/14</a:t>
+              <a:t>9/10/14</a:t>
             </a:fld>
             <a:endParaRPr lang="en-US"/>
           </a:p>
@@ -9161,7 +9161,7 @@
   </p:timing>
   <p:extLst mod="1">
     <p:ext uri="{DCECCB84-F9BA-43D5-87BE-67443E8EF086}">
-      <p15:sldGuideLst xmlns:p15="http://schemas.microsoft.com/office/powerpoint/2012/main" xmlns="">
+      <p15:sldGuideLst xmlns="" xmlns:p15="http://schemas.microsoft.com/office/powerpoint/2012/main">
         <p15:guide id="1" orient="horz" pos="2203">
           <p15:clr>
             <a:srgbClr val="FBAE40"/>
@@ -30481,7 +30481,7 @@
             <p:ph sz="quarter" idx="10"/>
             <p:extLst>
               <p:ext uri="{D42A27DB-BD31-4B8C-83A1-F6EECF244321}">
-                <p14:modId xmlns:p14="http://schemas.microsoft.com/office/powerpoint/2010/main" val="3663320048"/>
+                <p14:modId xmlns:p14="http://schemas.microsoft.com/office/powerpoint/2010/main" val="2826759016"/>
               </p:ext>
             </p:extLst>
           </p:nvPr>
@@ -30500,7 +30500,7 @@
                 <a:gridCol w="11225057">
                   <a:extLst>
                     <a:ext uri="{9D8B030D-6E8A-4147-A177-3AD203B41FA5}">
-                      <a16:colId xmlns="" xmlns:a16="http://schemas.microsoft.com/office/drawing/2014/main" val="1253488153"/>
+                      <a16:colId xmlns:a16="http://schemas.microsoft.com/office/drawing/2014/main" xmlns="" val="1253488153"/>
                     </a:ext>
                   </a:extLst>
                 </a:gridCol>
@@ -30522,7 +30522,7 @@
                 </a:tc>
                 <a:extLst>
                   <a:ext uri="{0D108BD9-81ED-4DB2-BD59-A6C34878D82A}">
-                    <a16:rowId xmlns="" xmlns:a16="http://schemas.microsoft.com/office/drawing/2014/main" val="829859176"/>
+                    <a16:rowId xmlns:a16="http://schemas.microsoft.com/office/drawing/2014/main" xmlns="" val="829859176"/>
                   </a:ext>
                 </a:extLst>
               </a:tr>
@@ -30542,7 +30542,7 @@
                 </a:tc>
                 <a:extLst>
                   <a:ext uri="{0D108BD9-81ED-4DB2-BD59-A6C34878D82A}">
-                    <a16:rowId xmlns="" xmlns:a16="http://schemas.microsoft.com/office/drawing/2014/main" val="1946132611"/>
+                    <a16:rowId xmlns:a16="http://schemas.microsoft.com/office/drawing/2014/main" xmlns="" val="1946132611"/>
                   </a:ext>
                 </a:extLst>
               </a:tr>
@@ -30579,7 +30579,7 @@
                 </a:tc>
                 <a:extLst>
                   <a:ext uri="{0D108BD9-81ED-4DB2-BD59-A6C34878D82A}">
-                    <a16:rowId xmlns="" xmlns:a16="http://schemas.microsoft.com/office/drawing/2014/main" val="3204002662"/>
+                    <a16:rowId xmlns:a16="http://schemas.microsoft.com/office/drawing/2014/main" xmlns="" val="3204002662"/>
                   </a:ext>
                 </a:extLst>
               </a:tr>
@@ -30608,7 +30608,15 @@
                       </a:pPr>
                       <a:r>
                         <a:rPr lang="en-US" sz="2400" dirty="0" smtClean="0"/>
-                        <a:t>Module 3: Hooking into Apps for SharePoint</a:t>
+                        <a:t>Module 3: </a:t>
+                      </a:r>
+                      <a:r>
+                        <a:rPr lang="en-US" sz="2400" dirty="0" smtClean="0"/>
+                        <a:t>Hook </a:t>
+                      </a:r>
+                      <a:r>
+                        <a:rPr lang="en-US" sz="2400" dirty="0" smtClean="0"/>
+                        <a:t>into Apps for SharePoint</a:t>
                       </a:r>
                     </a:p>
                   </a:txBody>
@@ -30616,7 +30624,7 @@
                 </a:tc>
                 <a:extLst>
                   <a:ext uri="{0D108BD9-81ED-4DB2-BD59-A6C34878D82A}">
-                    <a16:rowId xmlns="" xmlns:a16="http://schemas.microsoft.com/office/drawing/2014/main" val="4266278162"/>
+                    <a16:rowId xmlns:a16="http://schemas.microsoft.com/office/drawing/2014/main" xmlns="" val="4266278162"/>
                   </a:ext>
                 </a:extLst>
               </a:tr>
@@ -30649,7 +30657,11 @@
                       </a:r>
                       <a:r>
                         <a:rPr lang="en-US" sz="2400" dirty="0" smtClean="0"/>
-                        <a:t>Hooking into Office 365 and SharePoint APIs with SPAs</a:t>
+                        <a:t>Hook </a:t>
+                      </a:r>
+                      <a:r>
+                        <a:rPr lang="en-US" sz="2400" dirty="0" smtClean="0"/>
+                        <a:t>into Office 365 and SharePoint APIs with SPAs</a:t>
                       </a:r>
                     </a:p>
                   </a:txBody>
@@ -30681,7 +30693,15 @@
                       </a:pPr>
                       <a:r>
                         <a:rPr lang="en-US" sz="2400" b="0" dirty="0" smtClean="0"/>
-                        <a:t>Module 5: Hooking into Apps for Office</a:t>
+                        <a:t>Module 5: </a:t>
+                      </a:r>
+                      <a:r>
+                        <a:rPr lang="en-US" sz="2400" b="0" dirty="0" smtClean="0"/>
+                        <a:t>Hook </a:t>
+                      </a:r>
+                      <a:r>
+                        <a:rPr lang="en-US" sz="2400" b="0" dirty="0" smtClean="0"/>
+                        <a:t>into Apps for Office</a:t>
                       </a:r>
                     </a:p>
                   </a:txBody>
@@ -37838,7 +37858,7 @@
   <a:extraClrSchemeLst/>
   <a:extLst>
     <a:ext uri="{05A4C25C-085E-4340-85A3-A5531E510DB2}">
-      <thm15:themeFamily xmlns:thm15="http://schemas.microsoft.com/office/thememl/2012/main" xmlns="" name="Office_Template_16x9_WHITE.potx" id="{BAC85760-2BE3-4369-8D6A-792FA239637A}" vid="{0B6ECECE-D832-4A6D-9382-4D4E764C03DC}"/>
+      <thm15:themeFamily xmlns="" xmlns:thm15="http://schemas.microsoft.com/office/thememl/2012/main" name="Office_Template_16x9_WHITE.potx" id="{BAC85760-2BE3-4369-8D6A-792FA239637A}" vid="{0B6ECECE-D832-4A6D-9382-4D4E764C03DC}"/>
     </a:ext>
   </a:extLst>
 </a:theme>
@@ -38131,7 +38151,7 @@
   <a:extraClrSchemeLst/>
   <a:extLst>
     <a:ext uri="{05A4C25C-085E-4340-85A3-A5531E510DB2}">
-      <thm15:themeFamily xmlns:thm15="http://schemas.microsoft.com/office/thememl/2012/main" xmlns="" name="Office_Template_16x9_WHITE.potx" id="{BAC85760-2BE3-4369-8D6A-792FA239637A}" vid="{A93E73D1-45C6-4FF9-A009-9C9E7F69F4DC}"/>
+      <thm15:themeFamily xmlns="" xmlns:thm15="http://schemas.microsoft.com/office/thememl/2012/main" name="Office_Template_16x9_WHITE.potx" id="{BAC85760-2BE3-4369-8D6A-792FA239637A}" vid="{A93E73D1-45C6-4FF9-A009-9C9E7F69F4DC}"/>
     </a:ext>
   </a:extLst>
 </a:theme>

--- a/02.Setting up the Environments/02.Setting up the Environments.pptx
+++ b/02.Setting up the Environments/02.Setting up the Environments.pptx
@@ -144,8 +144,65 @@
     </a:lvl9pPr>
   </p:defaultTextStyle>
   <p:extLst>
+    <p:ext uri="{521415D9-36F7-43E2-AB2F-B90AF26B5E84}">
+      <p14:sectionLst xmlns:p14="http://schemas.microsoft.com/office/powerpoint/2010/main">
+        <p14:section name="Overview" id="{C6104F23-DA87-5249-96ED-8242B7341074}">
+          <p14:sldIdLst>
+            <p14:sldId id="780"/>
+            <p14:sldId id="781"/>
+            <p14:sldId id="782"/>
+            <p14:sldId id="779"/>
+          </p14:sldIdLst>
+        </p14:section>
+        <p14:section name="The Office 365 Environment" id="{27707372-2A62-F941-A931-33D7D4E757A7}">
+          <p14:sldIdLst>
+            <p14:sldId id="784"/>
+            <p14:sldId id="812"/>
+            <p14:sldId id="813"/>
+            <p14:sldId id="814"/>
+            <p14:sldId id="815"/>
+            <p14:sldId id="810"/>
+          </p14:sldIdLst>
+        </p14:section>
+        <p14:section name="The Microsoft Azure Environment" id="{C9B42F59-B711-1141-B363-11DD928C7AC0}">
+          <p14:sldIdLst>
+            <p14:sldId id="785"/>
+            <p14:sldId id="816"/>
+            <p14:sldId id="817"/>
+            <p14:sldId id="818"/>
+            <p14:sldId id="811"/>
+          </p14:sldIdLst>
+        </p14:section>
+        <p14:section name="App Development Overview" id="{0ED51F39-92E5-554B-AFCD-1B1BE0163CC6}">
+          <p14:sldIdLst>
+            <p14:sldId id="826"/>
+            <p14:sldId id="827"/>
+            <p14:sldId id="828"/>
+            <p14:sldId id="829"/>
+            <p14:sldId id="830"/>
+            <p14:sldId id="831"/>
+            <p14:sldId id="832"/>
+            <p14:sldId id="833"/>
+            <p14:sldId id="841"/>
+            <p14:sldId id="834"/>
+            <p14:sldId id="835"/>
+            <p14:sldId id="836"/>
+            <p14:sldId id="837"/>
+            <p14:sldId id="838"/>
+            <p14:sldId id="839"/>
+            <p14:sldId id="840"/>
+          </p14:sldIdLst>
+        </p14:section>
+        <p14:section name="Summary" id="{7B3346DA-80A3-D648-8F1D-9F4982F9CF42}">
+          <p14:sldIdLst>
+            <p14:sldId id="825"/>
+            <p14:sldId id="654"/>
+          </p14:sldIdLst>
+        </p14:section>
+      </p14:sectionLst>
+    </p:ext>
     <p:ext uri="{EFAFB233-063F-42B5-8137-9DF3F51BA10A}">
-      <p15:sldGuideLst xmlns="" xmlns:p15="http://schemas.microsoft.com/office/powerpoint/2012/main">
+      <p15:sldGuideLst xmlns:p15="http://schemas.microsoft.com/office/powerpoint/2012/main" xmlns="">
         <p15:guide id="1" orient="horz" pos="142">
           <p15:clr>
             <a:srgbClr val="A4A3A4"/>
@@ -244,7 +301,7 @@
       </p15:sldGuideLst>
     </p:ext>
     <p:ext uri="{2D200454-40CA-4A62-9FC3-DE9A4176ACB9}">
-      <p15:notesGuideLst xmlns="" xmlns:p15="http://schemas.microsoft.com/office/powerpoint/2012/main">
+      <p15:notesGuideLst xmlns:p15="http://schemas.microsoft.com/office/powerpoint/2012/main" xmlns="">
         <p15:guide id="1" orient="horz" pos="2880">
           <p15:clr>
             <a:srgbClr val="A4A3A4"/>
@@ -9161,7 +9218,7 @@
   </p:timing>
   <p:extLst mod="1">
     <p:ext uri="{DCECCB84-F9BA-43D5-87BE-67443E8EF086}">
-      <p15:sldGuideLst xmlns="" xmlns:p15="http://schemas.microsoft.com/office/powerpoint/2012/main">
+      <p15:sldGuideLst xmlns:p15="http://schemas.microsoft.com/office/powerpoint/2012/main" xmlns="">
         <p15:guide id="1" orient="horz" pos="2203">
           <p15:clr>
             <a:srgbClr val="FBAE40"/>
@@ -15570,7 +15627,15 @@
           <a:p>
             <a:r>
               <a:rPr lang="en-US" dirty="0" smtClean="0"/>
-              <a:t>The Windows Azure Environment</a:t>
+              <a:t>The </a:t>
+            </a:r>
+            <a:r>
+              <a:rPr lang="en-US" dirty="0" smtClean="0"/>
+              <a:t>Microsoft Azure </a:t>
+            </a:r>
+            <a:r>
+              <a:rPr lang="en-US" dirty="0" smtClean="0"/>
+              <a:t>Environment</a:t>
             </a:r>
             <a:endParaRPr lang="en-US" dirty="0"/>
           </a:p>
@@ -15734,7 +15799,7 @@
         </p:blipFill>
         <p:spPr>
           <a:xfrm>
-            <a:off x="2010687" y="3131829"/>
+            <a:off x="3575063" y="3504981"/>
             <a:ext cx="5038699" cy="3267728"/>
           </a:xfrm>
           <a:prstGeom prst="rect">
@@ -30500,7 +30565,7 @@
                 <a:gridCol w="11225057">
                   <a:extLst>
                     <a:ext uri="{9D8B030D-6E8A-4147-A177-3AD203B41FA5}">
-                      <a16:colId xmlns:a16="http://schemas.microsoft.com/office/drawing/2014/main" xmlns="" val="1253488153"/>
+                      <a16:colId xmlns="" xmlns:a16="http://schemas.microsoft.com/office/drawing/2014/main" val="1253488153"/>
                     </a:ext>
                   </a:extLst>
                 </a:gridCol>
@@ -30522,7 +30587,7 @@
                 </a:tc>
                 <a:extLst>
                   <a:ext uri="{0D108BD9-81ED-4DB2-BD59-A6C34878D82A}">
-                    <a16:rowId xmlns:a16="http://schemas.microsoft.com/office/drawing/2014/main" xmlns="" val="829859176"/>
+                    <a16:rowId xmlns="" xmlns:a16="http://schemas.microsoft.com/office/drawing/2014/main" val="829859176"/>
                   </a:ext>
                 </a:extLst>
               </a:tr>
@@ -30542,7 +30607,7 @@
                 </a:tc>
                 <a:extLst>
                   <a:ext uri="{0D108BD9-81ED-4DB2-BD59-A6C34878D82A}">
-                    <a16:rowId xmlns:a16="http://schemas.microsoft.com/office/drawing/2014/main" xmlns="" val="1946132611"/>
+                    <a16:rowId xmlns="" xmlns:a16="http://schemas.microsoft.com/office/drawing/2014/main" val="1946132611"/>
                   </a:ext>
                 </a:extLst>
               </a:tr>
@@ -30579,7 +30644,7 @@
                 </a:tc>
                 <a:extLst>
                   <a:ext uri="{0D108BD9-81ED-4DB2-BD59-A6C34878D82A}">
-                    <a16:rowId xmlns:a16="http://schemas.microsoft.com/office/drawing/2014/main" xmlns="" val="3204002662"/>
+                    <a16:rowId xmlns="" xmlns:a16="http://schemas.microsoft.com/office/drawing/2014/main" val="3204002662"/>
                   </a:ext>
                 </a:extLst>
               </a:tr>
@@ -30608,15 +30673,7 @@
                       </a:pPr>
                       <a:r>
                         <a:rPr lang="en-US" sz="2400" dirty="0" smtClean="0"/>
-                        <a:t>Module 3: </a:t>
-                      </a:r>
-                      <a:r>
-                        <a:rPr lang="en-US" sz="2400" dirty="0" smtClean="0"/>
-                        <a:t>Hook </a:t>
-                      </a:r>
-                      <a:r>
-                        <a:rPr lang="en-US" sz="2400" dirty="0" smtClean="0"/>
-                        <a:t>into Apps for SharePoint</a:t>
+                        <a:t>Module 3: Hook into Apps for SharePoint</a:t>
                       </a:r>
                     </a:p>
                   </a:txBody>
@@ -30624,7 +30681,7 @@
                 </a:tc>
                 <a:extLst>
                   <a:ext uri="{0D108BD9-81ED-4DB2-BD59-A6C34878D82A}">
-                    <a16:rowId xmlns:a16="http://schemas.microsoft.com/office/drawing/2014/main" xmlns="" val="4266278162"/>
+                    <a16:rowId xmlns="" xmlns:a16="http://schemas.microsoft.com/office/drawing/2014/main" val="4266278162"/>
                   </a:ext>
                 </a:extLst>
               </a:tr>
@@ -30657,11 +30714,7 @@
                       </a:r>
                       <a:r>
                         <a:rPr lang="en-US" sz="2400" dirty="0" smtClean="0"/>
-                        <a:t>Hook </a:t>
-                      </a:r>
-                      <a:r>
-                        <a:rPr lang="en-US" sz="2400" dirty="0" smtClean="0"/>
-                        <a:t>into Office 365 and SharePoint APIs with SPAs</a:t>
+                        <a:t>Hook into Office 365 and SharePoint APIs with SPAs</a:t>
                       </a:r>
                     </a:p>
                   </a:txBody>
@@ -30693,15 +30746,7 @@
                       </a:pPr>
                       <a:r>
                         <a:rPr lang="en-US" sz="2400" b="0" dirty="0" smtClean="0"/>
-                        <a:t>Module 5: </a:t>
-                      </a:r>
-                      <a:r>
-                        <a:rPr lang="en-US" sz="2400" b="0" dirty="0" smtClean="0"/>
-                        <a:t>Hook </a:t>
-                      </a:r>
-                      <a:r>
-                        <a:rPr lang="en-US" sz="2400" b="0" dirty="0" smtClean="0"/>
-                        <a:t>into Apps for Office</a:t>
+                        <a:t>Module 5: Hook into Apps for Office</a:t>
                       </a:r>
                     </a:p>
                   </a:txBody>
@@ -36763,7 +36808,15 @@
           <a:p>
             <a:r>
               <a:rPr lang="en-US" dirty="0" smtClean="0"/>
-              <a:t>The Windows Azure Environment</a:t>
+              <a:t>The </a:t>
+            </a:r>
+            <a:r>
+              <a:rPr lang="en-US" dirty="0" smtClean="0"/>
+              <a:t>Microsoft Azure </a:t>
+            </a:r>
+            <a:r>
+              <a:rPr lang="en-US" dirty="0" smtClean="0"/>
+              <a:t>Environment</a:t>
             </a:r>
           </a:p>
           <a:p>
@@ -37858,7 +37911,7 @@
   <a:extraClrSchemeLst/>
   <a:extLst>
     <a:ext uri="{05A4C25C-085E-4340-85A3-A5531E510DB2}">
-      <thm15:themeFamily xmlns="" xmlns:thm15="http://schemas.microsoft.com/office/thememl/2012/main" name="Office_Template_16x9_WHITE.potx" id="{BAC85760-2BE3-4369-8D6A-792FA239637A}" vid="{0B6ECECE-D832-4A6D-9382-4D4E764C03DC}"/>
+      <thm15:themeFamily xmlns:thm15="http://schemas.microsoft.com/office/thememl/2012/main" xmlns="" name="Office_Template_16x9_WHITE.potx" id="{BAC85760-2BE3-4369-8D6A-792FA239637A}" vid="{0B6ECECE-D832-4A6D-9382-4D4E764C03DC}"/>
     </a:ext>
   </a:extLst>
 </a:theme>
@@ -38151,7 +38204,7 @@
   <a:extraClrSchemeLst/>
   <a:extLst>
     <a:ext uri="{05A4C25C-085E-4340-85A3-A5531E510DB2}">
-      <thm15:themeFamily xmlns="" xmlns:thm15="http://schemas.microsoft.com/office/thememl/2012/main" name="Office_Template_16x9_WHITE.potx" id="{BAC85760-2BE3-4369-8D6A-792FA239637A}" vid="{A93E73D1-45C6-4FF9-A009-9C9E7F69F4DC}"/>
+      <thm15:themeFamily xmlns:thm15="http://schemas.microsoft.com/office/thememl/2012/main" xmlns="" name="Office_Template_16x9_WHITE.potx" id="{BAC85760-2BE3-4369-8D6A-792FA239637A}" vid="{A93E73D1-45C6-4FF9-A009-9C9E7F69F4DC}"/>
     </a:ext>
   </a:extLst>
 </a:theme>

--- a/02.Setting up the Environments/02.Setting up the Environments.pptx
+++ b/02.Setting up the Environments/02.Setting up the Environments.pptx
@@ -202,7 +202,7 @@
       </p14:sectionLst>
     </p:ext>
     <p:ext uri="{EFAFB233-063F-42B5-8137-9DF3F51BA10A}">
-      <p15:sldGuideLst xmlns:p15="http://schemas.microsoft.com/office/powerpoint/2012/main" xmlns="">
+      <p15:sldGuideLst xmlns:p15="http://schemas.microsoft.com/office/powerpoint/2012/main">
         <p15:guide id="1" orient="horz" pos="142">
           <p15:clr>
             <a:srgbClr val="A4A3A4"/>
@@ -301,7 +301,7 @@
       </p15:sldGuideLst>
     </p:ext>
     <p:ext uri="{2D200454-40CA-4A62-9FC3-DE9A4176ACB9}">
-      <p15:notesGuideLst xmlns:p15="http://schemas.microsoft.com/office/powerpoint/2012/main" xmlns="">
+      <p15:notesGuideLst xmlns:p15="http://schemas.microsoft.com/office/powerpoint/2012/main">
         <p15:guide id="1" orient="horz" pos="2880">
           <p15:clr>
             <a:srgbClr val="A4A3A4"/>
@@ -404,7 +404,7 @@
           <a:p>
             <a:fld id="{DE219B1A-AE41-483B-A766-69B9363DDA6A}" type="datetimeFigureOut">
               <a:rPr lang="en-US" smtClean="0"/>
-              <a:t>9/10/14</a:t>
+              <a:t>10/22/2014</a:t>
             </a:fld>
             <a:endParaRPr lang="en-US"/>
           </a:p>
@@ -686,7 +686,7 @@
           <a:p>
             <a:fld id="{D51B1278-D92B-4AF3-A9C1-71DD298190CE}" type="datetimeFigureOut">
               <a:rPr lang="en-US" smtClean="0"/>
-              <a:t>9/10/14</a:t>
+              <a:t>10/22/2014</a:t>
             </a:fld>
             <a:endParaRPr lang="en-US"/>
           </a:p>
@@ -1281,7 +1281,7 @@
           <a:p>
             <a:fld id="{4F0210BE-2A39-4D0E-9359-F64D4B884D4E}" type="datetime1">
               <a:rPr lang="en-US" smtClean="0"/>
-              <a:t>9/10/14</a:t>
+              <a:t>10/22/2014</a:t>
             </a:fld>
             <a:endParaRPr lang="en-US"/>
           </a:p>
@@ -1491,7 +1491,7 @@
           <a:p>
             <a:fld id="{CA454356-7988-4E39-B534-EC35F7CCC11C}" type="datetime1">
               <a:rPr lang="en-US" smtClean="0"/>
-              <a:t>9/10/14</a:t>
+              <a:t>10/22/2014</a:t>
             </a:fld>
             <a:endParaRPr lang="en-US"/>
           </a:p>
@@ -1697,7 +1697,7 @@
           <a:p>
             <a:fld id="{1B816852-F550-4F1E-AE22-5580BB5390CD}" type="datetime1">
               <a:rPr lang="en-US" smtClean="0"/>
-              <a:t>9/10/14</a:t>
+              <a:t>10/22/2014</a:t>
             </a:fld>
             <a:endParaRPr lang="en-US"/>
           </a:p>
@@ -1907,7 +1907,7 @@
           <a:p>
             <a:fld id="{8C3D3F17-9065-4B2A-80EA-09A3A0159250}" type="datetime1">
               <a:rPr lang="en-US" smtClean="0"/>
-              <a:t>9/10/14</a:t>
+              <a:t>10/22/2014</a:t>
             </a:fld>
             <a:endParaRPr lang="en-US"/>
           </a:p>
@@ -2092,7 +2092,7 @@
           <a:bodyPr/>
           <a:lstStyle/>
           <a:p>
-            <a:endParaRPr lang="en-US"/>
+            <a:endParaRPr lang="en-US" dirty="0"/>
           </a:p>
         </p:txBody>
       </p:sp>
@@ -2224,7 +2224,7 @@
           <a:p>
             <a:fld id="{E94FB22D-AF06-49F0-ABFB-4A3B32E04FBE}" type="datetime1">
               <a:rPr lang="en-US" smtClean="0"/>
-              <a:t>9/10/14</a:t>
+              <a:t>10/22/2014</a:t>
             </a:fld>
             <a:endParaRPr lang="en-US"/>
           </a:p>
@@ -2331,7 +2331,7 @@
           <a:p>
             <a:fld id="{35A2105E-80AA-4B38-BA9C-D7E35197D8BA}" type="datetime1">
               <a:rPr lang="en-US" smtClean="0"/>
-              <a:t>9/10/14</a:t>
+              <a:t>10/22/2014</a:t>
             </a:fld>
             <a:endParaRPr lang="en-US"/>
           </a:p>
@@ -2537,7 +2537,7 @@
           <a:p>
             <a:fld id="{C5A2A3EB-BE87-4080-97A4-5341D2051EE4}" type="datetime1">
               <a:rPr lang="en-US" smtClean="0"/>
-              <a:t>9/10/14</a:t>
+              <a:t>10/22/2014</a:t>
             </a:fld>
             <a:endParaRPr lang="en-US"/>
           </a:p>
@@ -2894,7 +2894,7 @@
           <a:p>
             <a:fld id="{B079C3B8-7366-4A44-A34B-3977080C19E7}" type="datetime1">
               <a:rPr lang="en-US" smtClean="0"/>
-              <a:t>9/10/14</a:t>
+              <a:t>10/22/2014</a:t>
             </a:fld>
             <a:endParaRPr lang="en-US" dirty="0"/>
           </a:p>
@@ -3136,7 +3136,7 @@
           <a:p>
             <a:fld id="{0BB6559B-C68D-49B4-97AE-9BB74C417927}" type="datetime1">
               <a:rPr lang="en-US" smtClean="0"/>
-              <a:t>9/10/14</a:t>
+              <a:t>10/22/2014</a:t>
             </a:fld>
             <a:endParaRPr lang="en-US"/>
           </a:p>
@@ -3394,7 +3394,7 @@
           <a:p>
             <a:fld id="{B079C3B8-7366-4A44-A34B-3977080C19E7}" type="datetime1">
               <a:rPr lang="en-US" smtClean="0"/>
-              <a:t>9/10/14</a:t>
+              <a:t>10/22/2014</a:t>
             </a:fld>
             <a:endParaRPr lang="en-US" dirty="0"/>
           </a:p>
@@ -3525,7 +3525,7 @@
           <a:p>
             <a:fld id="{9A443B04-064F-4871-9D9F-BDCA414B0371}" type="datetime1">
               <a:rPr lang="en-US" smtClean="0"/>
-              <a:t>9/10/14</a:t>
+              <a:t>10/22/2014</a:t>
             </a:fld>
             <a:endParaRPr lang="en-US"/>
           </a:p>
@@ -3762,7 +3762,7 @@
           <a:p>
             <a:fld id="{7017412A-FAE9-499A-B3C7-924D02AB998D}" type="datetime1">
               <a:rPr lang="en-US" smtClean="0"/>
-              <a:t>9/10/14</a:t>
+              <a:t>10/22/2014</a:t>
             </a:fld>
             <a:endParaRPr lang="en-US"/>
           </a:p>
@@ -3974,7 +3974,7 @@
           <a:p>
             <a:fld id="{4692986F-2699-409F-8A21-4F1A3E24BE62}" type="datetime1">
               <a:rPr lang="en-US" smtClean="0"/>
-              <a:t>9/10/14</a:t>
+              <a:t>10/22/2014</a:t>
             </a:fld>
             <a:endParaRPr lang="en-US"/>
           </a:p>
@@ -4206,7 +4206,7 @@
           <a:p>
             <a:fld id="{EC07A5DE-1429-409E-95F7-F13CDA16C6E2}" type="datetime1">
               <a:rPr lang="en-US" smtClean="0"/>
-              <a:t>9/10/14</a:t>
+              <a:t>10/22/2014</a:t>
             </a:fld>
             <a:endParaRPr lang="en-US"/>
           </a:p>
@@ -4393,7 +4393,15 @@
           <a:p>
             <a:r>
               <a:rPr lang="en-US" dirty="0" smtClean="0"/>
-              <a:t>It’s not required to link the O365 Directory to an Azure subscription</a:t>
+              <a:t>It’s not required to link the </a:t>
+            </a:r>
+            <a:r>
+              <a:rPr lang="en-US" dirty="0" smtClean="0"/>
+              <a:t>Office 365 </a:t>
+            </a:r>
+            <a:r>
+              <a:rPr lang="en-US" dirty="0" smtClean="0"/>
+              <a:t>Directory to an Azure subscription</a:t>
             </a:r>
           </a:p>
           <a:p>
@@ -4405,7 +4413,15 @@
           <a:p>
             <a:r>
               <a:rPr lang="en-US" dirty="0" smtClean="0"/>
-              <a:t>and opens up the ability to call into O365 from other applications.</a:t>
+              <a:t>and opens up the ability to call into </a:t>
+            </a:r>
+            <a:r>
+              <a:rPr lang="en-US" dirty="0" smtClean="0"/>
+              <a:t>Office 365 </a:t>
+            </a:r>
+            <a:r>
+              <a:rPr lang="en-US" dirty="0" smtClean="0"/>
+              <a:t>from other applications.</a:t>
             </a:r>
           </a:p>
           <a:p>
@@ -4430,7 +4446,7 @@
           <a:p>
             <a:fld id="{BBA7F52A-B8F7-43B0-8B42-741D53CB577A}" type="datetime1">
               <a:rPr lang="en-US" smtClean="0"/>
-              <a:t>9/10/14</a:t>
+              <a:t>10/22/2014</a:t>
             </a:fld>
             <a:endParaRPr lang="en-US"/>
           </a:p>
@@ -4617,7 +4633,15 @@
           <a:p>
             <a:r>
               <a:rPr lang="en-US" dirty="0" smtClean="0"/>
-              <a:t>By adding an O365 account as an Azure administrator,</a:t>
+              <a:t>By adding an </a:t>
+            </a:r>
+            <a:r>
+              <a:rPr lang="en-US" dirty="0" smtClean="0"/>
+              <a:t>Office 365 </a:t>
+            </a:r>
+            <a:r>
+              <a:rPr lang="en-US" dirty="0" smtClean="0"/>
+              <a:t>account as an Azure administrator,</a:t>
             </a:r>
           </a:p>
           <a:p>
@@ -4646,7 +4670,7 @@
           <a:p>
             <a:fld id="{4B1490A0-601F-404D-B7DA-4F4F3A8C8BB1}" type="datetime1">
               <a:rPr lang="en-US" smtClean="0"/>
-              <a:t>9/10/14</a:t>
+              <a:t>10/22/2014</a:t>
             </a:fld>
             <a:endParaRPr lang="en-US"/>
           </a:p>
@@ -5463,7 +5487,7 @@
   <p:timing>
     <p:tnLst>
       <p:par>
-        <p:cTn xmlns:p14="http://schemas.microsoft.com/office/powerpoint/2010/main" id="1" dur="indefinite" restart="never" nodeType="tmRoot"/>
+        <p:cTn id="1" dur="indefinite" restart="never" nodeType="tmRoot"/>
       </p:par>
     </p:tnLst>
   </p:timing>
@@ -5806,7 +5830,7 @@
   <p:timing>
     <p:tnLst>
       <p:par>
-        <p:cTn xmlns:p14="http://schemas.microsoft.com/office/powerpoint/2010/main" id="1" dur="indefinite" restart="never" nodeType="tmRoot"/>
+        <p:cTn id="1" dur="indefinite" restart="never" nodeType="tmRoot"/>
       </p:par>
     </p:tnLst>
   </p:timing>
@@ -6154,7 +6178,7 @@
   <p:timing>
     <p:tnLst>
       <p:par>
-        <p:cTn xmlns:p14="http://schemas.microsoft.com/office/powerpoint/2010/main" id="1" dur="indefinite" restart="never" nodeType="tmRoot"/>
+        <p:cTn id="1" dur="indefinite" restart="never" nodeType="tmRoot"/>
       </p:par>
     </p:tnLst>
   </p:timing>
@@ -6454,7 +6478,7 @@
   <p:timing>
     <p:tnLst>
       <p:par>
-        <p:cTn xmlns:p14="http://schemas.microsoft.com/office/powerpoint/2010/main" id="1" dur="indefinite" restart="never" nodeType="tmRoot"/>
+        <p:cTn id="1" dur="indefinite" restart="never" nodeType="tmRoot"/>
       </p:par>
     </p:tnLst>
   </p:timing>
@@ -6793,7 +6817,7 @@
   <p:timing>
     <p:tnLst>
       <p:par>
-        <p:cTn xmlns:p14="http://schemas.microsoft.com/office/powerpoint/2010/main" id="1" dur="indefinite" restart="never" nodeType="tmRoot"/>
+        <p:cTn id="1" dur="indefinite" restart="never" nodeType="tmRoot"/>
       </p:par>
     </p:tnLst>
   </p:timing>
@@ -7166,7 +7190,7 @@
   <p:timing>
     <p:tnLst>
       <p:par>
-        <p:cTn xmlns:p14="http://schemas.microsoft.com/office/powerpoint/2010/main" id="1" dur="indefinite" restart="never" nodeType="tmRoot"/>
+        <p:cTn id="1" dur="indefinite" restart="never" nodeType="tmRoot"/>
       </p:par>
     </p:tnLst>
   </p:timing>
@@ -7539,7 +7563,7 @@
   <p:timing>
     <p:tnLst>
       <p:par>
-        <p:cTn xmlns:p14="http://schemas.microsoft.com/office/powerpoint/2010/main" id="1" dur="indefinite" restart="never" nodeType="tmRoot"/>
+        <p:cTn id="1" dur="indefinite" restart="never" nodeType="tmRoot"/>
       </p:par>
     </p:tnLst>
   </p:timing>
@@ -7995,7 +8019,7 @@
   <p:clrMapOvr>
     <a:masterClrMapping/>
   </p:clrMapOvr>
-  <p:transition xmlns:p14="http://schemas.microsoft.com/office/powerpoint/2010/main">
+  <p:transition>
     <p:fade/>
   </p:transition>
 </p:sldLayout>
@@ -8028,7 +8052,7 @@
   <p:clrMapOvr>
     <a:masterClrMapping/>
   </p:clrMapOvr>
-  <p:transition xmlns:p14="http://schemas.microsoft.com/office/powerpoint/2010/main">
+  <p:transition>
     <p:fade/>
   </p:transition>
 </p:sldLayout>
@@ -8336,7 +8360,7 @@
   <p:clrMapOvr>
     <a:masterClrMapping/>
   </p:clrMapOvr>
-  <p:transition xmlns:p14="http://schemas.microsoft.com/office/powerpoint/2010/main">
+  <p:transition>
     <p:fade/>
   </p:transition>
 </p:sldLayout>
@@ -8451,13 +8475,13 @@
   <p:clrMapOvr>
     <a:masterClrMapping/>
   </p:clrMapOvr>
-  <p:transition xmlns:p14="http://schemas.microsoft.com/office/powerpoint/2010/main">
+  <p:transition>
     <p:fade/>
   </p:transition>
   <p:timing>
     <p:tnLst>
       <p:par>
-        <p:cTn xmlns:p14="http://schemas.microsoft.com/office/powerpoint/2010/main" id="1" dur="indefinite" restart="never" nodeType="tmRoot"/>
+        <p:cTn id="1" dur="indefinite" restart="never" nodeType="tmRoot"/>
       </p:par>
     </p:tnLst>
   </p:timing>
@@ -8785,13 +8809,13 @@
   <p:clrMapOvr>
     <a:masterClrMapping/>
   </p:clrMapOvr>
-  <p:transition xmlns:p14="http://schemas.microsoft.com/office/powerpoint/2010/main">
+  <p:transition>
     <p:fade/>
   </p:transition>
   <p:timing>
     <p:tnLst>
       <p:par>
-        <p:cTn xmlns:p14="http://schemas.microsoft.com/office/powerpoint/2010/main" id="1" dur="indefinite" restart="never" nodeType="tmRoot"/>
+        <p:cTn id="1" dur="indefinite" restart="never" nodeType="tmRoot"/>
       </p:par>
     </p:tnLst>
   </p:timing>
@@ -9206,19 +9230,19 @@
   <p:clrMapOvr>
     <a:masterClrMapping/>
   </p:clrMapOvr>
-  <p:transition xmlns:p14="http://schemas.microsoft.com/office/powerpoint/2010/main">
+  <p:transition>
     <p:fade/>
   </p:transition>
   <p:timing>
     <p:tnLst>
       <p:par>
-        <p:cTn xmlns:p14="http://schemas.microsoft.com/office/powerpoint/2010/main" id="1" dur="indefinite" restart="never" nodeType="tmRoot"/>
+        <p:cTn id="1" dur="indefinite" restart="never" nodeType="tmRoot"/>
       </p:par>
     </p:tnLst>
   </p:timing>
   <p:extLst mod="1">
     <p:ext uri="{DCECCB84-F9BA-43D5-87BE-67443E8EF086}">
-      <p15:sldGuideLst xmlns:p15="http://schemas.microsoft.com/office/powerpoint/2012/main" xmlns="">
+      <p15:sldGuideLst xmlns:p15="http://schemas.microsoft.com/office/powerpoint/2012/main">
         <p15:guide id="1" orient="horz" pos="2203">
           <p15:clr>
             <a:srgbClr val="FBAE40"/>
@@ -9435,13 +9459,13 @@
   <p:clrMapOvr>
     <a:masterClrMapping/>
   </p:clrMapOvr>
-  <p:transition xmlns:p14="http://schemas.microsoft.com/office/powerpoint/2010/main">
+  <p:transition>
     <p:fade/>
   </p:transition>
   <p:timing>
     <p:tnLst>
       <p:par>
-        <p:cTn xmlns:p14="http://schemas.microsoft.com/office/powerpoint/2010/main" id="1" dur="indefinite" restart="never" nodeType="tmRoot"/>
+        <p:cTn id="1" dur="indefinite" restart="never" nodeType="tmRoot"/>
       </p:par>
     </p:tnLst>
   </p:timing>
@@ -9663,13 +9687,13 @@
   <p:clrMapOvr>
     <a:masterClrMapping/>
   </p:clrMapOvr>
-  <p:transition xmlns:p14="http://schemas.microsoft.com/office/powerpoint/2010/main">
+  <p:transition>
     <p:fade/>
   </p:transition>
   <p:timing>
     <p:tnLst>
       <p:par>
-        <p:cTn xmlns:p14="http://schemas.microsoft.com/office/powerpoint/2010/main" id="1" dur="indefinite" restart="never" nodeType="tmRoot"/>
+        <p:cTn id="1" dur="indefinite" restart="never" nodeType="tmRoot"/>
       </p:par>
     </p:tnLst>
   </p:timing>
@@ -9890,13 +9914,13 @@
   <p:clrMapOvr>
     <a:masterClrMapping/>
   </p:clrMapOvr>
-  <p:transition xmlns:p14="http://schemas.microsoft.com/office/powerpoint/2010/main">
+  <p:transition>
     <p:fade/>
   </p:transition>
   <p:timing>
     <p:tnLst>
       <p:par>
-        <p:cTn xmlns:p14="http://schemas.microsoft.com/office/powerpoint/2010/main" id="1" dur="indefinite" restart="never" nodeType="tmRoot"/>
+        <p:cTn id="1" dur="indefinite" restart="never" nodeType="tmRoot"/>
       </p:par>
     </p:tnLst>
   </p:timing>
@@ -10176,13 +10200,13 @@
   <p:clrMapOvr>
     <a:masterClrMapping/>
   </p:clrMapOvr>
-  <p:transition xmlns:p14="http://schemas.microsoft.com/office/powerpoint/2010/main">
+  <p:transition>
     <p:fade/>
   </p:transition>
   <p:timing>
     <p:tnLst>
       <p:par>
-        <p:cTn xmlns:p14="http://schemas.microsoft.com/office/powerpoint/2010/main" id="1" dur="indefinite" restart="never" nodeType="tmRoot"/>
+        <p:cTn id="1" dur="indefinite" restart="never" nodeType="tmRoot"/>
       </p:par>
     </p:tnLst>
   </p:timing>
@@ -10325,7 +10349,7 @@
   <p:timing>
     <p:tnLst>
       <p:par>
-        <p:cTn xmlns:p14="http://schemas.microsoft.com/office/powerpoint/2010/main" id="1" dur="indefinite" restart="never" nodeType="tmRoot"/>
+        <p:cTn id="1" dur="indefinite" restart="never" nodeType="tmRoot"/>
       </p:par>
     </p:tnLst>
   </p:timing>
@@ -10502,7 +10526,7 @@
   <p:timing>
     <p:tnLst>
       <p:par>
-        <p:cTn xmlns:p14="http://schemas.microsoft.com/office/powerpoint/2010/main" id="1" dur="indefinite" restart="never" nodeType="tmRoot"/>
+        <p:cTn id="1" dur="indefinite" restart="never" nodeType="tmRoot"/>
       </p:par>
     </p:tnLst>
   </p:timing>
@@ -10679,7 +10703,7 @@
   <p:timing>
     <p:tnLst>
       <p:par>
-        <p:cTn xmlns:p14="http://schemas.microsoft.com/office/powerpoint/2010/main" id="1" dur="indefinite" restart="never" nodeType="tmRoot"/>
+        <p:cTn id="1" dur="indefinite" restart="never" nodeType="tmRoot"/>
       </p:par>
     </p:tnLst>
   </p:timing>
@@ -10856,7 +10880,7 @@
   <p:timing>
     <p:tnLst>
       <p:par>
-        <p:cTn xmlns:p14="http://schemas.microsoft.com/office/powerpoint/2010/main" id="1" dur="indefinite" restart="never" nodeType="tmRoot"/>
+        <p:cTn id="1" dur="indefinite" restart="never" nodeType="tmRoot"/>
       </p:par>
     </p:tnLst>
   </p:timing>
@@ -11159,7 +11183,7 @@
   <p:timing>
     <p:tnLst>
       <p:par>
-        <p:cTn xmlns:p14="http://schemas.microsoft.com/office/powerpoint/2010/main" id="1" dur="indefinite" restart="never" nodeType="tmRoot"/>
+        <p:cTn id="1" dur="indefinite" restart="never" nodeType="tmRoot"/>
       </p:par>
     </p:tnLst>
   </p:timing>
@@ -11336,7 +11360,7 @@
   <p:timing>
     <p:tnLst>
       <p:par>
-        <p:cTn xmlns:p14="http://schemas.microsoft.com/office/powerpoint/2010/main" id="1" dur="indefinite" restart="never" nodeType="tmRoot"/>
+        <p:cTn id="1" dur="indefinite" restart="never" nodeType="tmRoot"/>
       </p:par>
     </p:tnLst>
   </p:timing>
@@ -11455,13 +11479,13 @@
   <p:clrMapOvr>
     <a:masterClrMapping/>
   </p:clrMapOvr>
-  <p:transition xmlns:p14="http://schemas.microsoft.com/office/powerpoint/2010/main">
+  <p:transition>
     <p:fade/>
   </p:transition>
   <p:timing>
     <p:tnLst>
       <p:par>
-        <p:cTn xmlns:p14="http://schemas.microsoft.com/office/powerpoint/2010/main" id="1" dur="indefinite" restart="never" nodeType="tmRoot"/>
+        <p:cTn id="1" dur="indefinite" restart="never" nodeType="tmRoot"/>
       </p:par>
     </p:tnLst>
   </p:timing>
@@ -11580,13 +11604,13 @@
   <p:clrMapOvr>
     <a:masterClrMapping/>
   </p:clrMapOvr>
-  <p:transition xmlns:p14="http://schemas.microsoft.com/office/powerpoint/2010/main">
+  <p:transition>
     <p:fade/>
   </p:transition>
   <p:timing>
     <p:tnLst>
       <p:par>
-        <p:cTn xmlns:p14="http://schemas.microsoft.com/office/powerpoint/2010/main" id="1" dur="indefinite" restart="never" nodeType="tmRoot"/>
+        <p:cTn id="1" dur="indefinite" restart="never" nodeType="tmRoot"/>
       </p:par>
     </p:tnLst>
   </p:timing>
@@ -11705,13 +11729,13 @@
   <p:clrMapOvr>
     <a:masterClrMapping/>
   </p:clrMapOvr>
-  <p:transition xmlns:p14="http://schemas.microsoft.com/office/powerpoint/2010/main">
+  <p:transition>
     <p:fade/>
   </p:transition>
   <p:timing>
     <p:tnLst>
       <p:par>
-        <p:cTn xmlns:p14="http://schemas.microsoft.com/office/powerpoint/2010/main" id="1" dur="indefinite" restart="never" nodeType="tmRoot"/>
+        <p:cTn id="1" dur="indefinite" restart="never" nodeType="tmRoot"/>
       </p:par>
     </p:tnLst>
   </p:timing>
@@ -11830,13 +11854,13 @@
   <p:clrMapOvr>
     <a:masterClrMapping/>
   </p:clrMapOvr>
-  <p:transition xmlns:p14="http://schemas.microsoft.com/office/powerpoint/2010/main">
+  <p:transition>
     <p:fade/>
   </p:transition>
   <p:timing>
     <p:tnLst>
       <p:par>
-        <p:cTn xmlns:p14="http://schemas.microsoft.com/office/powerpoint/2010/main" id="1" dur="indefinite" restart="never" nodeType="tmRoot"/>
+        <p:cTn id="1" dur="indefinite" restart="never" nodeType="tmRoot"/>
       </p:par>
     </p:tnLst>
   </p:timing>
@@ -11878,7 +11902,7 @@
   <p:clrMapOvr>
     <a:masterClrMapping/>
   </p:clrMapOvr>
-  <p:transition xmlns:p14="http://schemas.microsoft.com/office/powerpoint/2010/main">
+  <p:transition>
     <p:fade/>
   </p:transition>
 </p:sldLayout>
@@ -11919,7 +11943,7 @@
   <p:clrMapOvr>
     <a:masterClrMapping/>
   </p:clrMapOvr>
-  <p:transition xmlns:p14="http://schemas.microsoft.com/office/powerpoint/2010/main">
+  <p:transition>
     <p:fade/>
   </p:transition>
 </p:sldLayout>
@@ -11960,7 +11984,7 @@
   <p:clrMapOvr>
     <a:masterClrMapping/>
   </p:clrMapOvr>
-  <p:transition xmlns:p14="http://schemas.microsoft.com/office/powerpoint/2010/main">
+  <p:transition>
     <p:fade/>
   </p:transition>
 </p:sldLayout>
@@ -12001,7 +12025,7 @@
   <p:clrMapOvr>
     <a:masterClrMapping/>
   </p:clrMapOvr>
-  <p:transition xmlns:p14="http://schemas.microsoft.com/office/powerpoint/2010/main">
+  <p:transition>
     <p:fade/>
   </p:transition>
 </p:sldLayout>
@@ -12296,13 +12320,13 @@
   <p:clrMapOvr>
     <a:masterClrMapping/>
   </p:clrMapOvr>
-  <p:transition xmlns:p14="http://schemas.microsoft.com/office/powerpoint/2010/main">
+  <p:transition>
     <p:fade/>
   </p:transition>
   <p:timing>
     <p:tnLst>
       <p:par>
-        <p:cTn xmlns:p14="http://schemas.microsoft.com/office/powerpoint/2010/main" id="1" dur="indefinite" restart="never" nodeType="tmRoot"/>
+        <p:cTn id="1" dur="indefinite" restart="never" nodeType="tmRoot"/>
       </p:par>
     </p:tnLst>
   </p:timing>
@@ -12598,13 +12622,13 @@
   <p:clrMapOvr>
     <a:masterClrMapping/>
   </p:clrMapOvr>
-  <p:transition xmlns:p14="http://schemas.microsoft.com/office/powerpoint/2010/main">
+  <p:transition>
     <p:fade/>
   </p:transition>
   <p:timing>
     <p:tnLst>
       <p:par>
-        <p:cTn xmlns:p14="http://schemas.microsoft.com/office/powerpoint/2010/main" id="1" dur="indefinite" restart="never" nodeType="tmRoot"/>
+        <p:cTn id="1" dur="indefinite" restart="never" nodeType="tmRoot"/>
       </p:par>
     </p:tnLst>
   </p:timing>
@@ -12856,13 +12880,13 @@
   <p:clrMapOvr>
     <a:masterClrMapping/>
   </p:clrMapOvr>
-  <p:transition xmlns:p14="http://schemas.microsoft.com/office/powerpoint/2010/main">
+  <p:transition>
     <p:fade/>
   </p:transition>
   <p:timing>
     <p:tnLst>
       <p:par>
-        <p:cTn xmlns:p14="http://schemas.microsoft.com/office/powerpoint/2010/main" id="1" dur="indefinite" restart="never" nodeType="tmRoot"/>
+        <p:cTn id="1" dur="indefinite" restart="never" nodeType="tmRoot"/>
       </p:par>
     </p:tnLst>
   </p:timing>
@@ -13390,13 +13414,13 @@
   <p:clrMapOvr>
     <a:masterClrMapping/>
   </p:clrMapOvr>
-  <p:transition xmlns:p14="http://schemas.microsoft.com/office/powerpoint/2010/main">
+  <p:transition>
     <p:fade/>
   </p:transition>
   <p:timing>
     <p:tnLst>
       <p:par>
-        <p:cTn xmlns:p14="http://schemas.microsoft.com/office/powerpoint/2010/main" id="1" dur="indefinite" restart="never" nodeType="tmRoot"/>
+        <p:cTn id="1" dur="indefinite" restart="never" nodeType="tmRoot"/>
       </p:par>
     </p:tnLst>
   </p:timing>
@@ -13972,7 +13996,7 @@
   <p:clrMapOvr>
     <a:masterClrMapping/>
   </p:clrMapOvr>
-  <p:transition xmlns:p14="http://schemas.microsoft.com/office/powerpoint/2010/main">
+  <p:transition>
     <p:fade/>
   </p:transition>
 </p:sldLayout>
@@ -14466,7 +14490,7 @@
   <p:clrMapOvr>
     <a:masterClrMapping/>
   </p:clrMapOvr>
-  <p:transition xmlns:p14="http://schemas.microsoft.com/office/powerpoint/2010/main">
+  <p:transition>
     <p:fade/>
   </p:transition>
 </p:sldLayout>
@@ -14625,13 +14649,13 @@
     <p:sldLayoutId id="2147484151" r:id="rId25"/>
     <p:sldLayoutId id="2147484152" r:id="rId26"/>
   </p:sldLayoutIdLst>
-  <p:transition xmlns:p14="http://schemas.microsoft.com/office/powerpoint/2010/main">
+  <p:transition>
     <p:fade/>
   </p:transition>
   <p:timing>
     <p:tnLst>
       <p:par>
-        <p:cTn xmlns:p14="http://schemas.microsoft.com/office/powerpoint/2010/main" id="1" dur="indefinite" restart="never" nodeType="tmRoot"/>
+        <p:cTn id="1" dur="indefinite" restart="never" nodeType="tmRoot"/>
       </p:par>
     </p:tnLst>
   </p:timing>
@@ -15037,13 +15061,13 @@
     <p:sldLayoutId id="2147484066" r:id="rId11"/>
     <p:sldLayoutId id="2147484098" r:id="rId12"/>
   </p:sldLayoutIdLst>
-  <p:transition xmlns:p14="http://schemas.microsoft.com/office/powerpoint/2010/main">
+  <p:transition>
     <p:fade/>
   </p:transition>
   <p:timing>
     <p:tnLst>
       <p:par>
-        <p:cTn xmlns:p14="http://schemas.microsoft.com/office/powerpoint/2010/main" id="1" dur="indefinite" restart="never" nodeType="tmRoot"/>
+        <p:cTn id="1" dur="indefinite" restart="never" nodeType="tmRoot"/>
       </p:par>
     </p:tnLst>
   </p:timing>
@@ -15464,10 +15488,6 @@
           <a:bodyPr/>
           <a:lstStyle/>
           <a:p>
-            <a:r>
-              <a:rPr lang="en-US" dirty="0" smtClean="0"/>
-              <a:t>September 2014</a:t>
-            </a:r>
             <a:endParaRPr lang="en-US" dirty="0"/>
           </a:p>
         </p:txBody>
@@ -15497,7 +15517,7 @@
   <p:timing>
     <p:tnLst>
       <p:par>
-        <p:cTn xmlns:p14="http://schemas.microsoft.com/office/powerpoint/2010/main" id="1" dur="indefinite" restart="never" nodeType="tmRoot"/>
+        <p:cTn id="1" dur="indefinite" restart="never" nodeType="tmRoot"/>
       </p:par>
     </p:tnLst>
   </p:timing>
@@ -15580,13 +15600,13 @@
   <p:clrMapOvr>
     <a:masterClrMapping/>
   </p:clrMapOvr>
-  <p:transition xmlns:p14="http://schemas.microsoft.com/office/powerpoint/2010/main">
+  <p:transition>
     <p:fade/>
   </p:transition>
   <p:timing>
     <p:tnLst>
       <p:par>
-        <p:cTn xmlns:p14="http://schemas.microsoft.com/office/powerpoint/2010/main" id="1" dur="indefinite" restart="never" nodeType="tmRoot"/>
+        <p:cTn id="1" dur="indefinite" restart="never" nodeType="tmRoot"/>
       </p:par>
     </p:tnLst>
   </p:timing>
@@ -15627,15 +15647,7 @@
           <a:p>
             <a:r>
               <a:rPr lang="en-US" dirty="0" smtClean="0"/>
-              <a:t>The </a:t>
-            </a:r>
-            <a:r>
-              <a:rPr lang="en-US" dirty="0" smtClean="0"/>
-              <a:t>Microsoft Azure </a:t>
-            </a:r>
-            <a:r>
-              <a:rPr lang="en-US" dirty="0" smtClean="0"/>
-              <a:t>Environment</a:t>
+              <a:t>The Microsoft Azure Environment</a:t>
             </a:r>
             <a:endParaRPr lang="en-US" dirty="0"/>
           </a:p>
@@ -15671,13 +15683,13 @@
   <p:clrMapOvr>
     <a:masterClrMapping/>
   </p:clrMapOvr>
-  <p:transition xmlns:p14="http://schemas.microsoft.com/office/powerpoint/2010/main">
+  <p:transition>
     <p:fade/>
   </p:transition>
   <p:timing>
     <p:tnLst>
       <p:par>
-        <p:cTn xmlns:p14="http://schemas.microsoft.com/office/powerpoint/2010/main" id="1" dur="indefinite" restart="never" nodeType="tmRoot"/>
+        <p:cTn id="1" dur="indefinite" restart="never" nodeType="tmRoot"/>
       </p:par>
     </p:tnLst>
   </p:timing>
@@ -15817,7 +15829,7 @@
   <p:clrMapOvr>
     <a:masterClrMapping/>
   </p:clrMapOvr>
-  <p:transition xmlns:p14="http://schemas.microsoft.com/office/powerpoint/2010/main">
+  <p:transition>
     <p:fade/>
   </p:transition>
 </p:sld>
@@ -15972,7 +15984,7 @@
   <p:clrMapOvr>
     <a:masterClrMapping/>
   </p:clrMapOvr>
-  <p:transition xmlns:p14="http://schemas.microsoft.com/office/powerpoint/2010/main">
+  <p:transition>
     <p:fade/>
   </p:transition>
 </p:sld>
@@ -16046,8 +16058,13 @@
           <a:p>
             <a:r>
               <a:rPr lang="en-US" dirty="0"/>
-              <a:t>Add the Organizational Account from O365</a:t>
-            </a:r>
+              <a:t>Add the Organizational Account from </a:t>
+            </a:r>
+            <a:r>
+              <a:rPr lang="en-US" dirty="0" smtClean="0"/>
+              <a:t>Office 365</a:t>
+            </a:r>
+            <a:endParaRPr lang="en-US" dirty="0"/>
           </a:p>
           <a:p>
             <a:endParaRPr lang="en-US" dirty="0"/>
@@ -16070,8 +16087,12 @@
           <a:lstStyle/>
           <a:p>
             <a:r>
+              <a:rPr lang="en-US" dirty="0" smtClean="0"/>
+              <a:t>Office 365 </a:t>
+            </a:r>
+            <a:r>
               <a:rPr lang="en-US" dirty="0"/>
-              <a:t>Adding O365 Account as Azure Admin</a:t>
+              <a:t>Account as Azure Admin</a:t>
             </a:r>
           </a:p>
         </p:txBody>
@@ -16110,7 +16131,7 @@
   <p:clrMapOvr>
     <a:masterClrMapping/>
   </p:clrMapOvr>
-  <p:transition xmlns:p14="http://schemas.microsoft.com/office/powerpoint/2010/main">
+  <p:transition>
     <p:fade/>
   </p:transition>
 </p:sld>
@@ -16192,13 +16213,13 @@
   <p:clrMapOvr>
     <a:masterClrMapping/>
   </p:clrMapOvr>
-  <p:transition xmlns:p14="http://schemas.microsoft.com/office/powerpoint/2010/main">
+  <p:transition>
     <p:fade/>
   </p:transition>
   <p:timing>
     <p:tnLst>
       <p:par>
-        <p:cTn xmlns:p14="http://schemas.microsoft.com/office/powerpoint/2010/main" id="1" dur="indefinite" restart="never" nodeType="tmRoot"/>
+        <p:cTn id="1" dur="indefinite" restart="never" nodeType="tmRoot"/>
       </p:par>
     </p:tnLst>
   </p:timing>
@@ -16275,13 +16296,13 @@
   <p:clrMapOvr>
     <a:masterClrMapping/>
   </p:clrMapOvr>
-  <p:transition xmlns:p14="http://schemas.microsoft.com/office/powerpoint/2010/main">
+  <p:transition>
     <p:fade/>
   </p:transition>
   <p:timing>
     <p:tnLst>
       <p:par>
-        <p:cTn xmlns:p14="http://schemas.microsoft.com/office/powerpoint/2010/main" id="1" dur="indefinite" restart="never" nodeType="tmRoot"/>
+        <p:cTn id="1" dur="indefinite" restart="never" nodeType="tmRoot"/>
       </p:par>
     </p:tnLst>
   </p:timing>
@@ -19499,7 +19520,7 @@
               </a:ln>
               <a:extLst>
                 <a:ext uri="{91240B29-F687-4f45-9708-019B960494DF}">
-                  <a14:hiddenLine xmlns:a14="http://schemas.microsoft.com/office/drawing/2010/main" w="9525">
+                  <a14:hiddenLine xmlns:a14="http://schemas.microsoft.com/office/drawing/2010/main" xmlns="" w="9525">
                     <a:solidFill>
                       <a:srgbClr val="000000"/>
                     </a:solidFill>
@@ -22304,7 +22325,7 @@
                 </a:ln>
                 <a:extLst>
                   <a:ext uri="{91240B29-F687-4f45-9708-019B960494DF}">
-                    <a14:hiddenLine xmlns:a14="http://schemas.microsoft.com/office/drawing/2010/main" w="9525">
+                    <a14:hiddenLine xmlns:a14="http://schemas.microsoft.com/office/drawing/2010/main" xmlns="" w="9525">
                       <a:solidFill>
                         <a:srgbClr val="000000"/>
                       </a:solidFill>
@@ -27342,7 +27363,7 @@
                 </a:ln>
                 <a:extLst>
                   <a:ext uri="{91240B29-F687-4f45-9708-019B960494DF}">
-                    <a14:hiddenLine xmlns:a14="http://schemas.microsoft.com/office/drawing/2010/main" w="9525">
+                    <a14:hiddenLine xmlns:a14="http://schemas.microsoft.com/office/drawing/2010/main" xmlns="" w="9525">
                       <a:solidFill>
                         <a:srgbClr val="000000"/>
                       </a:solidFill>
@@ -27933,7 +27954,7 @@
                 </a:ln>
                 <a:extLst>
                   <a:ext uri="{91240B29-F687-4f45-9708-019B960494DF}">
-                    <a14:hiddenLine xmlns:a14="http://schemas.microsoft.com/office/drawing/2010/main" w="9525">
+                    <a14:hiddenLine xmlns:a14="http://schemas.microsoft.com/office/drawing/2010/main" xmlns="" w="9525">
                       <a:solidFill>
                         <a:srgbClr val="000000"/>
                       </a:solidFill>
@@ -29918,13 +29939,13 @@
   <p:clrMapOvr>
     <a:masterClrMapping/>
   </p:clrMapOvr>
-  <p:transition xmlns:p14="http://schemas.microsoft.com/office/powerpoint/2010/main">
+  <p:transition>
     <p:fade/>
   </p:transition>
   <p:timing>
     <p:tnLst>
       <p:par>
-        <p:cTn xmlns:p14="http://schemas.microsoft.com/office/powerpoint/2010/main" id="1" dur="indefinite" restart="never" nodeType="tmRoot">
+        <p:cTn id="1" dur="indefinite" restart="never" nodeType="tmRoot">
           <p:childTnLst>
             <p:seq concurrent="1" nextAc="seek">
               <p:cTn id="2" dur="indefinite" nodeType="mainSeq">
@@ -30362,7 +30383,7 @@
   <p:clrMapOvr>
     <a:masterClrMapping/>
   </p:clrMapOvr>
-  <p:transition xmlns:p14="http://schemas.microsoft.com/office/powerpoint/2010/main">
+  <p:transition>
     <p:fade/>
   </p:transition>
 </p:sld>
@@ -30419,7 +30440,15 @@
           <a:p>
             <a:r>
               <a:rPr lang="en-US" dirty="0"/>
-              <a:t>Used by O365 for authentication</a:t>
+              <a:t>Used by </a:t>
+            </a:r>
+            <a:r>
+              <a:rPr lang="en-US" dirty="0" smtClean="0"/>
+              <a:t>Office 365 </a:t>
+            </a:r>
+            <a:r>
+              <a:rPr lang="en-US" dirty="0"/>
+              <a:t>for authentication</a:t>
             </a:r>
           </a:p>
           <a:p>
@@ -30490,7 +30519,7 @@
   <p:clrMapOvr>
     <a:masterClrMapping/>
   </p:clrMapOvr>
-  <p:transition xmlns:p14="http://schemas.microsoft.com/office/powerpoint/2010/main">
+  <p:transition>
     <p:fade/>
   </p:transition>
 </p:sld>
@@ -30553,7 +30582,7 @@
         </p:nvGraphicFramePr>
         <p:xfrm>
           <a:off x="351383" y="1063255"/>
-          <a:ext cx="11225057" cy="3301433"/>
+          <a:ext cx="11225057" cy="3301434"/>
         </p:xfrm>
         <a:graphic>
           <a:graphicData uri="http://schemas.openxmlformats.org/drawingml/2006/table">
@@ -30565,7 +30594,7 @@
                 <a:gridCol w="11225057">
                   <a:extLst>
                     <a:ext uri="{9D8B030D-6E8A-4147-A177-3AD203B41FA5}">
-                      <a16:colId xmlns="" xmlns:a16="http://schemas.microsoft.com/office/drawing/2014/main" val="1253488153"/>
+                      <a16:colId xmlns:a16="http://schemas.microsoft.com/office/drawing/2014/main" xmlns="" val="1253488153"/>
                     </a:ext>
                   </a:extLst>
                 </a:gridCol>
@@ -30587,7 +30616,7 @@
                 </a:tc>
                 <a:extLst>
                   <a:ext uri="{0D108BD9-81ED-4DB2-BD59-A6C34878D82A}">
-                    <a16:rowId xmlns="" xmlns:a16="http://schemas.microsoft.com/office/drawing/2014/main" val="829859176"/>
+                    <a16:rowId xmlns:a16="http://schemas.microsoft.com/office/drawing/2014/main" xmlns="" val="829859176"/>
                   </a:ext>
                 </a:extLst>
               </a:tr>
@@ -30607,7 +30636,7 @@
                 </a:tc>
                 <a:extLst>
                   <a:ext uri="{0D108BD9-81ED-4DB2-BD59-A6C34878D82A}">
-                    <a16:rowId xmlns="" xmlns:a16="http://schemas.microsoft.com/office/drawing/2014/main" val="1946132611"/>
+                    <a16:rowId xmlns:a16="http://schemas.microsoft.com/office/drawing/2014/main" xmlns="" val="1946132611"/>
                   </a:ext>
                 </a:extLst>
               </a:tr>
@@ -30644,7 +30673,7 @@
                 </a:tc>
                 <a:extLst>
                   <a:ext uri="{0D108BD9-81ED-4DB2-BD59-A6C34878D82A}">
-                    <a16:rowId xmlns="" xmlns:a16="http://schemas.microsoft.com/office/drawing/2014/main" val="3204002662"/>
+                    <a16:rowId xmlns:a16="http://schemas.microsoft.com/office/drawing/2014/main" xmlns="" val="3204002662"/>
                   </a:ext>
                 </a:extLst>
               </a:tr>
@@ -30681,7 +30710,7 @@
                 </a:tc>
                 <a:extLst>
                   <a:ext uri="{0D108BD9-81ED-4DB2-BD59-A6C34878D82A}">
-                    <a16:rowId xmlns="" xmlns:a16="http://schemas.microsoft.com/office/drawing/2014/main" val="4266278162"/>
+                    <a16:rowId xmlns:a16="http://schemas.microsoft.com/office/drawing/2014/main" xmlns="" val="4266278162"/>
                   </a:ext>
                 </a:extLst>
               </a:tr>
@@ -30767,13 +30796,13 @@
   <p:clrMapOvr>
     <a:masterClrMapping/>
   </p:clrMapOvr>
-  <p:transition xmlns:p14="http://schemas.microsoft.com/office/powerpoint/2010/main">
+  <p:transition>
     <p:fade/>
   </p:transition>
   <p:timing>
     <p:tnLst>
       <p:par>
-        <p:cTn xmlns:p14="http://schemas.microsoft.com/office/powerpoint/2010/main" id="1" dur="indefinite" restart="never" nodeType="tmRoot"/>
+        <p:cTn id="1" dur="indefinite" restart="never" nodeType="tmRoot"/>
       </p:par>
     </p:tnLst>
   </p:timing>
@@ -30828,7 +30857,7 @@
           <p:nvPr>
             <p:extLst>
               <p:ext uri="{D42A27DB-BD31-4B8C-83A1-F6EECF244321}">
-                <p14:modId xmlns:p14="http://schemas.microsoft.com/office/powerpoint/2010/main" val="3549469914"/>
+                <p14:modId xmlns:p14="http://schemas.microsoft.com/office/powerpoint/2010/main" val="2624793295"/>
               </p:ext>
             </p:extLst>
           </p:nvPr>
@@ -31188,7 +31217,29 @@
                           <a:ea typeface="+mn-ea"/>
                           <a:cs typeface="+mn-cs"/>
                         </a:rPr>
-                        <a:t>O365 APIs</a:t>
+                        <a:t>Office 365 </a:t>
+                      </a:r>
+                      <a:r>
+                        <a:rPr lang="en-US" sz="2000" b="0" u="none" strike="noStrike" kern="1200" dirty="0" smtClean="0">
+                          <a:ln>
+                            <a:noFill/>
+                          </a:ln>
+                          <a:gradFill>
+                            <a:gsLst>
+                              <a:gs pos="0">
+                                <a:srgbClr val="FFFFFF"/>
+                              </a:gs>
+                              <a:gs pos="100000">
+                                <a:srgbClr val="FFFFFF"/>
+                              </a:gs>
+                            </a:gsLst>
+                            <a:lin ang="5400000" scaled="0"/>
+                          </a:gradFill>
+                          <a:latin typeface="+mn-lt"/>
+                          <a:ea typeface="+mn-ea"/>
+                          <a:cs typeface="+mn-cs"/>
+                        </a:rPr>
+                        <a:t>APIs</a:t>
                       </a:r>
                     </a:p>
                   </a:txBody>
@@ -33430,13 +33481,13 @@
   <p:clrMapOvr>
     <a:masterClrMapping/>
   </p:clrMapOvr>
-  <p:transition xmlns:p14="http://schemas.microsoft.com/office/powerpoint/2010/main">
+  <p:transition>
     <p:fade/>
   </p:transition>
   <p:timing>
     <p:tnLst>
       <p:par>
-        <p:cTn xmlns:p14="http://schemas.microsoft.com/office/powerpoint/2010/main" id="1" dur="indefinite" restart="never" nodeType="tmRoot"/>
+        <p:cTn id="1" dur="indefinite" restart="never" nodeType="tmRoot"/>
       </p:par>
     </p:tnLst>
   </p:timing>
@@ -33559,7 +33610,7 @@
   <p:clrMapOvr>
     <a:masterClrMapping/>
   </p:clrMapOvr>
-  <p:transition xmlns:p14="http://schemas.microsoft.com/office/powerpoint/2010/main">
+  <p:transition>
     <p:fade/>
   </p:transition>
 </p:sld>
@@ -33628,7 +33679,15 @@
           <a:p>
             <a:r>
               <a:rPr lang="en-US" dirty="0"/>
-              <a:t>Used by O365 for application authorization</a:t>
+              <a:t>Used by </a:t>
+            </a:r>
+            <a:r>
+              <a:rPr lang="en-US" dirty="0" smtClean="0"/>
+              <a:t>Office 365 </a:t>
+            </a:r>
+            <a:r>
+              <a:rPr lang="en-US" dirty="0"/>
+              <a:t>for application authorization</a:t>
             </a:r>
           </a:p>
           <a:p>
@@ -33693,7 +33752,7 @@
   <p:clrMapOvr>
     <a:masterClrMapping/>
   </p:clrMapOvr>
-  <p:transition xmlns:p14="http://schemas.microsoft.com/office/powerpoint/2010/main">
+  <p:transition>
     <p:fade/>
   </p:transition>
 </p:sld>
@@ -33797,7 +33856,7 @@
   <p:clrMapOvr>
     <a:masterClrMapping/>
   </p:clrMapOvr>
-  <p:transition xmlns:p14="http://schemas.microsoft.com/office/powerpoint/2010/main">
+  <p:transition>
     <p:fade/>
   </p:transition>
 </p:sld>
@@ -33907,7 +33966,7 @@
   <p:clrMapOvr>
     <a:masterClrMapping/>
   </p:clrMapOvr>
-  <p:transition xmlns:p14="http://schemas.microsoft.com/office/powerpoint/2010/main">
+  <p:transition>
     <p:fade/>
   </p:transition>
 </p:sld>
@@ -34018,7 +34077,7 @@
   <p:clrMapOvr>
     <a:masterClrMapping/>
   </p:clrMapOvr>
-  <p:transition xmlns:p14="http://schemas.microsoft.com/office/powerpoint/2010/main">
+  <p:transition>
     <p:fade/>
   </p:transition>
 </p:sld>
@@ -34071,12 +34130,16 @@
             <a:graphicFrameLocks noGrp="1"/>
           </p:cNvGraphicFramePr>
           <p:nvPr>
-            <p:extLst/>
+            <p:extLst>
+              <p:ext uri="{D42A27DB-BD31-4B8C-83A1-F6EECF244321}">
+                <p14:modId xmlns:p14="http://schemas.microsoft.com/office/powerpoint/2010/main" val="508395118"/>
+              </p:ext>
+            </p:extLst>
           </p:nvPr>
         </p:nvGraphicFramePr>
         <p:xfrm>
           <a:off x="519113" y="1388435"/>
-          <a:ext cx="11463780" cy="2834418"/>
+          <a:ext cx="11463780" cy="2834419"/>
         </p:xfrm>
         <a:graphic>
           <a:graphicData uri="http://schemas.openxmlformats.org/drawingml/2006/table">
@@ -35132,7 +35195,27 @@
                           </a:gradFill>
                           <a:latin typeface="+mn-lt"/>
                         </a:rPr>
-                        <a:t>O365 APIs</a:t>
+                        <a:t>Office 365 </a:t>
+                      </a:r>
+                      <a:r>
+                        <a:rPr lang="en-US" sz="2000" b="0" u="none" strike="noStrike" kern="1200" dirty="0" smtClean="0">
+                          <a:ln>
+                            <a:noFill/>
+                          </a:ln>
+                          <a:gradFill>
+                            <a:gsLst>
+                              <a:gs pos="0">
+                                <a:srgbClr val="FFFFFF"/>
+                              </a:gs>
+                              <a:gs pos="100000">
+                                <a:srgbClr val="FFFFFF"/>
+                              </a:gs>
+                            </a:gsLst>
+                            <a:lin ang="5400000" scaled="0"/>
+                          </a:gradFill>
+                          <a:latin typeface="+mn-lt"/>
+                        </a:rPr>
+                        <a:t>APIs</a:t>
                       </a:r>
                       <a:endParaRPr lang="en-US" sz="2000" b="0" u="none" strike="noStrike" kern="1200" dirty="0">
                         <a:ln>
@@ -35468,13 +35551,13 @@
   <p:clrMapOvr>
     <a:masterClrMapping/>
   </p:clrMapOvr>
-  <p:transition xmlns:p14="http://schemas.microsoft.com/office/powerpoint/2010/main">
+  <p:transition>
     <p:fade/>
   </p:transition>
   <p:timing>
     <p:tnLst>
       <p:par>
-        <p:cTn xmlns:p14="http://schemas.microsoft.com/office/powerpoint/2010/main" id="1" dur="indefinite" restart="never" nodeType="tmRoot"/>
+        <p:cTn id="1" dur="indefinite" restart="never" nodeType="tmRoot"/>
       </p:par>
     </p:tnLst>
   </p:timing>
@@ -35611,7 +35694,7 @@
   <p:clrMapOvr>
     <a:masterClrMapping/>
   </p:clrMapOvr>
-  <p:transition xmlns:p14="http://schemas.microsoft.com/office/powerpoint/2010/main">
+  <p:transition>
     <p:fade/>
   </p:transition>
 </p:sld>
@@ -35747,7 +35830,7 @@
   <p:clrMapOvr>
     <a:masterClrMapping/>
   </p:clrMapOvr>
-  <p:transition xmlns:p14="http://schemas.microsoft.com/office/powerpoint/2010/main">
+  <p:transition>
     <p:fade/>
   </p:transition>
 </p:sld>
@@ -35881,7 +35964,7 @@
   <p:clrMapOvr>
     <a:masterClrMapping/>
   </p:clrMapOvr>
-  <p:transition xmlns:p14="http://schemas.microsoft.com/office/powerpoint/2010/main">
+  <p:transition>
     <p:fade/>
   </p:transition>
 </p:sld>
@@ -35991,13 +36074,13 @@
   <p:clrMapOvr>
     <a:masterClrMapping/>
   </p:clrMapOvr>
-  <p:transition xmlns:p14="http://schemas.microsoft.com/office/powerpoint/2010/main">
+  <p:transition>
     <p:fade/>
   </p:transition>
   <p:timing>
     <p:tnLst>
       <p:par>
-        <p:cTn xmlns:p14="http://schemas.microsoft.com/office/powerpoint/2010/main" id="1" dur="indefinite" restart="never" nodeType="tmRoot"/>
+        <p:cTn id="1" dur="indefinite" restart="never" nodeType="tmRoot"/>
       </p:par>
     </p:tnLst>
   </p:timing>
@@ -36140,7 +36223,7 @@
   <p:clrMapOvr>
     <a:masterClrMapping/>
   </p:clrMapOvr>
-  <p:transition xmlns:p14="http://schemas.microsoft.com/office/powerpoint/2010/main">
+  <p:transition>
     <p:fade/>
   </p:transition>
 </p:sld>
@@ -36222,13 +36305,13 @@
   <p:clrMapOvr>
     <a:masterClrMapping/>
   </p:clrMapOvr>
-  <p:transition xmlns:p14="http://schemas.microsoft.com/office/powerpoint/2010/main">
+  <p:transition>
     <p:fade/>
   </p:transition>
   <p:timing>
     <p:tnLst>
       <p:par>
-        <p:cTn xmlns:p14="http://schemas.microsoft.com/office/powerpoint/2010/main" id="1" dur="indefinite" restart="never" nodeType="tmRoot"/>
+        <p:cTn id="1" dur="indefinite" restart="never" nodeType="tmRoot"/>
       </p:par>
     </p:tnLst>
   </p:timing>
@@ -36371,7 +36454,7 @@
   <p:timing>
     <p:tnLst>
       <p:par>
-        <p:cTn xmlns:p14="http://schemas.microsoft.com/office/powerpoint/2010/main" id="1" dur="indefinite" restart="never" nodeType="tmRoot"/>
+        <p:cTn id="1" dur="indefinite" restart="never" nodeType="tmRoot"/>
       </p:par>
     </p:tnLst>
   </p:timing>
@@ -36756,7 +36839,7 @@
   <p:timing>
     <p:tnLst>
       <p:par>
-        <p:cTn xmlns:p14="http://schemas.microsoft.com/office/powerpoint/2010/main" id="1" dur="indefinite" restart="never" nodeType="tmRoot"/>
+        <p:cTn id="1" dur="indefinite" restart="never" nodeType="tmRoot"/>
       </p:par>
     </p:tnLst>
   </p:timing>
@@ -36808,15 +36891,7 @@
           <a:p>
             <a:r>
               <a:rPr lang="en-US" dirty="0" smtClean="0"/>
-              <a:t>The </a:t>
-            </a:r>
-            <a:r>
-              <a:rPr lang="en-US" dirty="0" smtClean="0"/>
-              <a:t>Microsoft Azure </a:t>
-            </a:r>
-            <a:r>
-              <a:rPr lang="en-US" dirty="0" smtClean="0"/>
-              <a:t>Environment</a:t>
+              <a:t>The Microsoft Azure Environment</a:t>
             </a:r>
           </a:p>
           <a:p>
@@ -36907,7 +36982,7 @@
   <p:timing>
     <p:tnLst>
       <p:par>
-        <p:cTn xmlns:p14="http://schemas.microsoft.com/office/powerpoint/2010/main" id="1" dur="indefinite" restart="never" nodeType="tmRoot"/>
+        <p:cTn id="1" dur="indefinite" restart="never" nodeType="tmRoot"/>
       </p:par>
     </p:tnLst>
   </p:timing>
@@ -36984,13 +37059,13 @@
   <p:clrMapOvr>
     <a:masterClrMapping/>
   </p:clrMapOvr>
-  <p:transition xmlns:p14="http://schemas.microsoft.com/office/powerpoint/2010/main">
+  <p:transition>
     <p:fade/>
   </p:transition>
   <p:timing>
     <p:tnLst>
       <p:par>
-        <p:cTn xmlns:p14="http://schemas.microsoft.com/office/powerpoint/2010/main" id="1" dur="indefinite" restart="never" nodeType="tmRoot"/>
+        <p:cTn id="1" dur="indefinite" restart="never" nodeType="tmRoot"/>
       </p:par>
     </p:tnLst>
   </p:timing>
@@ -37126,7 +37201,7 @@
   <p:clrMapOvr>
     <a:masterClrMapping/>
   </p:clrMapOvr>
-  <p:transition xmlns:p14="http://schemas.microsoft.com/office/powerpoint/2010/main">
+  <p:transition>
     <p:fade/>
   </p:transition>
 </p:sld>
@@ -37246,7 +37321,7 @@
   <p:clrMapOvr>
     <a:masterClrMapping/>
   </p:clrMapOvr>
-  <p:transition xmlns:p14="http://schemas.microsoft.com/office/powerpoint/2010/main">
+  <p:transition>
     <p:fade/>
   </p:transition>
 </p:sld>
@@ -37366,7 +37441,7 @@
   <p:clrMapOvr>
     <a:masterClrMapping/>
   </p:clrMapOvr>
-  <p:transition xmlns:p14="http://schemas.microsoft.com/office/powerpoint/2010/main">
+  <p:transition>
     <p:fade/>
   </p:transition>
 </p:sld>
@@ -37618,7 +37693,7 @@
   <p:clrMapOvr>
     <a:masterClrMapping/>
   </p:clrMapOvr>
-  <p:transition xmlns:p14="http://schemas.microsoft.com/office/powerpoint/2010/main">
+  <p:transition>
     <p:fade/>
   </p:transition>
 </p:sld>
@@ -37911,7 +37986,7 @@
   <a:extraClrSchemeLst/>
   <a:extLst>
     <a:ext uri="{05A4C25C-085E-4340-85A3-A5531E510DB2}">
-      <thm15:themeFamily xmlns:thm15="http://schemas.microsoft.com/office/thememl/2012/main" xmlns="" name="Office_Template_16x9_WHITE.potx" id="{BAC85760-2BE3-4369-8D6A-792FA239637A}" vid="{0B6ECECE-D832-4A6D-9382-4D4E764C03DC}"/>
+      <thm15:themeFamily xmlns:thm15="http://schemas.microsoft.com/office/thememl/2012/main" name="Office_Template_16x9_WHITE.potx" id="{BAC85760-2BE3-4369-8D6A-792FA239637A}" vid="{0B6ECECE-D832-4A6D-9382-4D4E764C03DC}"/>
     </a:ext>
   </a:extLst>
 </a:theme>
@@ -38204,7 +38279,7 @@
   <a:extraClrSchemeLst/>
   <a:extLst>
     <a:ext uri="{05A4C25C-085E-4340-85A3-A5531E510DB2}">
-      <thm15:themeFamily xmlns:thm15="http://schemas.microsoft.com/office/thememl/2012/main" xmlns="" name="Office_Template_16x9_WHITE.potx" id="{BAC85760-2BE3-4369-8D6A-792FA239637A}" vid="{A93E73D1-45C6-4FF9-A009-9C9E7F69F4DC}"/>
+      <thm15:themeFamily xmlns:thm15="http://schemas.microsoft.com/office/thememl/2012/main" name="Office_Template_16x9_WHITE.potx" id="{BAC85760-2BE3-4369-8D6A-792FA239637A}" vid="{A93E73D1-45C6-4FF9-A009-9C9E7F69F4DC}"/>
     </a:ext>
   </a:extLst>
 </a:theme>
@@ -38777,21 +38852,6 @@
 </file>
 
 <file path=customXml/item1.xml><?xml version="1.0" encoding="utf-8"?>
-<p:properties xmlns:p="http://schemas.microsoft.com/office/2006/metadata/properties" xmlns:xsi="http://www.w3.org/2001/XMLSchema-instance" xmlns:pc="http://schemas.microsoft.com/office/infopath/2007/PartnerControls">
-  <documentManagement/>
-</p:properties>
-</file>
-
-<file path=customXml/item2.xml><?xml version="1.0" encoding="utf-8"?>
-<?mso-contentType ?>
-<FormTemplates xmlns="http://schemas.microsoft.com/sharepoint/v3/contenttype/forms">
-  <Display>DocumentLibraryForm</Display>
-  <Edit>DocumentLibraryForm</Edit>
-  <New>DocumentLibraryForm</New>
-</FormTemplates>
-</file>
-
-<file path=customXml/item3.xml><?xml version="1.0" encoding="utf-8"?>
 <ct:contentTypeSchema xmlns:ct="http://schemas.microsoft.com/office/2006/metadata/contentType" xmlns:ma="http://schemas.microsoft.com/office/2006/metadata/properties/metaAttributes" ct:_="" ma:_="" ma:contentTypeName="Document" ma:contentTypeID="0x010100A2E4C90AA7333249A7DBC8CC6F49919B" ma:contentTypeVersion="1" ma:contentTypeDescription="Create a new document." ma:contentTypeScope="" ma:versionID="e7b09f0f38d7ed30c7da14951e97abcc">
   <xsd:schema xmlns:xsd="http://www.w3.org/2001/XMLSchema" xmlns:xs="http://www.w3.org/2001/XMLSchema" xmlns:p="http://schemas.microsoft.com/office/2006/metadata/properties" xmlns:ns2="5fad15d0-477e-40da-a20d-40d4ca777cbd" targetNamespace="http://schemas.microsoft.com/office/2006/metadata/properties" ma:root="true" ma:fieldsID="0cee24db179c30c5ebec40b677cadf70" ns2:_="">
     <xsd:import namespace="5fad15d0-477e-40da-a20d-40d4ca777cbd"/>
@@ -38931,31 +38991,22 @@
 </ct:contentTypeSchema>
 </file>
 
-<file path=customXml/itemProps1.xml><?xml version="1.0" encoding="utf-8"?>
-<ds:datastoreItem xmlns:ds="http://schemas.openxmlformats.org/officeDocument/2006/customXml" ds:itemID="{DA593625-DB14-4FB0-B5A9-3269FA9C120B}">
-  <ds:schemaRefs>
-    <ds:schemaRef ds:uri="http://schemas.microsoft.com/office/2006/metadata/properties"/>
-    <ds:schemaRef ds:uri="http://purl.org/dc/dcmitype/"/>
-    <ds:schemaRef ds:uri="http://schemas.microsoft.com/office/2006/documentManagement/types"/>
-    <ds:schemaRef ds:uri="http://schemas.openxmlformats.org/package/2006/metadata/core-properties"/>
-    <ds:schemaRef ds:uri="http://purl.org/dc/elements/1.1/"/>
-    <ds:schemaRef ds:uri="http://purl.org/dc/terms/"/>
-    <ds:schemaRef ds:uri="http://schemas.microsoft.com/office/infopath/2007/PartnerControls"/>
-    <ds:schemaRef ds:uri="5fad15d0-477e-40da-a20d-40d4ca777cbd"/>
-    <ds:schemaRef ds:uri="http://www.w3.org/XML/1998/namespace"/>
-  </ds:schemaRefs>
-</ds:datastoreItem>
+<file path=customXml/item2.xml><?xml version="1.0" encoding="utf-8"?>
+<?mso-contentType ?>
+<FormTemplates xmlns="http://schemas.microsoft.com/sharepoint/v3/contenttype/forms">
+  <Display>DocumentLibraryForm</Display>
+  <Edit>DocumentLibraryForm</Edit>
+  <New>DocumentLibraryForm</New>
+</FormTemplates>
 </file>
 
-<file path=customXml/itemProps2.xml><?xml version="1.0" encoding="utf-8"?>
-<ds:datastoreItem xmlns:ds="http://schemas.openxmlformats.org/officeDocument/2006/customXml" ds:itemID="{E1E0CE18-CA03-4891-9CD8-3448778E3D53}">
-  <ds:schemaRefs>
-    <ds:schemaRef ds:uri="http://schemas.microsoft.com/sharepoint/v3/contenttype/forms"/>
-  </ds:schemaRefs>
-</ds:datastoreItem>
+<file path=customXml/item3.xml><?xml version="1.0" encoding="utf-8"?>
+<p:properties xmlns:p="http://schemas.microsoft.com/office/2006/metadata/properties" xmlns:xsi="http://www.w3.org/2001/XMLSchema-instance" xmlns:pc="http://schemas.microsoft.com/office/infopath/2007/PartnerControls">
+  <documentManagement/>
+</p:properties>
 </file>
 
-<file path=customXml/itemProps3.xml><?xml version="1.0" encoding="utf-8"?>
+<file path=customXml/itemProps1.xml><?xml version="1.0" encoding="utf-8"?>
 <ds:datastoreItem xmlns:ds="http://schemas.openxmlformats.org/officeDocument/2006/customXml" ds:itemID="{F17DCE38-6787-497B-B958-75817420EB1E}">
   <ds:schemaRefs>
     <ds:schemaRef ds:uri="http://schemas.microsoft.com/office/2006/metadata/contentType"/>
@@ -38971,4 +39022,28 @@
     <ds:schemaRef ds:uri="http://schemas.microsoft.com/internal/obd"/>
   </ds:schemaRefs>
 </ds:datastoreItem>
+</file>
+
+<file path=customXml/itemProps2.xml><?xml version="1.0" encoding="utf-8"?>
+<ds:datastoreItem xmlns:ds="http://schemas.openxmlformats.org/officeDocument/2006/customXml" ds:itemID="{E1E0CE18-CA03-4891-9CD8-3448778E3D53}">
+  <ds:schemaRefs>
+    <ds:schemaRef ds:uri="http://schemas.microsoft.com/sharepoint/v3/contenttype/forms"/>
+  </ds:schemaRefs>
+</ds:datastoreItem>
+</file>
+
+<file path=customXml/itemProps3.xml><?xml version="1.0" encoding="utf-8"?>
+<ds:datastoreItem xmlns:ds="http://schemas.openxmlformats.org/officeDocument/2006/customXml" ds:itemID="{DA593625-DB14-4FB0-B5A9-3269FA9C120B}">
+  <ds:schemaRefs>
+    <ds:schemaRef ds:uri="http://schemas.microsoft.com/office/2006/metadata/properties"/>
+    <ds:schemaRef ds:uri="http://purl.org/dc/dcmitype/"/>
+    <ds:schemaRef ds:uri="http://schemas.microsoft.com/office/2006/documentManagement/types"/>
+    <ds:schemaRef ds:uri="http://schemas.openxmlformats.org/package/2006/metadata/core-properties"/>
+    <ds:schemaRef ds:uri="http://purl.org/dc/elements/1.1/"/>
+    <ds:schemaRef ds:uri="http://purl.org/dc/terms/"/>
+    <ds:schemaRef ds:uri="http://schemas.microsoft.com/office/infopath/2007/PartnerControls"/>
+    <ds:schemaRef ds:uri="5fad15d0-477e-40da-a20d-40d4ca777cbd"/>
+    <ds:schemaRef ds:uri="http://www.w3.org/XML/1998/namespace"/>
+  </ds:schemaRefs>
+</ds:datastoreItem>
 </file>
--- a/02.Setting up the Environments/02.Setting up the Environments.pptx
+++ b/02.Setting up the Environments/02.Setting up the Environments.pptx
@@ -404,7 +404,7 @@
           <a:p>
             <a:fld id="{DE219B1A-AE41-483B-A766-69B9363DDA6A}" type="datetimeFigureOut">
               <a:rPr lang="en-US" smtClean="0"/>
-              <a:t>10/22/2014</a:t>
+              <a:t>10/24/2014</a:t>
             </a:fld>
             <a:endParaRPr lang="en-US"/>
           </a:p>
@@ -686,7 +686,7 @@
           <a:p>
             <a:fld id="{D51B1278-D92B-4AF3-A9C1-71DD298190CE}" type="datetimeFigureOut">
               <a:rPr lang="en-US" smtClean="0"/>
-              <a:t>10/22/2014</a:t>
+              <a:t>10/24/2014</a:t>
             </a:fld>
             <a:endParaRPr lang="en-US"/>
           </a:p>
@@ -1281,7 +1281,7 @@
           <a:p>
             <a:fld id="{4F0210BE-2A39-4D0E-9359-F64D4B884D4E}" type="datetime1">
               <a:rPr lang="en-US" smtClean="0"/>
-              <a:t>10/22/2014</a:t>
+              <a:t>10/24/2014</a:t>
             </a:fld>
             <a:endParaRPr lang="en-US"/>
           </a:p>
@@ -1491,7 +1491,7 @@
           <a:p>
             <a:fld id="{CA454356-7988-4E39-B534-EC35F7CCC11C}" type="datetime1">
               <a:rPr lang="en-US" smtClean="0"/>
-              <a:t>10/22/2014</a:t>
+              <a:t>10/24/2014</a:t>
             </a:fld>
             <a:endParaRPr lang="en-US"/>
           </a:p>
@@ -1697,7 +1697,7 @@
           <a:p>
             <a:fld id="{1B816852-F550-4F1E-AE22-5580BB5390CD}" type="datetime1">
               <a:rPr lang="en-US" smtClean="0"/>
-              <a:t>10/22/2014</a:t>
+              <a:t>10/24/2014</a:t>
             </a:fld>
             <a:endParaRPr lang="en-US"/>
           </a:p>
@@ -1907,7 +1907,7 @@
           <a:p>
             <a:fld id="{8C3D3F17-9065-4B2A-80EA-09A3A0159250}" type="datetime1">
               <a:rPr lang="en-US" smtClean="0"/>
-              <a:t>10/22/2014</a:t>
+              <a:t>10/24/2014</a:t>
             </a:fld>
             <a:endParaRPr lang="en-US"/>
           </a:p>
@@ -2224,7 +2224,7 @@
           <a:p>
             <a:fld id="{E94FB22D-AF06-49F0-ABFB-4A3B32E04FBE}" type="datetime1">
               <a:rPr lang="en-US" smtClean="0"/>
-              <a:t>10/22/2014</a:t>
+              <a:t>10/24/2014</a:t>
             </a:fld>
             <a:endParaRPr lang="en-US"/>
           </a:p>
@@ -2331,7 +2331,7 @@
           <a:p>
             <a:fld id="{35A2105E-80AA-4B38-BA9C-D7E35197D8BA}" type="datetime1">
               <a:rPr lang="en-US" smtClean="0"/>
-              <a:t>10/22/2014</a:t>
+              <a:t>10/24/2014</a:t>
             </a:fld>
             <a:endParaRPr lang="en-US"/>
           </a:p>
@@ -2537,7 +2537,7 @@
           <a:p>
             <a:fld id="{C5A2A3EB-BE87-4080-97A4-5341D2051EE4}" type="datetime1">
               <a:rPr lang="en-US" smtClean="0"/>
-              <a:t>10/22/2014</a:t>
+              <a:t>10/24/2014</a:t>
             </a:fld>
             <a:endParaRPr lang="en-US"/>
           </a:p>
@@ -2894,7 +2894,7 @@
           <a:p>
             <a:fld id="{B079C3B8-7366-4A44-A34B-3977080C19E7}" type="datetime1">
               <a:rPr lang="en-US" smtClean="0"/>
-              <a:t>10/22/2014</a:t>
+              <a:t>10/24/2014</a:t>
             </a:fld>
             <a:endParaRPr lang="en-US" dirty="0"/>
           </a:p>
@@ -3136,7 +3136,7 @@
           <a:p>
             <a:fld id="{0BB6559B-C68D-49B4-97AE-9BB74C417927}" type="datetime1">
               <a:rPr lang="en-US" smtClean="0"/>
-              <a:t>10/22/2014</a:t>
+              <a:t>10/24/2014</a:t>
             </a:fld>
             <a:endParaRPr lang="en-US"/>
           </a:p>
@@ -3394,7 +3394,7 @@
           <a:p>
             <a:fld id="{B079C3B8-7366-4A44-A34B-3977080C19E7}" type="datetime1">
               <a:rPr lang="en-US" smtClean="0"/>
-              <a:t>10/22/2014</a:t>
+              <a:t>10/24/2014</a:t>
             </a:fld>
             <a:endParaRPr lang="en-US" dirty="0"/>
           </a:p>
@@ -3525,7 +3525,7 @@
           <a:p>
             <a:fld id="{9A443B04-064F-4871-9D9F-BDCA414B0371}" type="datetime1">
               <a:rPr lang="en-US" smtClean="0"/>
-              <a:t>10/22/2014</a:t>
+              <a:t>10/24/2014</a:t>
             </a:fld>
             <a:endParaRPr lang="en-US"/>
           </a:p>
@@ -3762,7 +3762,7 @@
           <a:p>
             <a:fld id="{7017412A-FAE9-499A-B3C7-924D02AB998D}" type="datetime1">
               <a:rPr lang="en-US" smtClean="0"/>
-              <a:t>10/22/2014</a:t>
+              <a:t>10/24/2014</a:t>
             </a:fld>
             <a:endParaRPr lang="en-US"/>
           </a:p>
@@ -3974,7 +3974,7 @@
           <a:p>
             <a:fld id="{4692986F-2699-409F-8A21-4F1A3E24BE62}" type="datetime1">
               <a:rPr lang="en-US" smtClean="0"/>
-              <a:t>10/22/2014</a:t>
+              <a:t>10/24/2014</a:t>
             </a:fld>
             <a:endParaRPr lang="en-US"/>
           </a:p>
@@ -4206,7 +4206,7 @@
           <a:p>
             <a:fld id="{EC07A5DE-1429-409E-95F7-F13CDA16C6E2}" type="datetime1">
               <a:rPr lang="en-US" smtClean="0"/>
-              <a:t>10/22/2014</a:t>
+              <a:t>10/24/2014</a:t>
             </a:fld>
             <a:endParaRPr lang="en-US"/>
           </a:p>
@@ -4393,15 +4393,7 @@
           <a:p>
             <a:r>
               <a:rPr lang="en-US" dirty="0" smtClean="0"/>
-              <a:t>It’s not required to link the </a:t>
-            </a:r>
-            <a:r>
-              <a:rPr lang="en-US" dirty="0" smtClean="0"/>
-              <a:t>Office 365 </a:t>
-            </a:r>
-            <a:r>
-              <a:rPr lang="en-US" dirty="0" smtClean="0"/>
-              <a:t>Directory to an Azure subscription</a:t>
+              <a:t>It’s not required to link the Office 365 Directory to an Azure subscription</a:t>
             </a:r>
           </a:p>
           <a:p>
@@ -4413,15 +4405,7 @@
           <a:p>
             <a:r>
               <a:rPr lang="en-US" dirty="0" smtClean="0"/>
-              <a:t>and opens up the ability to call into </a:t>
-            </a:r>
-            <a:r>
-              <a:rPr lang="en-US" dirty="0" smtClean="0"/>
-              <a:t>Office 365 </a:t>
-            </a:r>
-            <a:r>
-              <a:rPr lang="en-US" dirty="0" smtClean="0"/>
-              <a:t>from other applications.</a:t>
+              <a:t>and opens up the ability to call into Office 365 from other applications.</a:t>
             </a:r>
           </a:p>
           <a:p>
@@ -4446,7 +4430,7 @@
           <a:p>
             <a:fld id="{BBA7F52A-B8F7-43B0-8B42-741D53CB577A}" type="datetime1">
               <a:rPr lang="en-US" smtClean="0"/>
-              <a:t>10/22/2014</a:t>
+              <a:t>10/24/2014</a:t>
             </a:fld>
             <a:endParaRPr lang="en-US"/>
           </a:p>
@@ -4633,15 +4617,7 @@
           <a:p>
             <a:r>
               <a:rPr lang="en-US" dirty="0" smtClean="0"/>
-              <a:t>By adding an </a:t>
-            </a:r>
-            <a:r>
-              <a:rPr lang="en-US" dirty="0" smtClean="0"/>
-              <a:t>Office 365 </a:t>
-            </a:r>
-            <a:r>
-              <a:rPr lang="en-US" dirty="0" smtClean="0"/>
-              <a:t>account as an Azure administrator,</a:t>
+              <a:t>By adding an Office 365 account as an Azure administrator,</a:t>
             </a:r>
           </a:p>
           <a:p>
@@ -4670,7 +4646,7 @@
           <a:p>
             <a:fld id="{4B1490A0-601F-404D-B7DA-4F4F3A8C8BB1}" type="datetime1">
               <a:rPr lang="en-US" smtClean="0"/>
-              <a:t>10/22/2014</a:t>
+              <a:t>10/24/2014</a:t>
             </a:fld>
             <a:endParaRPr lang="en-US"/>
           </a:p>
@@ -19520,7 +19496,7 @@
               </a:ln>
               <a:extLst>
                 <a:ext uri="{91240B29-F687-4f45-9708-019B960494DF}">
-                  <a14:hiddenLine xmlns:a14="http://schemas.microsoft.com/office/drawing/2010/main" xmlns="" w="9525">
+                  <a14:hiddenLine xmlns="" xmlns:a14="http://schemas.microsoft.com/office/drawing/2010/main" w="9525">
                     <a:solidFill>
                       <a:srgbClr val="000000"/>
                     </a:solidFill>
@@ -22325,7 +22301,7 @@
                 </a:ln>
                 <a:extLst>
                   <a:ext uri="{91240B29-F687-4f45-9708-019B960494DF}">
-                    <a14:hiddenLine xmlns:a14="http://schemas.microsoft.com/office/drawing/2010/main" xmlns="" w="9525">
+                    <a14:hiddenLine xmlns="" xmlns:a14="http://schemas.microsoft.com/office/drawing/2010/main" w="9525">
                       <a:solidFill>
                         <a:srgbClr val="000000"/>
                       </a:solidFill>
@@ -27363,7 +27339,7 @@
                 </a:ln>
                 <a:extLst>
                   <a:ext uri="{91240B29-F687-4f45-9708-019B960494DF}">
-                    <a14:hiddenLine xmlns:a14="http://schemas.microsoft.com/office/drawing/2010/main" xmlns="" w="9525">
+                    <a14:hiddenLine xmlns="" xmlns:a14="http://schemas.microsoft.com/office/drawing/2010/main" w="9525">
                       <a:solidFill>
                         <a:srgbClr val="000000"/>
                       </a:solidFill>
@@ -27954,7 +27930,7 @@
                 </a:ln>
                 <a:extLst>
                   <a:ext uri="{91240B29-F687-4f45-9708-019B960494DF}">
-                    <a14:hiddenLine xmlns:a14="http://schemas.microsoft.com/office/drawing/2010/main" xmlns="" w="9525">
+                    <a14:hiddenLine xmlns="" xmlns:a14="http://schemas.microsoft.com/office/drawing/2010/main" w="9525">
                       <a:solidFill>
                         <a:srgbClr val="000000"/>
                       </a:solidFill>
@@ -30575,7 +30551,7 @@
             <p:ph sz="quarter" idx="10"/>
             <p:extLst>
               <p:ext uri="{D42A27DB-BD31-4B8C-83A1-F6EECF244321}">
-                <p14:modId xmlns:p14="http://schemas.microsoft.com/office/powerpoint/2010/main" val="2826759016"/>
+                <p14:modId xmlns:p14="http://schemas.microsoft.com/office/powerpoint/2010/main" val="4080346346"/>
               </p:ext>
             </p:extLst>
           </p:nvPr>
@@ -30594,7 +30570,7 @@
                 <a:gridCol w="11225057">
                   <a:extLst>
                     <a:ext uri="{9D8B030D-6E8A-4147-A177-3AD203B41FA5}">
-                      <a16:colId xmlns:a16="http://schemas.microsoft.com/office/drawing/2014/main" xmlns="" val="1253488153"/>
+                      <a16:colId xmlns="" xmlns:a16="http://schemas.microsoft.com/office/drawing/2014/main" val="1253488153"/>
                     </a:ext>
                   </a:extLst>
                 </a:gridCol>
@@ -30616,7 +30592,7 @@
                 </a:tc>
                 <a:extLst>
                   <a:ext uri="{0D108BD9-81ED-4DB2-BD59-A6C34878D82A}">
-                    <a16:rowId xmlns:a16="http://schemas.microsoft.com/office/drawing/2014/main" xmlns="" val="829859176"/>
+                    <a16:rowId xmlns="" xmlns:a16="http://schemas.microsoft.com/office/drawing/2014/main" val="829859176"/>
                   </a:ext>
                 </a:extLst>
               </a:tr>
@@ -30636,7 +30612,7 @@
                 </a:tc>
                 <a:extLst>
                   <a:ext uri="{0D108BD9-81ED-4DB2-BD59-A6C34878D82A}">
-                    <a16:rowId xmlns:a16="http://schemas.microsoft.com/office/drawing/2014/main" xmlns="" val="1946132611"/>
+                    <a16:rowId xmlns="" xmlns:a16="http://schemas.microsoft.com/office/drawing/2014/main" val="1946132611"/>
                   </a:ext>
                 </a:extLst>
               </a:tr>
@@ -30673,7 +30649,7 @@
                 </a:tc>
                 <a:extLst>
                   <a:ext uri="{0D108BD9-81ED-4DB2-BD59-A6C34878D82A}">
-                    <a16:rowId xmlns:a16="http://schemas.microsoft.com/office/drawing/2014/main" xmlns="" val="3204002662"/>
+                    <a16:rowId xmlns="" xmlns:a16="http://schemas.microsoft.com/office/drawing/2014/main" val="3204002662"/>
                   </a:ext>
                 </a:extLst>
               </a:tr>
@@ -30710,7 +30686,7 @@
                 </a:tc>
                 <a:extLst>
                   <a:ext uri="{0D108BD9-81ED-4DB2-BD59-A6C34878D82A}">
-                    <a16:rowId xmlns:a16="http://schemas.microsoft.com/office/drawing/2014/main" xmlns="" val="4266278162"/>
+                    <a16:rowId xmlns="" xmlns:a16="http://schemas.microsoft.com/office/drawing/2014/main" val="4266278162"/>
                   </a:ext>
                 </a:extLst>
               </a:tr>
@@ -30743,8 +30719,17 @@
                       </a:r>
                       <a:r>
                         <a:rPr lang="en-US" sz="2400" dirty="0" smtClean="0"/>
-                        <a:t>Hook into Office 365 and SharePoint APIs with SPAs</a:t>
+                        <a:t>Hook into Office </a:t>
                       </a:r>
+                      <a:r>
+                        <a:rPr lang="en-US" sz="2400" smtClean="0"/>
+                        <a:t>365 </a:t>
+                      </a:r>
+                      <a:r>
+                        <a:rPr lang="en-US" sz="2400" smtClean="0"/>
+                        <a:t>APIs</a:t>
+                      </a:r>
+                      <a:endParaRPr lang="en-US" sz="2400" dirty="0" smtClean="0"/>
                     </a:p>
                   </a:txBody>
                   <a:tcPr marL="91403" marR="91403" marT="45701" marB="45701" anchor="ctr"/>
@@ -31217,29 +31202,7 @@
                           <a:ea typeface="+mn-ea"/>
                           <a:cs typeface="+mn-cs"/>
                         </a:rPr>
-                        <a:t>Office 365 </a:t>
-                      </a:r>
-                      <a:r>
-                        <a:rPr lang="en-US" sz="2000" b="0" u="none" strike="noStrike" kern="1200" dirty="0" smtClean="0">
-                          <a:ln>
-                            <a:noFill/>
-                          </a:ln>
-                          <a:gradFill>
-                            <a:gsLst>
-                              <a:gs pos="0">
-                                <a:srgbClr val="FFFFFF"/>
-                              </a:gs>
-                              <a:gs pos="100000">
-                                <a:srgbClr val="FFFFFF"/>
-                              </a:gs>
-                            </a:gsLst>
-                            <a:lin ang="5400000" scaled="0"/>
-                          </a:gradFill>
-                          <a:latin typeface="+mn-lt"/>
-                          <a:ea typeface="+mn-ea"/>
-                          <a:cs typeface="+mn-cs"/>
-                        </a:rPr>
-                        <a:t>APIs</a:t>
+                        <a:t>Office 365 APIs</a:t>
                       </a:r>
                     </a:p>
                   </a:txBody>
@@ -35195,27 +35158,7 @@
                           </a:gradFill>
                           <a:latin typeface="+mn-lt"/>
                         </a:rPr>
-                        <a:t>Office 365 </a:t>
-                      </a:r>
-                      <a:r>
-                        <a:rPr lang="en-US" sz="2000" b="0" u="none" strike="noStrike" kern="1200" dirty="0" smtClean="0">
-                          <a:ln>
-                            <a:noFill/>
-                          </a:ln>
-                          <a:gradFill>
-                            <a:gsLst>
-                              <a:gs pos="0">
-                                <a:srgbClr val="FFFFFF"/>
-                              </a:gs>
-                              <a:gs pos="100000">
-                                <a:srgbClr val="FFFFFF"/>
-                              </a:gs>
-                            </a:gsLst>
-                            <a:lin ang="5400000" scaled="0"/>
-                          </a:gradFill>
-                          <a:latin typeface="+mn-lt"/>
-                        </a:rPr>
-                        <a:t>APIs</a:t>
+                        <a:t>Office 365 APIs</a:t>
                       </a:r>
                       <a:endParaRPr lang="en-US" sz="2000" b="0" u="none" strike="noStrike" kern="1200" dirty="0">
                         <a:ln>
@@ -38852,6 +38795,15 @@
 </file>
 
 <file path=customXml/item1.xml><?xml version="1.0" encoding="utf-8"?>
+<?mso-contentType ?>
+<FormTemplates xmlns="http://schemas.microsoft.com/sharepoint/v3/contenttype/forms">
+  <Display>DocumentLibraryForm</Display>
+  <Edit>DocumentLibraryForm</Edit>
+  <New>DocumentLibraryForm</New>
+</FormTemplates>
+</file>
+
+<file path=customXml/item2.xml><?xml version="1.0" encoding="utf-8"?>
 <ct:contentTypeSchema xmlns:ct="http://schemas.microsoft.com/office/2006/metadata/contentType" xmlns:ma="http://schemas.microsoft.com/office/2006/metadata/properties/metaAttributes" ct:_="" ma:_="" ma:contentTypeName="Document" ma:contentTypeID="0x010100A2E4C90AA7333249A7DBC8CC6F49919B" ma:contentTypeVersion="1" ma:contentTypeDescription="Create a new document." ma:contentTypeScope="" ma:versionID="e7b09f0f38d7ed30c7da14951e97abcc">
   <xsd:schema xmlns:xsd="http://www.w3.org/2001/XMLSchema" xmlns:xs="http://www.w3.org/2001/XMLSchema" xmlns:p="http://schemas.microsoft.com/office/2006/metadata/properties" xmlns:ns2="5fad15d0-477e-40da-a20d-40d4ca777cbd" targetNamespace="http://schemas.microsoft.com/office/2006/metadata/properties" ma:root="true" ma:fieldsID="0cee24db179c30c5ebec40b677cadf70" ns2:_="">
     <xsd:import namespace="5fad15d0-477e-40da-a20d-40d4ca777cbd"/>
@@ -38991,15 +38943,6 @@
 </ct:contentTypeSchema>
 </file>
 
-<file path=customXml/item2.xml><?xml version="1.0" encoding="utf-8"?>
-<?mso-contentType ?>
-<FormTemplates xmlns="http://schemas.microsoft.com/sharepoint/v3/contenttype/forms">
-  <Display>DocumentLibraryForm</Display>
-  <Edit>DocumentLibraryForm</Edit>
-  <New>DocumentLibraryForm</New>
-</FormTemplates>
-</file>
-
 <file path=customXml/item3.xml><?xml version="1.0" encoding="utf-8"?>
 <p:properties xmlns:p="http://schemas.microsoft.com/office/2006/metadata/properties" xmlns:xsi="http://www.w3.org/2001/XMLSchema-instance" xmlns:pc="http://schemas.microsoft.com/office/infopath/2007/PartnerControls">
   <documentManagement/>
@@ -39007,6 +38950,14 @@
 </file>
 
 <file path=customXml/itemProps1.xml><?xml version="1.0" encoding="utf-8"?>
+<ds:datastoreItem xmlns:ds="http://schemas.openxmlformats.org/officeDocument/2006/customXml" ds:itemID="{E1E0CE18-CA03-4891-9CD8-3448778E3D53}">
+  <ds:schemaRefs>
+    <ds:schemaRef ds:uri="http://schemas.microsoft.com/sharepoint/v3/contenttype/forms"/>
+  </ds:schemaRefs>
+</ds:datastoreItem>
+</file>
+
+<file path=customXml/itemProps2.xml><?xml version="1.0" encoding="utf-8"?>
 <ds:datastoreItem xmlns:ds="http://schemas.openxmlformats.org/officeDocument/2006/customXml" ds:itemID="{F17DCE38-6787-497B-B958-75817420EB1E}">
   <ds:schemaRefs>
     <ds:schemaRef ds:uri="http://schemas.microsoft.com/office/2006/metadata/contentType"/>
@@ -39020,14 +38971,6 @@
     <ds:schemaRef ds:uri="http://purl.org/dc/elements/1.1/"/>
     <ds:schemaRef ds:uri="http://purl.org/dc/terms/"/>
     <ds:schemaRef ds:uri="http://schemas.microsoft.com/internal/obd"/>
-  </ds:schemaRefs>
-</ds:datastoreItem>
-</file>
-
-<file path=customXml/itemProps2.xml><?xml version="1.0" encoding="utf-8"?>
-<ds:datastoreItem xmlns:ds="http://schemas.openxmlformats.org/officeDocument/2006/customXml" ds:itemID="{E1E0CE18-CA03-4891-9CD8-3448778E3D53}">
-  <ds:schemaRefs>
-    <ds:schemaRef ds:uri="http://schemas.microsoft.com/sharepoint/v3/contenttype/forms"/>
   </ds:schemaRefs>
 </ds:datastoreItem>
 </file>
